--- a/presentation.pptx
+++ b/presentation.pptx
@@ -13,15 +13,12 @@
     <p:sldId id="257" r:id="rId7"/>
     <p:sldId id="265" r:id="rId8"/>
     <p:sldId id="258" r:id="rId9"/>
-    <p:sldId id="270" r:id="rId10"/>
-    <p:sldId id="272" r:id="rId11"/>
-    <p:sldId id="271" r:id="rId12"/>
-    <p:sldId id="260" r:id="rId13"/>
-    <p:sldId id="269" r:id="rId14"/>
-    <p:sldId id="261" r:id="rId15"/>
-    <p:sldId id="262" r:id="rId16"/>
-    <p:sldId id="267" r:id="rId17"/>
-    <p:sldId id="268" r:id="rId18"/>
+    <p:sldId id="260" r:id="rId10"/>
+    <p:sldId id="269" r:id="rId11"/>
+    <p:sldId id="261" r:id="rId12"/>
+    <p:sldId id="262" r:id="rId13"/>
+    <p:sldId id="267" r:id="rId14"/>
+    <p:sldId id="268" r:id="rId15"/>
   </p:sldIdLst>
   <p:sldSz cx="12192000" cy="6858000"/>
   <p:notesSz cx="6858000" cy="9144000"/>
@@ -120,6 +117,11 @@
       </a:defRPr>
     </a:lvl9pPr>
   </p:defaultTextStyle>
+  <p:extLst>
+    <p:ext uri="{EFAFB233-063F-42B5-8137-9DF3F51BA10A}">
+      <p15:sldGuideLst xmlns:p15="http://schemas.microsoft.com/office/powerpoint/2012/main"/>
+    </p:ext>
+  </p:extLst>
 </p:presentation>
 </file>
 
@@ -254,7 +256,7 @@
           <a:p>
             <a:fld id="{ED09F41D-DE06-48BA-ACAE-93CF05357850}" type="datetimeFigureOut">
               <a:rPr lang="ru-RU" smtClean="0"/>
-              <a:t>13.05.2020</a:t>
+              <a:t>27.05.2020</a:t>
             </a:fld>
             <a:endParaRPr lang="ru-RU"/>
           </a:p>
@@ -424,7 +426,7 @@
           <a:p>
             <a:fld id="{ED09F41D-DE06-48BA-ACAE-93CF05357850}" type="datetimeFigureOut">
               <a:rPr lang="ru-RU" smtClean="0"/>
-              <a:t>13.05.2020</a:t>
+              <a:t>27.05.2020</a:t>
             </a:fld>
             <a:endParaRPr lang="ru-RU"/>
           </a:p>
@@ -604,7 +606,7 @@
           <a:p>
             <a:fld id="{ED09F41D-DE06-48BA-ACAE-93CF05357850}" type="datetimeFigureOut">
               <a:rPr lang="ru-RU" smtClean="0"/>
-              <a:t>13.05.2020</a:t>
+              <a:t>27.05.2020</a:t>
             </a:fld>
             <a:endParaRPr lang="ru-RU"/>
           </a:p>
@@ -774,7 +776,7 @@
           <a:p>
             <a:fld id="{ED09F41D-DE06-48BA-ACAE-93CF05357850}" type="datetimeFigureOut">
               <a:rPr lang="ru-RU" smtClean="0"/>
-              <a:t>13.05.2020</a:t>
+              <a:t>27.05.2020</a:t>
             </a:fld>
             <a:endParaRPr lang="ru-RU"/>
           </a:p>
@@ -1020,7 +1022,7 @@
           <a:p>
             <a:fld id="{ED09F41D-DE06-48BA-ACAE-93CF05357850}" type="datetimeFigureOut">
               <a:rPr lang="ru-RU" smtClean="0"/>
-              <a:t>13.05.2020</a:t>
+              <a:t>27.05.2020</a:t>
             </a:fld>
             <a:endParaRPr lang="ru-RU"/>
           </a:p>
@@ -1252,7 +1254,7 @@
           <a:p>
             <a:fld id="{ED09F41D-DE06-48BA-ACAE-93CF05357850}" type="datetimeFigureOut">
               <a:rPr lang="ru-RU" smtClean="0"/>
-              <a:t>13.05.2020</a:t>
+              <a:t>27.05.2020</a:t>
             </a:fld>
             <a:endParaRPr lang="ru-RU"/>
           </a:p>
@@ -1619,7 +1621,7 @@
           <a:p>
             <a:fld id="{ED09F41D-DE06-48BA-ACAE-93CF05357850}" type="datetimeFigureOut">
               <a:rPr lang="ru-RU" smtClean="0"/>
-              <a:t>13.05.2020</a:t>
+              <a:t>27.05.2020</a:t>
             </a:fld>
             <a:endParaRPr lang="ru-RU"/>
           </a:p>
@@ -1737,7 +1739,7 @@
           <a:p>
             <a:fld id="{ED09F41D-DE06-48BA-ACAE-93CF05357850}" type="datetimeFigureOut">
               <a:rPr lang="ru-RU" smtClean="0"/>
-              <a:t>13.05.2020</a:t>
+              <a:t>27.05.2020</a:t>
             </a:fld>
             <a:endParaRPr lang="ru-RU"/>
           </a:p>
@@ -1832,7 +1834,7 @@
           <a:p>
             <a:fld id="{ED09F41D-DE06-48BA-ACAE-93CF05357850}" type="datetimeFigureOut">
               <a:rPr lang="ru-RU" smtClean="0"/>
-              <a:t>13.05.2020</a:t>
+              <a:t>27.05.2020</a:t>
             </a:fld>
             <a:endParaRPr lang="ru-RU"/>
           </a:p>
@@ -2109,7 +2111,7 @@
           <a:p>
             <a:fld id="{ED09F41D-DE06-48BA-ACAE-93CF05357850}" type="datetimeFigureOut">
               <a:rPr lang="ru-RU" smtClean="0"/>
-              <a:t>13.05.2020</a:t>
+              <a:t>27.05.2020</a:t>
             </a:fld>
             <a:endParaRPr lang="ru-RU"/>
           </a:p>
@@ -2362,7 +2364,7 @@
           <a:p>
             <a:fld id="{ED09F41D-DE06-48BA-ACAE-93CF05357850}" type="datetimeFigureOut">
               <a:rPr lang="ru-RU" smtClean="0"/>
-              <a:t>13.05.2020</a:t>
+              <a:t>27.05.2020</a:t>
             </a:fld>
             <a:endParaRPr lang="ru-RU"/>
           </a:p>
@@ -2575,7 +2577,7 @@
           <a:p>
             <a:fld id="{ED09F41D-DE06-48BA-ACAE-93CF05357850}" type="datetimeFigureOut">
               <a:rPr lang="ru-RU" smtClean="0"/>
-              <a:t>13.05.2020</a:t>
+              <a:t>27.05.2020</a:t>
             </a:fld>
             <a:endParaRPr lang="ru-RU"/>
           </a:p>
@@ -3094,7 +3096,7 @@
         <p:spPr>
           <a:xfrm>
             <a:off x="0" y="0"/>
-            <a:ext cx="6747933" cy="1325563"/>
+            <a:ext cx="12191999" cy="6858000"/>
           </a:xfrm>
         </p:spPr>
         <p:txBody>
@@ -3103,15 +3105,16 @@
           </a:bodyPr>
           <a:lstStyle/>
           <a:p>
-            <a:r>
-              <a:rPr lang="ru-RU" sz="6000" dirty="0" smtClean="0">
+            <a:pPr algn="ctr"/>
+            <a:r>
+              <a:rPr lang="ru-RU" sz="7800" dirty="0" smtClean="0">
                 <a:solidFill>
                   <a:srgbClr val="FF5564"/>
                 </a:solidFill>
               </a:rPr>
-              <a:t>Да:</a:t>
-            </a:r>
-            <a:endParaRPr lang="ru-RU" sz="6000" dirty="0">
+              <a:t>Хостинг?</a:t>
+            </a:r>
+            <a:endParaRPr lang="ru-RU" sz="7800" dirty="0">
               <a:solidFill>
                 <a:srgbClr val="FF5564"/>
               </a:solidFill>
@@ -3119,130 +3122,34 @@
           </a:p>
         </p:txBody>
       </p:sp>
-      <p:sp>
-        <p:nvSpPr>
-          <p:cNvPr id="3" name="Объект 2"/>
-          <p:cNvSpPr>
-            <a:spLocks noGrp="1"/>
-          </p:cNvSpPr>
-          <p:nvPr>
-            <p:ph idx="1"/>
-          </p:nvPr>
-        </p:nvSpPr>
+      <p:pic>
+        <p:nvPicPr>
+          <p:cNvPr id="9" name="Рисунок 8"/>
+          <p:cNvPicPr>
+            <a:picLocks noChangeAspect="1"/>
+          </p:cNvPicPr>
+          <p:nvPr/>
+        </p:nvPicPr>
+        <p:blipFill>
+          <a:blip r:embed="rId2"/>
+          <a:stretch>
+            <a:fillRect/>
+          </a:stretch>
+        </p:blipFill>
         <p:spPr>
           <a:xfrm>
-            <a:off x="838200" y="1825625"/>
-            <a:ext cx="10515600" cy="4863042"/>
+            <a:off x="4910136" y="5030336"/>
+            <a:ext cx="2371725" cy="438150"/>
           </a:xfrm>
+          <a:prstGeom prst="rect">
+            <a:avLst/>
+          </a:prstGeom>
         </p:spPr>
-        <p:txBody>
-          <a:bodyPr>
-            <a:normAutofit/>
-          </a:bodyPr>
-          <a:lstStyle/>
-          <a:p>
-            <a:pPr>
-              <a:lnSpc>
-                <a:spcPct val="100000"/>
-              </a:lnSpc>
-            </a:pPr>
-            <a:r>
-              <a:rPr lang="ru-RU" sz="4000" dirty="0" smtClean="0"/>
-              <a:t>Тесты</a:t>
-            </a:r>
-          </a:p>
-          <a:p>
-            <a:pPr lvl="1">
-              <a:lnSpc>
-                <a:spcPct val="100000"/>
-              </a:lnSpc>
-              <a:buFont typeface="Wingdings" panose="05000000000000000000" pitchFamily="2" charset="2"/>
-              <a:buChar char="q"/>
-            </a:pPr>
-            <a:r>
-              <a:rPr lang="ru-RU" sz="3200" dirty="0" smtClean="0">
-                <a:latin typeface="+mj-lt"/>
-              </a:rPr>
-              <a:t>Создавать</a:t>
-            </a:r>
-            <a:r>
-              <a:rPr lang="ru-RU" sz="3200" dirty="0">
-                <a:latin typeface="+mj-lt"/>
-              </a:rPr>
-              <a:t> и</a:t>
-            </a:r>
-            <a:r>
-              <a:rPr lang="ru-RU" sz="3200" dirty="0" smtClean="0">
-                <a:latin typeface="+mj-lt"/>
-              </a:rPr>
-              <a:t> проходить</a:t>
-            </a:r>
-          </a:p>
-          <a:p>
-            <a:pPr>
-              <a:lnSpc>
-                <a:spcPct val="100000"/>
-              </a:lnSpc>
-            </a:pPr>
-            <a:r>
-              <a:rPr lang="ru-RU" sz="4000" dirty="0" smtClean="0"/>
-              <a:t>Пользователи</a:t>
-            </a:r>
-          </a:p>
-          <a:p>
-            <a:pPr lvl="1">
-              <a:lnSpc>
-                <a:spcPct val="100000"/>
-              </a:lnSpc>
-              <a:buFont typeface="Wingdings" panose="05000000000000000000" pitchFamily="2" charset="2"/>
-              <a:buChar char="q"/>
-            </a:pPr>
-            <a:r>
-              <a:rPr lang="ru-RU" sz="3200" dirty="0" smtClean="0">
-                <a:latin typeface="+mj-lt"/>
-              </a:rPr>
-              <a:t>Учителя, ученики, админ </a:t>
-            </a:r>
-            <a:r>
-              <a:rPr lang="ru-RU" i="1" dirty="0" smtClean="0">
-                <a:latin typeface="+mj-lt"/>
-              </a:rPr>
-              <a:t>(третий лишний)</a:t>
-            </a:r>
-          </a:p>
-          <a:p>
-            <a:pPr>
-              <a:lnSpc>
-                <a:spcPct val="100000"/>
-              </a:lnSpc>
-            </a:pPr>
-            <a:r>
-              <a:rPr lang="ru-RU" sz="4000" dirty="0" smtClean="0"/>
-              <a:t>Группы</a:t>
-            </a:r>
-          </a:p>
-          <a:p>
-            <a:pPr lvl="1">
-              <a:lnSpc>
-                <a:spcPct val="100000"/>
-              </a:lnSpc>
-              <a:buFont typeface="Wingdings" panose="05000000000000000000" pitchFamily="2" charset="2"/>
-              <a:buChar char="q"/>
-            </a:pPr>
-            <a:r>
-              <a:rPr lang="ru-RU" sz="3200" dirty="0" smtClean="0">
-                <a:latin typeface="+mj-lt"/>
-              </a:rPr>
-              <a:t>Объединять и проходить тесты</a:t>
-            </a:r>
-            <a:endParaRPr lang="ru-RU" sz="3200" dirty="0"/>
-          </a:p>
-        </p:txBody>
-      </p:sp>
+      </p:pic>
     </p:spTree>
     <p:extLst>
       <p:ext uri="{BB962C8B-B14F-4D97-AF65-F5344CB8AC3E}">
-        <p14:creationId xmlns:p14="http://schemas.microsoft.com/office/powerpoint/2010/main" val="3717536257"/>
+        <p14:creationId xmlns:p14="http://schemas.microsoft.com/office/powerpoint/2010/main" val="1219223992"/>
       </p:ext>
     </p:extLst>
   </p:cSld>
@@ -3262,6 +3169,14 @@
 <file path=ppt/slides/slide11.xml><?xml version="1.0" encoding="utf-8"?>
 <p:sld xmlns:a="http://schemas.openxmlformats.org/drawingml/2006/main" xmlns:r="http://schemas.openxmlformats.org/officeDocument/2006/relationships" xmlns:p="http://schemas.openxmlformats.org/presentationml/2006/main">
   <p:cSld>
+    <p:bg>
+      <p:bgPr>
+        <a:solidFill>
+          <a:schemeClr val="tx1"/>
+        </a:solidFill>
+        <a:effectLst/>
+      </p:bgPr>
+    </p:bg>
     <p:spTree>
       <p:nvGrpSpPr>
         <p:cNvPr id="1" name=""/>
@@ -3288,190 +3203,35 @@
         </p:nvSpPr>
         <p:spPr>
           <a:xfrm>
-            <a:off x="0" y="0"/>
-            <a:ext cx="6747933" cy="1325563"/>
+            <a:off x="0" y="1"/>
+            <a:ext cx="12192000" cy="6858000"/>
           </a:xfrm>
         </p:spPr>
         <p:txBody>
-          <a:bodyPr>
-            <a:normAutofit/>
-          </a:bodyPr>
-          <a:lstStyle/>
-          <a:p>
-            <a:r>
-              <a:rPr lang="ru-RU" sz="6000" dirty="0" smtClean="0">
+          <a:bodyPr/>
+          <a:lstStyle/>
+          <a:p>
+            <a:pPr algn="ctr"/>
+            <a:r>
+              <a:rPr lang="ru-RU" sz="7800" dirty="0" smtClean="0">
                 <a:solidFill>
-                  <a:srgbClr val="FF5564"/>
+                  <a:schemeClr val="bg1"/>
                 </a:solidFill>
               </a:rPr>
-              <a:t>Да:</a:t>
-            </a:r>
-            <a:endParaRPr lang="ru-RU" sz="6000" dirty="0">
+              <a:t>Выводы</a:t>
+            </a:r>
+            <a:endParaRPr lang="ru-RU" sz="7800" dirty="0">
               <a:solidFill>
-                <a:srgbClr val="FF5564"/>
+                <a:schemeClr val="bg1"/>
               </a:solidFill>
             </a:endParaRPr>
-          </a:p>
-        </p:txBody>
-      </p:sp>
-      <p:sp>
-        <p:nvSpPr>
-          <p:cNvPr id="3" name="Объект 2"/>
-          <p:cNvSpPr>
-            <a:spLocks noGrp="1"/>
-          </p:cNvSpPr>
-          <p:nvPr>
-            <p:ph idx="1"/>
-          </p:nvPr>
-        </p:nvSpPr>
-        <p:spPr>
-          <a:xfrm>
-            <a:off x="838200" y="1825625"/>
-            <a:ext cx="10515600" cy="4863042"/>
-          </a:xfrm>
-        </p:spPr>
-        <p:txBody>
-          <a:bodyPr>
-            <a:normAutofit fontScale="92500" lnSpcReduction="10000"/>
-          </a:bodyPr>
-          <a:lstStyle/>
-          <a:p>
-            <a:pPr>
-              <a:lnSpc>
-                <a:spcPct val="100000"/>
-              </a:lnSpc>
-            </a:pPr>
-            <a:r>
-              <a:rPr lang="ru-RU" sz="4300" dirty="0" smtClean="0"/>
-              <a:t>Тесты</a:t>
-            </a:r>
-          </a:p>
-          <a:p>
-            <a:pPr lvl="1">
-              <a:lnSpc>
-                <a:spcPct val="100000"/>
-              </a:lnSpc>
-              <a:buFont typeface="Wingdings" panose="05000000000000000000" pitchFamily="2" charset="2"/>
-              <a:buChar char="q"/>
-            </a:pPr>
-            <a:r>
-              <a:rPr lang="ru-RU" sz="3500" dirty="0" smtClean="0">
-                <a:latin typeface="+mj-lt"/>
-              </a:rPr>
-              <a:t>Создавать</a:t>
-            </a:r>
-            <a:r>
-              <a:rPr lang="ru-RU" sz="3500" dirty="0">
-                <a:latin typeface="+mj-lt"/>
-              </a:rPr>
-              <a:t> и</a:t>
-            </a:r>
-            <a:r>
-              <a:rPr lang="ru-RU" sz="3500" dirty="0" smtClean="0">
-                <a:latin typeface="+mj-lt"/>
-              </a:rPr>
-              <a:t> проходить</a:t>
-            </a:r>
-          </a:p>
-          <a:p>
-            <a:pPr>
-              <a:lnSpc>
-                <a:spcPct val="100000"/>
-              </a:lnSpc>
-            </a:pPr>
-            <a:r>
-              <a:rPr lang="ru-RU" sz="4300" dirty="0" smtClean="0"/>
-              <a:t>Пользователи</a:t>
-            </a:r>
-          </a:p>
-          <a:p>
-            <a:pPr lvl="1">
-              <a:lnSpc>
-                <a:spcPct val="100000"/>
-              </a:lnSpc>
-              <a:buFont typeface="Wingdings" panose="05000000000000000000" pitchFamily="2" charset="2"/>
-              <a:buChar char="q"/>
-            </a:pPr>
-            <a:r>
-              <a:rPr lang="ru-RU" sz="3500" dirty="0" smtClean="0">
-                <a:latin typeface="+mj-lt"/>
-              </a:rPr>
-              <a:t>Учителя, ученики, админ </a:t>
-            </a:r>
-            <a:r>
-              <a:rPr lang="ru-RU" i="1" dirty="0" smtClean="0">
-                <a:latin typeface="+mj-lt"/>
-              </a:rPr>
-              <a:t>(третий лишний)</a:t>
-            </a:r>
-          </a:p>
-          <a:p>
-            <a:pPr>
-              <a:lnSpc>
-                <a:spcPct val="100000"/>
-              </a:lnSpc>
-            </a:pPr>
-            <a:r>
-              <a:rPr lang="ru-RU" sz="4300" dirty="0" smtClean="0"/>
-              <a:t>Группы</a:t>
-            </a:r>
-          </a:p>
-          <a:p>
-            <a:pPr lvl="1">
-              <a:lnSpc>
-                <a:spcPct val="100000"/>
-              </a:lnSpc>
-              <a:buFont typeface="Wingdings" panose="05000000000000000000" pitchFamily="2" charset="2"/>
-              <a:buChar char="q"/>
-            </a:pPr>
-            <a:r>
-              <a:rPr lang="ru-RU" sz="3500" dirty="0" smtClean="0">
-                <a:latin typeface="+mj-lt"/>
-              </a:rPr>
-              <a:t>Объединять и проходить тесты</a:t>
-            </a:r>
-          </a:p>
-          <a:p>
-            <a:pPr>
-              <a:lnSpc>
-                <a:spcPct val="100000"/>
-              </a:lnSpc>
-            </a:pPr>
-            <a:r>
-              <a:rPr lang="ru-RU" sz="4300" dirty="0" smtClean="0"/>
-              <a:t>Статистика</a:t>
-            </a:r>
-          </a:p>
-          <a:p>
-            <a:pPr lvl="1">
-              <a:lnSpc>
-                <a:spcPct val="100000"/>
-              </a:lnSpc>
-              <a:buFont typeface="Wingdings" panose="05000000000000000000" pitchFamily="2" charset="2"/>
-              <a:buChar char="q"/>
-            </a:pPr>
-            <a:r>
-              <a:rPr lang="ru-RU" sz="3500" dirty="0" smtClean="0">
-                <a:latin typeface="+mj-lt"/>
-              </a:rPr>
-              <a:t>Смотреть и хвастаться</a:t>
-            </a:r>
-          </a:p>
-          <a:p>
-            <a:pPr marL="0" indent="0">
-              <a:lnSpc>
-                <a:spcPct val="150000"/>
-              </a:lnSpc>
-              <a:buNone/>
-            </a:pPr>
-            <a:endParaRPr lang="ru-RU" sz="4400" dirty="0"/>
           </a:p>
         </p:txBody>
       </p:sp>
     </p:spTree>
     <p:extLst>
       <p:ext uri="{BB962C8B-B14F-4D97-AF65-F5344CB8AC3E}">
-        <p14:creationId xmlns:p14="http://schemas.microsoft.com/office/powerpoint/2010/main" val="3342477613"/>
+        <p14:creationId xmlns:p14="http://schemas.microsoft.com/office/powerpoint/2010/main" val="2482471522"/>
       </p:ext>
     </p:extLst>
   </p:cSld>
@@ -3489,6 +3249,1075 @@
 </file>
 
 <file path=ppt/slides/slide12.xml><?xml version="1.0" encoding="utf-8"?>
+<p:sld xmlns:a="http://schemas.openxmlformats.org/drawingml/2006/main" xmlns:r="http://schemas.openxmlformats.org/officeDocument/2006/relationships" xmlns:p="http://schemas.openxmlformats.org/presentationml/2006/main">
+  <p:cSld>
+    <p:spTree>
+      <p:nvGrpSpPr>
+        <p:cNvPr id="1" name=""/>
+        <p:cNvGrpSpPr/>
+        <p:nvPr/>
+      </p:nvGrpSpPr>
+      <p:grpSpPr>
+        <a:xfrm>
+          <a:off x="0" y="0"/>
+          <a:ext cx="0" cy="0"/>
+          <a:chOff x="0" y="0"/>
+          <a:chExt cx="0" cy="0"/>
+        </a:xfrm>
+      </p:grpSpPr>
+      <p:sp>
+        <p:nvSpPr>
+          <p:cNvPr id="2" name="Заголовок 1"/>
+          <p:cNvSpPr>
+            <a:spLocks noGrp="1"/>
+          </p:cNvSpPr>
+          <p:nvPr>
+            <p:ph type="title"/>
+          </p:nvPr>
+        </p:nvSpPr>
+        <p:spPr>
+          <a:xfrm>
+            <a:off x="0" y="1"/>
+            <a:ext cx="12192000" cy="6858000"/>
+          </a:xfrm>
+        </p:spPr>
+        <p:txBody>
+          <a:bodyPr/>
+          <a:lstStyle/>
+          <a:p>
+            <a:pPr algn="ctr"/>
+            <a:r>
+              <a:rPr lang="ru-RU" sz="7800" dirty="0" smtClean="0">
+                <a:solidFill>
+                  <a:srgbClr val="FF5564"/>
+                </a:solidFill>
+              </a:rPr>
+              <a:t>Получилось классно.</a:t>
+            </a:r>
+            <a:endParaRPr lang="ru-RU" sz="7800" dirty="0">
+              <a:solidFill>
+                <a:srgbClr val="FF5564"/>
+              </a:solidFill>
+            </a:endParaRPr>
+          </a:p>
+        </p:txBody>
+      </p:sp>
+    </p:spTree>
+    <p:extLst>
+      <p:ext uri="{BB962C8B-B14F-4D97-AF65-F5344CB8AC3E}">
+        <p14:creationId xmlns:p14="http://schemas.microsoft.com/office/powerpoint/2010/main" val="1375063220"/>
+      </p:ext>
+    </p:extLst>
+  </p:cSld>
+  <p:clrMapOvr>
+    <a:masterClrMapping/>
+  </p:clrMapOvr>
+  <p:timing>
+    <p:tnLst>
+      <p:par>
+        <p:cTn id="1" dur="indefinite" restart="never" nodeType="tmRoot"/>
+      </p:par>
+    </p:tnLst>
+  </p:timing>
+</p:sld>
+</file>
+
+<file path=ppt/slides/slide13.xml><?xml version="1.0" encoding="utf-8"?>
+<p:sld xmlns:a="http://schemas.openxmlformats.org/drawingml/2006/main" xmlns:r="http://schemas.openxmlformats.org/officeDocument/2006/relationships" xmlns:p="http://schemas.openxmlformats.org/presentationml/2006/main">
+  <p:cSld>
+    <p:bg>
+      <p:bgPr>
+        <a:solidFill>
+          <a:schemeClr val="tx1"/>
+        </a:solidFill>
+        <a:effectLst/>
+      </p:bgPr>
+    </p:bg>
+    <p:spTree>
+      <p:nvGrpSpPr>
+        <p:cNvPr id="1" name=""/>
+        <p:cNvGrpSpPr/>
+        <p:nvPr/>
+      </p:nvGrpSpPr>
+      <p:grpSpPr>
+        <a:xfrm>
+          <a:off x="0" y="0"/>
+          <a:ext cx="0" cy="0"/>
+          <a:chOff x="0" y="0"/>
+          <a:chExt cx="0" cy="0"/>
+        </a:xfrm>
+      </p:grpSpPr>
+      <p:sp>
+        <p:nvSpPr>
+          <p:cNvPr id="2" name="Заголовок 1"/>
+          <p:cNvSpPr>
+            <a:spLocks noGrp="1"/>
+          </p:cNvSpPr>
+          <p:nvPr>
+            <p:ph type="title"/>
+          </p:nvPr>
+        </p:nvSpPr>
+        <p:spPr>
+          <a:xfrm>
+            <a:off x="0" y="1"/>
+            <a:ext cx="12192000" cy="6858000"/>
+          </a:xfrm>
+        </p:spPr>
+        <p:txBody>
+          <a:bodyPr/>
+          <a:lstStyle/>
+          <a:p>
+            <a:pPr algn="ctr"/>
+            <a:r>
+              <a:rPr lang="ru-RU" sz="7800" dirty="0" smtClean="0">
+                <a:solidFill>
+                  <a:schemeClr val="bg1"/>
+                </a:solidFill>
+              </a:rPr>
+              <a:t>Посмотреть?</a:t>
+            </a:r>
+            <a:endParaRPr lang="ru-RU" sz="7800" dirty="0">
+              <a:solidFill>
+                <a:schemeClr val="bg1"/>
+              </a:solidFill>
+            </a:endParaRPr>
+          </a:p>
+        </p:txBody>
+      </p:sp>
+    </p:spTree>
+    <p:extLst>
+      <p:ext uri="{BB962C8B-B14F-4D97-AF65-F5344CB8AC3E}">
+        <p14:creationId xmlns:p14="http://schemas.microsoft.com/office/powerpoint/2010/main" val="300075174"/>
+      </p:ext>
+    </p:extLst>
+  </p:cSld>
+  <p:clrMapOvr>
+    <a:masterClrMapping/>
+  </p:clrMapOvr>
+  <p:timing>
+    <p:tnLst>
+      <p:par>
+        <p:cTn id="1" dur="indefinite" restart="never" nodeType="tmRoot"/>
+      </p:par>
+    </p:tnLst>
+  </p:timing>
+</p:sld>
+</file>
+
+<file path=ppt/slides/slide14.xml><?xml version="1.0" encoding="utf-8"?>
+<p:sld xmlns:a="http://schemas.openxmlformats.org/drawingml/2006/main" xmlns:r="http://schemas.openxmlformats.org/officeDocument/2006/relationships" xmlns:p="http://schemas.openxmlformats.org/presentationml/2006/main">
+  <p:cSld>
+    <p:spTree>
+      <p:nvGrpSpPr>
+        <p:cNvPr id="1" name=""/>
+        <p:cNvGrpSpPr/>
+        <p:nvPr/>
+      </p:nvGrpSpPr>
+      <p:grpSpPr>
+        <a:xfrm>
+          <a:off x="0" y="0"/>
+          <a:ext cx="0" cy="0"/>
+          <a:chOff x="0" y="0"/>
+          <a:chExt cx="0" cy="0"/>
+        </a:xfrm>
+      </p:grpSpPr>
+      <p:sp>
+        <p:nvSpPr>
+          <p:cNvPr id="2" name="Заголовок 1"/>
+          <p:cNvSpPr>
+            <a:spLocks noGrp="1"/>
+          </p:cNvSpPr>
+          <p:nvPr>
+            <p:ph type="title"/>
+          </p:nvPr>
+        </p:nvSpPr>
+        <p:spPr>
+          <a:xfrm>
+            <a:off x="0" y="1"/>
+            <a:ext cx="12192000" cy="6858000"/>
+          </a:xfrm>
+        </p:spPr>
+        <p:txBody>
+          <a:bodyPr/>
+          <a:lstStyle/>
+          <a:p>
+            <a:pPr algn="ctr"/>
+            <a:r>
+              <a:rPr lang="ru-RU" sz="7800" dirty="0" smtClean="0">
+                <a:solidFill>
+                  <a:srgbClr val="FF5564"/>
+                </a:solidFill>
+              </a:rPr>
+              <a:t>Конечно.</a:t>
+            </a:r>
+            <a:endParaRPr lang="ru-RU" sz="7800" dirty="0">
+              <a:solidFill>
+                <a:srgbClr val="FF5564"/>
+              </a:solidFill>
+            </a:endParaRPr>
+          </a:p>
+        </p:txBody>
+      </p:sp>
+    </p:spTree>
+    <p:extLst>
+      <p:ext uri="{BB962C8B-B14F-4D97-AF65-F5344CB8AC3E}">
+        <p14:creationId xmlns:p14="http://schemas.microsoft.com/office/powerpoint/2010/main" val="187013955"/>
+      </p:ext>
+    </p:extLst>
+  </p:cSld>
+  <p:clrMapOvr>
+    <a:masterClrMapping/>
+  </p:clrMapOvr>
+  <p:timing>
+    <p:tnLst>
+      <p:par>
+        <p:cTn id="1" dur="indefinite" restart="never" nodeType="tmRoot"/>
+      </p:par>
+    </p:tnLst>
+  </p:timing>
+</p:sld>
+</file>
+
+<file path=ppt/slides/slide2.xml><?xml version="1.0" encoding="utf-8"?>
+<p:sld xmlns:a="http://schemas.openxmlformats.org/drawingml/2006/main" xmlns:r="http://schemas.openxmlformats.org/officeDocument/2006/relationships" xmlns:p="http://schemas.openxmlformats.org/presentationml/2006/main">
+  <p:cSld>
+    <p:spTree>
+      <p:nvGrpSpPr>
+        <p:cNvPr id="1" name=""/>
+        <p:cNvGrpSpPr/>
+        <p:nvPr/>
+      </p:nvGrpSpPr>
+      <p:grpSpPr>
+        <a:xfrm>
+          <a:off x="0" y="0"/>
+          <a:ext cx="0" cy="0"/>
+          <a:chOff x="0" y="0"/>
+          <a:chExt cx="0" cy="0"/>
+        </a:xfrm>
+      </p:grpSpPr>
+      <p:sp>
+        <p:nvSpPr>
+          <p:cNvPr id="2" name="Заголовок 1"/>
+          <p:cNvSpPr>
+            <a:spLocks noGrp="1"/>
+          </p:cNvSpPr>
+          <p:nvPr>
+            <p:ph type="title"/>
+          </p:nvPr>
+        </p:nvSpPr>
+        <p:spPr>
+          <a:xfrm>
+            <a:off x="0" y="0"/>
+            <a:ext cx="12192000" cy="6857999"/>
+          </a:xfrm>
+          <a:solidFill>
+            <a:schemeClr val="tx1"/>
+          </a:solidFill>
+        </p:spPr>
+        <p:txBody>
+          <a:bodyPr>
+            <a:normAutofit/>
+          </a:bodyPr>
+          <a:lstStyle/>
+          <a:p>
+            <a:pPr algn="ctr"/>
+            <a:r>
+              <a:rPr lang="ru-RU" sz="7800" dirty="0" smtClean="0">
+                <a:solidFill>
+                  <a:schemeClr val="bg1"/>
+                </a:solidFill>
+              </a:rPr>
+              <a:t>Проблема?</a:t>
+            </a:r>
+            <a:endParaRPr lang="ru-RU" sz="7800" dirty="0">
+              <a:solidFill>
+                <a:schemeClr val="bg1"/>
+              </a:solidFill>
+            </a:endParaRPr>
+          </a:p>
+        </p:txBody>
+      </p:sp>
+    </p:spTree>
+    <p:extLst>
+      <p:ext uri="{BB962C8B-B14F-4D97-AF65-F5344CB8AC3E}">
+        <p14:creationId xmlns:p14="http://schemas.microsoft.com/office/powerpoint/2010/main" val="1275436977"/>
+      </p:ext>
+    </p:extLst>
+  </p:cSld>
+  <p:clrMapOvr>
+    <a:masterClrMapping/>
+  </p:clrMapOvr>
+  <p:timing>
+    <p:tnLst>
+      <p:par>
+        <p:cTn id="1" dur="indefinite" restart="never" nodeType="tmRoot"/>
+      </p:par>
+    </p:tnLst>
+  </p:timing>
+</p:sld>
+</file>
+
+<file path=ppt/slides/slide3.xml><?xml version="1.0" encoding="utf-8"?>
+<p:sld xmlns:a="http://schemas.openxmlformats.org/drawingml/2006/main" xmlns:r="http://schemas.openxmlformats.org/officeDocument/2006/relationships" xmlns:p="http://schemas.openxmlformats.org/presentationml/2006/main">
+  <p:cSld>
+    <p:spTree>
+      <p:nvGrpSpPr>
+        <p:cNvPr id="1" name=""/>
+        <p:cNvGrpSpPr/>
+        <p:nvPr/>
+      </p:nvGrpSpPr>
+      <p:grpSpPr>
+        <a:xfrm>
+          <a:off x="0" y="0"/>
+          <a:ext cx="0" cy="0"/>
+          <a:chOff x="0" y="0"/>
+          <a:chExt cx="0" cy="0"/>
+        </a:xfrm>
+      </p:grpSpPr>
+      <p:sp>
+        <p:nvSpPr>
+          <p:cNvPr id="2" name="Заголовок 1"/>
+          <p:cNvSpPr>
+            <a:spLocks noGrp="1"/>
+          </p:cNvSpPr>
+          <p:nvPr>
+            <p:ph type="title"/>
+          </p:nvPr>
+        </p:nvSpPr>
+        <p:spPr>
+          <a:xfrm>
+            <a:off x="0" y="0"/>
+            <a:ext cx="12192000" cy="6857999"/>
+          </a:xfrm>
+        </p:spPr>
+        <p:txBody>
+          <a:bodyPr>
+            <a:normAutofit/>
+          </a:bodyPr>
+          <a:lstStyle/>
+          <a:p>
+            <a:pPr algn="ctr">
+              <a:lnSpc>
+                <a:spcPct val="100000"/>
+              </a:lnSpc>
+            </a:pPr>
+            <a:r>
+              <a:rPr lang="ru-RU" sz="7800" i="1" dirty="0" smtClean="0">
+                <a:solidFill>
+                  <a:srgbClr val="FF5564"/>
+                </a:solidFill>
+                <a:latin typeface="Verdana" panose="020B0604030504040204" pitchFamily="34" charset="0"/>
+                <a:ea typeface="Verdana" panose="020B0604030504040204" pitchFamily="34" charset="0"/>
+                <a:cs typeface="Verdana" panose="020B0604030504040204" pitchFamily="34" charset="0"/>
+              </a:rPr>
+              <a:t>Экзамены,</a:t>
+            </a:r>
+            <a:r>
+              <a:rPr lang="ru-RU" sz="5800" i="1" dirty="0" smtClean="0">
+                <a:solidFill>
+                  <a:srgbClr val="FF5564"/>
+                </a:solidFill>
+                <a:latin typeface="Verdana" panose="020B0604030504040204" pitchFamily="34" charset="0"/>
+                <a:ea typeface="Verdana" panose="020B0604030504040204" pitchFamily="34" charset="0"/>
+                <a:cs typeface="Verdana" panose="020B0604030504040204" pitchFamily="34" charset="0"/>
+              </a:rPr>
+              <a:t/>
+            </a:r>
+            <a:br>
+              <a:rPr lang="ru-RU" sz="5800" i="1" dirty="0" smtClean="0">
+                <a:solidFill>
+                  <a:srgbClr val="FF5564"/>
+                </a:solidFill>
+                <a:latin typeface="Verdana" panose="020B0604030504040204" pitchFamily="34" charset="0"/>
+                <a:ea typeface="Verdana" panose="020B0604030504040204" pitchFamily="34" charset="0"/>
+                <a:cs typeface="Verdana" panose="020B0604030504040204" pitchFamily="34" charset="0"/>
+              </a:rPr>
+            </a:br>
+            <a:r>
+              <a:rPr lang="ru-RU" sz="5800" i="1" dirty="0" smtClean="0">
+                <a:solidFill>
+                  <a:srgbClr val="FF5564"/>
+                </a:solidFill>
+                <a:latin typeface="Verdana" panose="020B0604030504040204" pitchFamily="34" charset="0"/>
+                <a:ea typeface="Verdana" panose="020B0604030504040204" pitchFamily="34" charset="0"/>
+                <a:cs typeface="Verdana" panose="020B0604030504040204" pitchFamily="34" charset="0"/>
+              </a:rPr>
+              <a:t>сертификации,</a:t>
+            </a:r>
+            <a:r>
+              <a:rPr lang="ru-RU" sz="7800" i="1" dirty="0" smtClean="0">
+                <a:solidFill>
+                  <a:srgbClr val="FF5564"/>
+                </a:solidFill>
+                <a:latin typeface="Verdana" panose="020B0604030504040204" pitchFamily="34" charset="0"/>
+                <a:ea typeface="Verdana" panose="020B0604030504040204" pitchFamily="34" charset="0"/>
+                <a:cs typeface="Verdana" panose="020B0604030504040204" pitchFamily="34" charset="0"/>
+              </a:rPr>
+              <a:t/>
+            </a:r>
+            <a:br>
+              <a:rPr lang="ru-RU" sz="7800" i="1" dirty="0" smtClean="0">
+                <a:solidFill>
+                  <a:srgbClr val="FF5564"/>
+                </a:solidFill>
+                <a:latin typeface="Verdana" panose="020B0604030504040204" pitchFamily="34" charset="0"/>
+                <a:ea typeface="Verdana" panose="020B0604030504040204" pitchFamily="34" charset="0"/>
+                <a:cs typeface="Verdana" panose="020B0604030504040204" pitchFamily="34" charset="0"/>
+              </a:rPr>
+            </a:br>
+            <a:r>
+              <a:rPr lang="ru-RU" sz="3800" i="1" dirty="0" smtClean="0">
+                <a:solidFill>
+                  <a:srgbClr val="FF5564"/>
+                </a:solidFill>
+                <a:latin typeface="Verdana" panose="020B0604030504040204" pitchFamily="34" charset="0"/>
+                <a:ea typeface="Verdana" panose="020B0604030504040204" pitchFamily="34" charset="0"/>
+                <a:cs typeface="Verdana" panose="020B0604030504040204" pitchFamily="34" charset="0"/>
+              </a:rPr>
+              <a:t>проверки</a:t>
+            </a:r>
+            <a:r>
+              <a:rPr lang="ru-RU" sz="3800" i="1" dirty="0" smtClean="0">
+                <a:solidFill>
+                  <a:srgbClr val="FF5564"/>
+                </a:solidFill>
+                <a:latin typeface="Verdana" panose="020B0604030504040204" pitchFamily="34" charset="0"/>
+                <a:ea typeface="Verdana" panose="020B0604030504040204" pitchFamily="34" charset="0"/>
+                <a:cs typeface="Verdana" panose="020B0604030504040204" pitchFamily="34" charset="0"/>
+              </a:rPr>
+              <a:t>…</a:t>
+            </a:r>
+            <a:endParaRPr lang="ru-RU" sz="3800" dirty="0">
+              <a:solidFill>
+                <a:srgbClr val="FF5564"/>
+              </a:solidFill>
+              <a:latin typeface="Verdana" panose="020B0604030504040204" pitchFamily="34" charset="0"/>
+              <a:ea typeface="Verdana" panose="020B0604030504040204" pitchFamily="34" charset="0"/>
+              <a:cs typeface="Verdana" panose="020B0604030504040204" pitchFamily="34" charset="0"/>
+            </a:endParaRPr>
+          </a:p>
+        </p:txBody>
+      </p:sp>
+    </p:spTree>
+    <p:extLst>
+      <p:ext uri="{BB962C8B-B14F-4D97-AF65-F5344CB8AC3E}">
+        <p14:creationId xmlns:p14="http://schemas.microsoft.com/office/powerpoint/2010/main" val="2806771507"/>
+      </p:ext>
+    </p:extLst>
+  </p:cSld>
+  <p:clrMapOvr>
+    <a:masterClrMapping/>
+  </p:clrMapOvr>
+  <p:timing>
+    <p:tnLst>
+      <p:par>
+        <p:cTn id="1" dur="indefinite" restart="never" nodeType="tmRoot"/>
+      </p:par>
+    </p:tnLst>
+  </p:timing>
+</p:sld>
+</file>
+
+<file path=ppt/slides/slide4.xml><?xml version="1.0" encoding="utf-8"?>
+<p:sld xmlns:a="http://schemas.openxmlformats.org/drawingml/2006/main" xmlns:r="http://schemas.openxmlformats.org/officeDocument/2006/relationships" xmlns:p="http://schemas.openxmlformats.org/presentationml/2006/main">
+  <p:cSld>
+    <p:spTree>
+      <p:nvGrpSpPr>
+        <p:cNvPr id="1" name=""/>
+        <p:cNvGrpSpPr/>
+        <p:nvPr/>
+      </p:nvGrpSpPr>
+      <p:grpSpPr>
+        <a:xfrm>
+          <a:off x="0" y="0"/>
+          <a:ext cx="0" cy="0"/>
+          <a:chOff x="0" y="0"/>
+          <a:chExt cx="0" cy="0"/>
+        </a:xfrm>
+      </p:grpSpPr>
+      <p:sp>
+        <p:nvSpPr>
+          <p:cNvPr id="2" name="Заголовок 1"/>
+          <p:cNvSpPr>
+            <a:spLocks noGrp="1"/>
+          </p:cNvSpPr>
+          <p:nvPr>
+            <p:ph type="title"/>
+          </p:nvPr>
+        </p:nvSpPr>
+        <p:spPr>
+          <a:xfrm>
+            <a:off x="0" y="0"/>
+            <a:ext cx="12192000" cy="6857999"/>
+          </a:xfrm>
+          <a:solidFill>
+            <a:schemeClr val="tx1"/>
+          </a:solidFill>
+        </p:spPr>
+        <p:txBody>
+          <a:bodyPr>
+            <a:normAutofit/>
+          </a:bodyPr>
+          <a:lstStyle/>
+          <a:p>
+            <a:pPr algn="ctr"/>
+            <a:r>
+              <a:rPr lang="ru-RU" sz="7800" dirty="0" smtClean="0">
+                <a:solidFill>
+                  <a:schemeClr val="bg1"/>
+                </a:solidFill>
+              </a:rPr>
+              <a:t>Решение?</a:t>
+            </a:r>
+            <a:endParaRPr lang="ru-RU" sz="7800" dirty="0">
+              <a:solidFill>
+                <a:schemeClr val="bg1"/>
+              </a:solidFill>
+            </a:endParaRPr>
+          </a:p>
+        </p:txBody>
+      </p:sp>
+    </p:spTree>
+    <p:extLst>
+      <p:ext uri="{BB962C8B-B14F-4D97-AF65-F5344CB8AC3E}">
+        <p14:creationId xmlns:p14="http://schemas.microsoft.com/office/powerpoint/2010/main" val="389568500"/>
+      </p:ext>
+    </p:extLst>
+  </p:cSld>
+  <p:clrMapOvr>
+    <a:masterClrMapping/>
+  </p:clrMapOvr>
+  <p:timing>
+    <p:tnLst>
+      <p:par>
+        <p:cTn id="1" dur="indefinite" restart="never" nodeType="tmRoot"/>
+      </p:par>
+    </p:tnLst>
+  </p:timing>
+</p:sld>
+</file>
+
+<file path=ppt/slides/slide5.xml><?xml version="1.0" encoding="utf-8"?>
+<p:sld xmlns:a="http://schemas.openxmlformats.org/drawingml/2006/main" xmlns:r="http://schemas.openxmlformats.org/officeDocument/2006/relationships" xmlns:p="http://schemas.openxmlformats.org/presentationml/2006/main">
+  <p:cSld>
+    <p:spTree>
+      <p:nvGrpSpPr>
+        <p:cNvPr id="1" name=""/>
+        <p:cNvGrpSpPr/>
+        <p:nvPr/>
+      </p:nvGrpSpPr>
+      <p:grpSpPr>
+        <a:xfrm>
+          <a:off x="0" y="0"/>
+          <a:ext cx="0" cy="0"/>
+          <a:chOff x="0" y="0"/>
+          <a:chExt cx="0" cy="0"/>
+        </a:xfrm>
+      </p:grpSpPr>
+      <p:sp>
+        <p:nvSpPr>
+          <p:cNvPr id="2" name="Заголовок 1"/>
+          <p:cNvSpPr>
+            <a:spLocks noGrp="1"/>
+          </p:cNvSpPr>
+          <p:nvPr>
+            <p:ph type="title"/>
+          </p:nvPr>
+        </p:nvSpPr>
+        <p:spPr>
+          <a:xfrm>
+            <a:off x="0" y="0"/>
+            <a:ext cx="12192000" cy="6857999"/>
+          </a:xfrm>
+        </p:spPr>
+        <p:txBody>
+          <a:bodyPr>
+            <a:normAutofit/>
+          </a:bodyPr>
+          <a:lstStyle/>
+          <a:p>
+            <a:pPr algn="ctr"/>
+            <a:r>
+              <a:rPr lang="ru-RU" sz="7800" i="1" dirty="0" smtClean="0">
+                <a:solidFill>
+                  <a:srgbClr val="FF5564"/>
+                </a:solidFill>
+                <a:latin typeface="Verdana" panose="020B0604030504040204" pitchFamily="34" charset="0"/>
+                <a:ea typeface="Verdana" panose="020B0604030504040204" pitchFamily="34" charset="0"/>
+                <a:cs typeface="Verdana" panose="020B0604030504040204" pitchFamily="34" charset="0"/>
+              </a:rPr>
+              <a:t>ЕСТ</a:t>
+            </a:r>
+            <a:r>
+              <a:rPr lang="ru-RU" dirty="0" smtClean="0">
+                <a:latin typeface="Verdana" panose="020B0604030504040204" pitchFamily="34" charset="0"/>
+                <a:ea typeface="Verdana" panose="020B0604030504040204" pitchFamily="34" charset="0"/>
+                <a:cs typeface="Verdana" panose="020B0604030504040204" pitchFamily="34" charset="0"/>
+              </a:rPr>
+              <a:t>ь.</a:t>
+            </a:r>
+            <a:endParaRPr lang="ru-RU" sz="7800" dirty="0">
+              <a:solidFill>
+                <a:srgbClr val="FF5564"/>
+              </a:solidFill>
+              <a:latin typeface="Verdana" panose="020B0604030504040204" pitchFamily="34" charset="0"/>
+              <a:ea typeface="Verdana" panose="020B0604030504040204" pitchFamily="34" charset="0"/>
+              <a:cs typeface="Verdana" panose="020B0604030504040204" pitchFamily="34" charset="0"/>
+            </a:endParaRPr>
+          </a:p>
+        </p:txBody>
+      </p:sp>
+    </p:spTree>
+    <p:extLst>
+      <p:ext uri="{BB962C8B-B14F-4D97-AF65-F5344CB8AC3E}">
+        <p14:creationId xmlns:p14="http://schemas.microsoft.com/office/powerpoint/2010/main" val="1948805720"/>
+      </p:ext>
+    </p:extLst>
+  </p:cSld>
+  <p:clrMapOvr>
+    <a:masterClrMapping/>
+  </p:clrMapOvr>
+  <p:timing>
+    <p:tnLst>
+      <p:par>
+        <p:cTn id="1" dur="indefinite" restart="never" nodeType="tmRoot"/>
+      </p:par>
+    </p:tnLst>
+  </p:timing>
+</p:sld>
+</file>
+
+<file path=ppt/slides/slide6.xml><?xml version="1.0" encoding="utf-8"?>
+<p:sld xmlns:a="http://schemas.openxmlformats.org/drawingml/2006/main" xmlns:r="http://schemas.openxmlformats.org/officeDocument/2006/relationships" xmlns:p="http://schemas.openxmlformats.org/presentationml/2006/main">
+  <p:cSld>
+    <p:spTree>
+      <p:nvGrpSpPr>
+        <p:cNvPr id="1" name=""/>
+        <p:cNvGrpSpPr/>
+        <p:nvPr/>
+      </p:nvGrpSpPr>
+      <p:grpSpPr>
+        <a:xfrm>
+          <a:off x="0" y="0"/>
+          <a:ext cx="0" cy="0"/>
+          <a:chOff x="0" y="0"/>
+          <a:chExt cx="0" cy="0"/>
+        </a:xfrm>
+      </p:grpSpPr>
+      <p:sp>
+        <p:nvSpPr>
+          <p:cNvPr id="2" name="Заголовок 1"/>
+          <p:cNvSpPr>
+            <a:spLocks noGrp="1"/>
+          </p:cNvSpPr>
+          <p:nvPr>
+            <p:ph type="title"/>
+          </p:nvPr>
+        </p:nvSpPr>
+        <p:spPr>
+          <a:xfrm>
+            <a:off x="0" y="0"/>
+            <a:ext cx="10515600" cy="1325563"/>
+          </a:xfrm>
+        </p:spPr>
+        <p:txBody>
+          <a:bodyPr/>
+          <a:lstStyle/>
+          <a:p>
+            <a:r>
+              <a:rPr lang="ru-RU" sz="6000" i="1" dirty="0" smtClean="0">
+                <a:solidFill>
+                  <a:srgbClr val="FF5564"/>
+                </a:solidFill>
+              </a:rPr>
+              <a:t>ЕСТ</a:t>
+            </a:r>
+            <a:r>
+              <a:rPr lang="ru-RU" sz="3000" dirty="0" smtClean="0"/>
+              <a:t>ь</a:t>
+            </a:r>
+            <a:endParaRPr lang="ru-RU" sz="3000" dirty="0"/>
+          </a:p>
+        </p:txBody>
+      </p:sp>
+      <p:sp>
+        <p:nvSpPr>
+          <p:cNvPr id="3" name="Объект 2"/>
+          <p:cNvSpPr>
+            <a:spLocks noGrp="1"/>
+          </p:cNvSpPr>
+          <p:nvPr>
+            <p:ph idx="1"/>
+          </p:nvPr>
+        </p:nvSpPr>
+        <p:spPr>
+          <a:xfrm>
+            <a:off x="838200" y="1637243"/>
+            <a:ext cx="10515600" cy="4351338"/>
+          </a:xfrm>
+        </p:spPr>
+        <p:txBody>
+          <a:bodyPr>
+            <a:normAutofit/>
+          </a:bodyPr>
+          <a:lstStyle/>
+          <a:p>
+            <a:pPr marL="0" indent="0">
+              <a:lnSpc>
+                <a:spcPct val="150000"/>
+              </a:lnSpc>
+              <a:buNone/>
+            </a:pPr>
+            <a:r>
+              <a:rPr lang="ru-RU" sz="4800" b="1" dirty="0" smtClean="0">
+                <a:solidFill>
+                  <a:srgbClr val="FF5564"/>
+                </a:solidFill>
+              </a:rPr>
+              <a:t>Е</a:t>
+            </a:r>
+            <a:r>
+              <a:rPr lang="ru-RU" sz="4600" i="1" dirty="0" smtClean="0"/>
+              <a:t>диная</a:t>
+            </a:r>
+            <a:r>
+              <a:rPr lang="ru-RU" sz="4600" i="1" dirty="0" smtClean="0">
+                <a:solidFill>
+                  <a:srgbClr val="FF5564"/>
+                </a:solidFill>
+              </a:rPr>
+              <a:t> </a:t>
+            </a:r>
+            <a:r>
+              <a:rPr lang="ru-RU" sz="4800" b="1" dirty="0" smtClean="0">
+                <a:solidFill>
+                  <a:srgbClr val="FF5564"/>
+                </a:solidFill>
+              </a:rPr>
+              <a:t>С</a:t>
+            </a:r>
+            <a:r>
+              <a:rPr lang="ru-RU" sz="4600" i="1" dirty="0" smtClean="0"/>
+              <a:t>истема</a:t>
+            </a:r>
+            <a:r>
+              <a:rPr lang="ru-RU" sz="4600" i="1" dirty="0" smtClean="0">
+                <a:solidFill>
+                  <a:srgbClr val="FF5564"/>
+                </a:solidFill>
+              </a:rPr>
+              <a:t> </a:t>
+            </a:r>
+            <a:r>
+              <a:rPr lang="ru-RU" sz="4800" b="1" dirty="0" smtClean="0">
+                <a:solidFill>
+                  <a:srgbClr val="FF5564"/>
+                </a:solidFill>
+              </a:rPr>
+              <a:t>Т</a:t>
+            </a:r>
+            <a:r>
+              <a:rPr lang="ru-RU" sz="4600" i="1" dirty="0" smtClean="0"/>
+              <a:t>естов</a:t>
+            </a:r>
+          </a:p>
+          <a:p>
+            <a:pPr>
+              <a:lnSpc>
+                <a:spcPct val="150000"/>
+              </a:lnSpc>
+              <a:buFont typeface="Wingdings" panose="05000000000000000000" pitchFamily="2" charset="2"/>
+              <a:buChar char="v"/>
+            </a:pPr>
+            <a:r>
+              <a:rPr lang="ru-RU" sz="4000" dirty="0" smtClean="0"/>
+              <a:t>Идея – </a:t>
+            </a:r>
+            <a:r>
+              <a:rPr lang="ru-RU" sz="4000" b="1" dirty="0" smtClean="0"/>
+              <a:t>подготовка к тестам</a:t>
+            </a:r>
+            <a:endParaRPr lang="ru-RU" sz="4000" b="1" dirty="0" smtClean="0"/>
+          </a:p>
+          <a:p>
+            <a:pPr>
+              <a:lnSpc>
+                <a:spcPct val="150000"/>
+              </a:lnSpc>
+              <a:buFont typeface="Wingdings" panose="05000000000000000000" pitchFamily="2" charset="2"/>
+              <a:buChar char="v"/>
+            </a:pPr>
+            <a:r>
+              <a:rPr lang="ru-RU" sz="4000" dirty="0" smtClean="0"/>
+              <a:t>Использование </a:t>
+            </a:r>
+            <a:r>
+              <a:rPr lang="ru-RU" sz="4000" dirty="0" smtClean="0"/>
+              <a:t>– </a:t>
+            </a:r>
+            <a:r>
+              <a:rPr lang="ru-RU" sz="4000" b="1" dirty="0" smtClean="0"/>
+              <a:t>на любом устройстве</a:t>
+            </a:r>
+            <a:endParaRPr lang="ru-RU" sz="4000" b="1" dirty="0" smtClean="0"/>
+          </a:p>
+          <a:p>
+            <a:pPr>
+              <a:lnSpc>
+                <a:spcPct val="150000"/>
+              </a:lnSpc>
+              <a:buFont typeface="Wingdings" panose="05000000000000000000" pitchFamily="2" charset="2"/>
+              <a:buChar char="v"/>
+            </a:pPr>
+            <a:r>
+              <a:rPr lang="ru-RU" sz="4000" dirty="0" smtClean="0"/>
+              <a:t>Применение – </a:t>
+            </a:r>
+            <a:r>
+              <a:rPr lang="ru-RU" sz="4000" b="1" dirty="0" smtClean="0"/>
+              <a:t>где угодно</a:t>
+            </a:r>
+            <a:endParaRPr lang="ru-RU" sz="4000" dirty="0" smtClean="0"/>
+          </a:p>
+        </p:txBody>
+      </p:sp>
+    </p:spTree>
+    <p:extLst>
+      <p:ext uri="{BB962C8B-B14F-4D97-AF65-F5344CB8AC3E}">
+        <p14:creationId xmlns:p14="http://schemas.microsoft.com/office/powerpoint/2010/main" val="3170863885"/>
+      </p:ext>
+    </p:extLst>
+  </p:cSld>
+  <p:clrMapOvr>
+    <a:masterClrMapping/>
+  </p:clrMapOvr>
+  <p:timing>
+    <p:tnLst>
+      <p:par>
+        <p:cTn id="1" dur="indefinite" restart="never" nodeType="tmRoot"/>
+      </p:par>
+    </p:tnLst>
+  </p:timing>
+</p:sld>
+</file>
+
+<file path=ppt/slides/slide7.xml><?xml version="1.0" encoding="utf-8"?>
+<p:sld xmlns:a="http://schemas.openxmlformats.org/drawingml/2006/main" xmlns:r="http://schemas.openxmlformats.org/officeDocument/2006/relationships" xmlns:p="http://schemas.openxmlformats.org/presentationml/2006/main">
+  <p:cSld>
+    <p:spTree>
+      <p:nvGrpSpPr>
+        <p:cNvPr id="1" name=""/>
+        <p:cNvGrpSpPr/>
+        <p:nvPr/>
+      </p:nvGrpSpPr>
+      <p:grpSpPr>
+        <a:xfrm>
+          <a:off x="0" y="0"/>
+          <a:ext cx="0" cy="0"/>
+          <a:chOff x="0" y="0"/>
+          <a:chExt cx="0" cy="0"/>
+        </a:xfrm>
+      </p:grpSpPr>
+      <p:sp>
+        <p:nvSpPr>
+          <p:cNvPr id="2" name="Заголовок 1"/>
+          <p:cNvSpPr>
+            <a:spLocks noGrp="1"/>
+          </p:cNvSpPr>
+          <p:nvPr>
+            <p:ph type="title"/>
+          </p:nvPr>
+        </p:nvSpPr>
+        <p:spPr>
+          <a:xfrm>
+            <a:off x="0" y="0"/>
+            <a:ext cx="12192000" cy="6857999"/>
+          </a:xfrm>
+          <a:solidFill>
+            <a:schemeClr val="tx1"/>
+          </a:solidFill>
+        </p:spPr>
+        <p:txBody>
+          <a:bodyPr>
+            <a:normAutofit/>
+          </a:bodyPr>
+          <a:lstStyle/>
+          <a:p>
+            <a:pPr algn="ctr"/>
+            <a:r>
+              <a:rPr lang="ru-RU" sz="7800" dirty="0" smtClean="0">
+                <a:solidFill>
+                  <a:schemeClr val="bg1"/>
+                </a:solidFill>
+              </a:rPr>
+              <a:t>Подробнее?</a:t>
+            </a:r>
+            <a:endParaRPr lang="ru-RU" sz="7800" dirty="0">
+              <a:solidFill>
+                <a:schemeClr val="bg1"/>
+              </a:solidFill>
+            </a:endParaRPr>
+          </a:p>
+        </p:txBody>
+      </p:sp>
+    </p:spTree>
+    <p:extLst>
+      <p:ext uri="{BB962C8B-B14F-4D97-AF65-F5344CB8AC3E}">
+        <p14:creationId xmlns:p14="http://schemas.microsoft.com/office/powerpoint/2010/main" val="3517822380"/>
+      </p:ext>
+    </p:extLst>
+  </p:cSld>
+  <p:clrMapOvr>
+    <a:masterClrMapping/>
+  </p:clrMapOvr>
+  <p:timing>
+    <p:tnLst>
+      <p:par>
+        <p:cTn id="1" dur="indefinite" restart="never" nodeType="tmRoot"/>
+      </p:par>
+    </p:tnLst>
+  </p:timing>
+</p:sld>
+</file>
+
+<file path=ppt/slides/slide8.xml><?xml version="1.0" encoding="utf-8"?>
+<p:sld xmlns:a="http://schemas.openxmlformats.org/drawingml/2006/main" xmlns:r="http://schemas.openxmlformats.org/officeDocument/2006/relationships" xmlns:p="http://schemas.openxmlformats.org/presentationml/2006/main">
+  <p:cSld>
+    <p:spTree>
+      <p:nvGrpSpPr>
+        <p:cNvPr id="1" name=""/>
+        <p:cNvGrpSpPr/>
+        <p:nvPr/>
+      </p:nvGrpSpPr>
+      <p:grpSpPr>
+        <a:xfrm>
+          <a:off x="0" y="0"/>
+          <a:ext cx="0" cy="0"/>
+          <a:chOff x="0" y="0"/>
+          <a:chExt cx="0" cy="0"/>
+        </a:xfrm>
+      </p:grpSpPr>
+      <p:sp>
+        <p:nvSpPr>
+          <p:cNvPr id="2" name="Заголовок 1"/>
+          <p:cNvSpPr>
+            <a:spLocks noGrp="1"/>
+          </p:cNvSpPr>
+          <p:nvPr>
+            <p:ph type="title"/>
+          </p:nvPr>
+        </p:nvSpPr>
+        <p:spPr>
+          <a:xfrm>
+            <a:off x="0" y="9525"/>
+            <a:ext cx="6747933" cy="1325563"/>
+          </a:xfrm>
+        </p:spPr>
+        <p:txBody>
+          <a:bodyPr>
+            <a:normAutofit/>
+          </a:bodyPr>
+          <a:lstStyle/>
+          <a:p>
+            <a:r>
+              <a:rPr lang="ru-RU" sz="6000" dirty="0" smtClean="0">
+                <a:solidFill>
+                  <a:srgbClr val="FF5564"/>
+                </a:solidFill>
+              </a:rPr>
+              <a:t>Да:</a:t>
+            </a:r>
+            <a:endParaRPr lang="ru-RU" sz="6000" dirty="0">
+              <a:solidFill>
+                <a:srgbClr val="FF5564"/>
+              </a:solidFill>
+            </a:endParaRPr>
+          </a:p>
+        </p:txBody>
+      </p:sp>
+      <p:sp>
+        <p:nvSpPr>
+          <p:cNvPr id="3" name="Объект 2"/>
+          <p:cNvSpPr>
+            <a:spLocks noGrp="1"/>
+          </p:cNvSpPr>
+          <p:nvPr>
+            <p:ph idx="1"/>
+          </p:nvPr>
+        </p:nvSpPr>
+        <p:spPr>
+          <a:xfrm>
+            <a:off x="838200" y="1825625"/>
+            <a:ext cx="10515600" cy="4863042"/>
+          </a:xfrm>
+        </p:spPr>
+        <p:txBody>
+          <a:bodyPr>
+            <a:normAutofit/>
+          </a:bodyPr>
+          <a:lstStyle/>
+          <a:p>
+            <a:pPr>
+              <a:lnSpc>
+                <a:spcPct val="100000"/>
+              </a:lnSpc>
+            </a:pPr>
+            <a:r>
+              <a:rPr lang="ru-RU" sz="4000" dirty="0" smtClean="0"/>
+              <a:t>Тесты</a:t>
+            </a:r>
+          </a:p>
+          <a:p>
+            <a:pPr lvl="1">
+              <a:lnSpc>
+                <a:spcPct val="100000"/>
+              </a:lnSpc>
+              <a:buFont typeface="Wingdings" panose="05000000000000000000" pitchFamily="2" charset="2"/>
+              <a:buChar char="q"/>
+            </a:pPr>
+            <a:r>
+              <a:rPr lang="ru-RU" sz="3200" dirty="0" smtClean="0">
+                <a:latin typeface="+mj-lt"/>
+              </a:rPr>
+              <a:t>Создавать</a:t>
+            </a:r>
+            <a:r>
+              <a:rPr lang="ru-RU" sz="3200" dirty="0">
+                <a:latin typeface="+mj-lt"/>
+              </a:rPr>
+              <a:t> и</a:t>
+            </a:r>
+            <a:r>
+              <a:rPr lang="ru-RU" sz="3200" dirty="0" smtClean="0">
+                <a:latin typeface="+mj-lt"/>
+              </a:rPr>
+              <a:t> проходить</a:t>
+            </a:r>
+            <a:endParaRPr lang="ru-RU" sz="3200" dirty="0"/>
+          </a:p>
+        </p:txBody>
+      </p:sp>
+    </p:spTree>
+    <p:extLst>
+      <p:ext uri="{BB962C8B-B14F-4D97-AF65-F5344CB8AC3E}">
+        <p14:creationId xmlns:p14="http://schemas.microsoft.com/office/powerpoint/2010/main" val="2852059158"/>
+      </p:ext>
+    </p:extLst>
+  </p:cSld>
+  <p:clrMapOvr>
+    <a:masterClrMapping/>
+  </p:clrMapOvr>
+  <p:timing>
+    <p:tnLst>
+      <p:par>
+        <p:cTn id="1" dur="indefinite" restart="never" nodeType="tmRoot"/>
+      </p:par>
+    </p:tnLst>
+  </p:timing>
+</p:sld>
+</file>
+
+<file path=ppt/slides/slide9.xml><?xml version="1.0" encoding="utf-8"?>
 <p:sld xmlns:a="http://schemas.openxmlformats.org/drawingml/2006/main" xmlns:r="http://schemas.openxmlformats.org/officeDocument/2006/relationships" xmlns:p="http://schemas.openxmlformats.org/presentationml/2006/main">
   <p:cSld>
     <p:spTree>
@@ -3893,1453 +4722,6 @@
     <p:extLst>
       <p:ext uri="{BB962C8B-B14F-4D97-AF65-F5344CB8AC3E}">
         <p14:creationId xmlns:p14="http://schemas.microsoft.com/office/powerpoint/2010/main" val="1921645391"/>
-      </p:ext>
-    </p:extLst>
-  </p:cSld>
-  <p:clrMapOvr>
-    <a:masterClrMapping/>
-  </p:clrMapOvr>
-  <p:timing>
-    <p:tnLst>
-      <p:par>
-        <p:cTn id="1" dur="indefinite" restart="never" nodeType="tmRoot"/>
-      </p:par>
-    </p:tnLst>
-  </p:timing>
-</p:sld>
-</file>
-
-<file path=ppt/slides/slide13.xml><?xml version="1.0" encoding="utf-8"?>
-<p:sld xmlns:a="http://schemas.openxmlformats.org/drawingml/2006/main" xmlns:r="http://schemas.openxmlformats.org/officeDocument/2006/relationships" xmlns:p="http://schemas.openxmlformats.org/presentationml/2006/main">
-  <p:cSld>
-    <p:spTree>
-      <p:nvGrpSpPr>
-        <p:cNvPr id="1" name=""/>
-        <p:cNvGrpSpPr/>
-        <p:nvPr/>
-      </p:nvGrpSpPr>
-      <p:grpSpPr>
-        <a:xfrm>
-          <a:off x="0" y="0"/>
-          <a:ext cx="0" cy="0"/>
-          <a:chOff x="0" y="0"/>
-          <a:chExt cx="0" cy="0"/>
-        </a:xfrm>
-      </p:grpSpPr>
-      <p:sp>
-        <p:nvSpPr>
-          <p:cNvPr id="2" name="Заголовок 1"/>
-          <p:cNvSpPr>
-            <a:spLocks noGrp="1"/>
-          </p:cNvSpPr>
-          <p:nvPr>
-            <p:ph type="title"/>
-          </p:nvPr>
-        </p:nvSpPr>
-        <p:spPr>
-          <a:xfrm>
-            <a:off x="0" y="0"/>
-            <a:ext cx="12191999" cy="6858000"/>
-          </a:xfrm>
-        </p:spPr>
-        <p:txBody>
-          <a:bodyPr>
-            <a:normAutofit/>
-          </a:bodyPr>
-          <a:lstStyle/>
-          <a:p>
-            <a:pPr algn="ctr"/>
-            <a:r>
-              <a:rPr lang="ru-RU" sz="7800" dirty="0" smtClean="0">
-                <a:solidFill>
-                  <a:srgbClr val="FF5564"/>
-                </a:solidFill>
-              </a:rPr>
-              <a:t>Хостинг?</a:t>
-            </a:r>
-            <a:endParaRPr lang="ru-RU" sz="7800" dirty="0">
-              <a:solidFill>
-                <a:srgbClr val="FF5564"/>
-              </a:solidFill>
-            </a:endParaRPr>
-          </a:p>
-        </p:txBody>
-      </p:sp>
-      <p:pic>
-        <p:nvPicPr>
-          <p:cNvPr id="9" name="Рисунок 8"/>
-          <p:cNvPicPr>
-            <a:picLocks noChangeAspect="1"/>
-          </p:cNvPicPr>
-          <p:nvPr/>
-        </p:nvPicPr>
-        <p:blipFill>
-          <a:blip r:embed="rId2"/>
-          <a:stretch>
-            <a:fillRect/>
-          </a:stretch>
-        </p:blipFill>
-        <p:spPr>
-          <a:xfrm>
-            <a:off x="4910136" y="5030336"/>
-            <a:ext cx="2371725" cy="438150"/>
-          </a:xfrm>
-          <a:prstGeom prst="rect">
-            <a:avLst/>
-          </a:prstGeom>
-        </p:spPr>
-      </p:pic>
-    </p:spTree>
-    <p:extLst>
-      <p:ext uri="{BB962C8B-B14F-4D97-AF65-F5344CB8AC3E}">
-        <p14:creationId xmlns:p14="http://schemas.microsoft.com/office/powerpoint/2010/main" val="1219223992"/>
-      </p:ext>
-    </p:extLst>
-  </p:cSld>
-  <p:clrMapOvr>
-    <a:masterClrMapping/>
-  </p:clrMapOvr>
-  <p:timing>
-    <p:tnLst>
-      <p:par>
-        <p:cTn id="1" dur="indefinite" restart="never" nodeType="tmRoot"/>
-      </p:par>
-    </p:tnLst>
-  </p:timing>
-</p:sld>
-</file>
-
-<file path=ppt/slides/slide14.xml><?xml version="1.0" encoding="utf-8"?>
-<p:sld xmlns:a="http://schemas.openxmlformats.org/drawingml/2006/main" xmlns:r="http://schemas.openxmlformats.org/officeDocument/2006/relationships" xmlns:p="http://schemas.openxmlformats.org/presentationml/2006/main">
-  <p:cSld>
-    <p:bg>
-      <p:bgPr>
-        <a:solidFill>
-          <a:schemeClr val="tx1"/>
-        </a:solidFill>
-        <a:effectLst/>
-      </p:bgPr>
-    </p:bg>
-    <p:spTree>
-      <p:nvGrpSpPr>
-        <p:cNvPr id="1" name=""/>
-        <p:cNvGrpSpPr/>
-        <p:nvPr/>
-      </p:nvGrpSpPr>
-      <p:grpSpPr>
-        <a:xfrm>
-          <a:off x="0" y="0"/>
-          <a:ext cx="0" cy="0"/>
-          <a:chOff x="0" y="0"/>
-          <a:chExt cx="0" cy="0"/>
-        </a:xfrm>
-      </p:grpSpPr>
-      <p:sp>
-        <p:nvSpPr>
-          <p:cNvPr id="2" name="Заголовок 1"/>
-          <p:cNvSpPr>
-            <a:spLocks noGrp="1"/>
-          </p:cNvSpPr>
-          <p:nvPr>
-            <p:ph type="title"/>
-          </p:nvPr>
-        </p:nvSpPr>
-        <p:spPr>
-          <a:xfrm>
-            <a:off x="0" y="1"/>
-            <a:ext cx="12192000" cy="6858000"/>
-          </a:xfrm>
-        </p:spPr>
-        <p:txBody>
-          <a:bodyPr/>
-          <a:lstStyle/>
-          <a:p>
-            <a:pPr algn="ctr"/>
-            <a:r>
-              <a:rPr lang="ru-RU" sz="7800" dirty="0" smtClean="0">
-                <a:solidFill>
-                  <a:schemeClr val="bg1"/>
-                </a:solidFill>
-              </a:rPr>
-              <a:t>Выводы</a:t>
-            </a:r>
-            <a:endParaRPr lang="ru-RU" sz="7800" dirty="0">
-              <a:solidFill>
-                <a:schemeClr val="bg1"/>
-              </a:solidFill>
-            </a:endParaRPr>
-          </a:p>
-        </p:txBody>
-      </p:sp>
-    </p:spTree>
-    <p:extLst>
-      <p:ext uri="{BB962C8B-B14F-4D97-AF65-F5344CB8AC3E}">
-        <p14:creationId xmlns:p14="http://schemas.microsoft.com/office/powerpoint/2010/main" val="2482471522"/>
-      </p:ext>
-    </p:extLst>
-  </p:cSld>
-  <p:clrMapOvr>
-    <a:masterClrMapping/>
-  </p:clrMapOvr>
-  <p:timing>
-    <p:tnLst>
-      <p:par>
-        <p:cTn id="1" dur="indefinite" restart="never" nodeType="tmRoot"/>
-      </p:par>
-    </p:tnLst>
-  </p:timing>
-</p:sld>
-</file>
-
-<file path=ppt/slides/slide15.xml><?xml version="1.0" encoding="utf-8"?>
-<p:sld xmlns:a="http://schemas.openxmlformats.org/drawingml/2006/main" xmlns:r="http://schemas.openxmlformats.org/officeDocument/2006/relationships" xmlns:p="http://schemas.openxmlformats.org/presentationml/2006/main">
-  <p:cSld>
-    <p:spTree>
-      <p:nvGrpSpPr>
-        <p:cNvPr id="1" name=""/>
-        <p:cNvGrpSpPr/>
-        <p:nvPr/>
-      </p:nvGrpSpPr>
-      <p:grpSpPr>
-        <a:xfrm>
-          <a:off x="0" y="0"/>
-          <a:ext cx="0" cy="0"/>
-          <a:chOff x="0" y="0"/>
-          <a:chExt cx="0" cy="0"/>
-        </a:xfrm>
-      </p:grpSpPr>
-      <p:sp>
-        <p:nvSpPr>
-          <p:cNvPr id="2" name="Заголовок 1"/>
-          <p:cNvSpPr>
-            <a:spLocks noGrp="1"/>
-          </p:cNvSpPr>
-          <p:nvPr>
-            <p:ph type="title"/>
-          </p:nvPr>
-        </p:nvSpPr>
-        <p:spPr>
-          <a:xfrm>
-            <a:off x="0" y="1"/>
-            <a:ext cx="12192000" cy="6858000"/>
-          </a:xfrm>
-        </p:spPr>
-        <p:txBody>
-          <a:bodyPr/>
-          <a:lstStyle/>
-          <a:p>
-            <a:pPr algn="ctr"/>
-            <a:r>
-              <a:rPr lang="ru-RU" sz="7800" dirty="0" smtClean="0">
-                <a:solidFill>
-                  <a:srgbClr val="FF5564"/>
-                </a:solidFill>
-              </a:rPr>
-              <a:t>Получилось классно.</a:t>
-            </a:r>
-            <a:endParaRPr lang="ru-RU" sz="7800" dirty="0">
-              <a:solidFill>
-                <a:srgbClr val="FF5564"/>
-              </a:solidFill>
-            </a:endParaRPr>
-          </a:p>
-        </p:txBody>
-      </p:sp>
-    </p:spTree>
-    <p:extLst>
-      <p:ext uri="{BB962C8B-B14F-4D97-AF65-F5344CB8AC3E}">
-        <p14:creationId xmlns:p14="http://schemas.microsoft.com/office/powerpoint/2010/main" val="1375063220"/>
-      </p:ext>
-    </p:extLst>
-  </p:cSld>
-  <p:clrMapOvr>
-    <a:masterClrMapping/>
-  </p:clrMapOvr>
-  <p:timing>
-    <p:tnLst>
-      <p:par>
-        <p:cTn id="1" dur="indefinite" restart="never" nodeType="tmRoot"/>
-      </p:par>
-    </p:tnLst>
-  </p:timing>
-</p:sld>
-</file>
-
-<file path=ppt/slides/slide16.xml><?xml version="1.0" encoding="utf-8"?>
-<p:sld xmlns:a="http://schemas.openxmlformats.org/drawingml/2006/main" xmlns:r="http://schemas.openxmlformats.org/officeDocument/2006/relationships" xmlns:p="http://schemas.openxmlformats.org/presentationml/2006/main">
-  <p:cSld>
-    <p:bg>
-      <p:bgPr>
-        <a:solidFill>
-          <a:schemeClr val="tx1"/>
-        </a:solidFill>
-        <a:effectLst/>
-      </p:bgPr>
-    </p:bg>
-    <p:spTree>
-      <p:nvGrpSpPr>
-        <p:cNvPr id="1" name=""/>
-        <p:cNvGrpSpPr/>
-        <p:nvPr/>
-      </p:nvGrpSpPr>
-      <p:grpSpPr>
-        <a:xfrm>
-          <a:off x="0" y="0"/>
-          <a:ext cx="0" cy="0"/>
-          <a:chOff x="0" y="0"/>
-          <a:chExt cx="0" cy="0"/>
-        </a:xfrm>
-      </p:grpSpPr>
-      <p:sp>
-        <p:nvSpPr>
-          <p:cNvPr id="2" name="Заголовок 1"/>
-          <p:cNvSpPr>
-            <a:spLocks noGrp="1"/>
-          </p:cNvSpPr>
-          <p:nvPr>
-            <p:ph type="title"/>
-          </p:nvPr>
-        </p:nvSpPr>
-        <p:spPr>
-          <a:xfrm>
-            <a:off x="0" y="1"/>
-            <a:ext cx="12192000" cy="6858000"/>
-          </a:xfrm>
-        </p:spPr>
-        <p:txBody>
-          <a:bodyPr/>
-          <a:lstStyle/>
-          <a:p>
-            <a:pPr algn="ctr"/>
-            <a:r>
-              <a:rPr lang="ru-RU" sz="7800" dirty="0" smtClean="0">
-                <a:solidFill>
-                  <a:schemeClr val="bg1"/>
-                </a:solidFill>
-              </a:rPr>
-              <a:t>Посмотреть?</a:t>
-            </a:r>
-            <a:endParaRPr lang="ru-RU" sz="7800" dirty="0">
-              <a:solidFill>
-                <a:schemeClr val="bg1"/>
-              </a:solidFill>
-            </a:endParaRPr>
-          </a:p>
-        </p:txBody>
-      </p:sp>
-    </p:spTree>
-    <p:extLst>
-      <p:ext uri="{BB962C8B-B14F-4D97-AF65-F5344CB8AC3E}">
-        <p14:creationId xmlns:p14="http://schemas.microsoft.com/office/powerpoint/2010/main" val="300075174"/>
-      </p:ext>
-    </p:extLst>
-  </p:cSld>
-  <p:clrMapOvr>
-    <a:masterClrMapping/>
-  </p:clrMapOvr>
-  <p:timing>
-    <p:tnLst>
-      <p:par>
-        <p:cTn id="1" dur="indefinite" restart="never" nodeType="tmRoot"/>
-      </p:par>
-    </p:tnLst>
-  </p:timing>
-</p:sld>
-</file>
-
-<file path=ppt/slides/slide17.xml><?xml version="1.0" encoding="utf-8"?>
-<p:sld xmlns:a="http://schemas.openxmlformats.org/drawingml/2006/main" xmlns:r="http://schemas.openxmlformats.org/officeDocument/2006/relationships" xmlns:p="http://schemas.openxmlformats.org/presentationml/2006/main">
-  <p:cSld>
-    <p:spTree>
-      <p:nvGrpSpPr>
-        <p:cNvPr id="1" name=""/>
-        <p:cNvGrpSpPr/>
-        <p:nvPr/>
-      </p:nvGrpSpPr>
-      <p:grpSpPr>
-        <a:xfrm>
-          <a:off x="0" y="0"/>
-          <a:ext cx="0" cy="0"/>
-          <a:chOff x="0" y="0"/>
-          <a:chExt cx="0" cy="0"/>
-        </a:xfrm>
-      </p:grpSpPr>
-      <p:sp>
-        <p:nvSpPr>
-          <p:cNvPr id="2" name="Заголовок 1"/>
-          <p:cNvSpPr>
-            <a:spLocks noGrp="1"/>
-          </p:cNvSpPr>
-          <p:nvPr>
-            <p:ph type="title"/>
-          </p:nvPr>
-        </p:nvSpPr>
-        <p:spPr>
-          <a:xfrm>
-            <a:off x="0" y="1"/>
-            <a:ext cx="12192000" cy="6858000"/>
-          </a:xfrm>
-        </p:spPr>
-        <p:txBody>
-          <a:bodyPr/>
-          <a:lstStyle/>
-          <a:p>
-            <a:pPr algn="ctr"/>
-            <a:r>
-              <a:rPr lang="ru-RU" sz="7800" dirty="0" smtClean="0">
-                <a:solidFill>
-                  <a:srgbClr val="FF5564"/>
-                </a:solidFill>
-              </a:rPr>
-              <a:t>Конечно.</a:t>
-            </a:r>
-            <a:endParaRPr lang="ru-RU" sz="7800" dirty="0">
-              <a:solidFill>
-                <a:srgbClr val="FF5564"/>
-              </a:solidFill>
-            </a:endParaRPr>
-          </a:p>
-        </p:txBody>
-      </p:sp>
-    </p:spTree>
-    <p:extLst>
-      <p:ext uri="{BB962C8B-B14F-4D97-AF65-F5344CB8AC3E}">
-        <p14:creationId xmlns:p14="http://schemas.microsoft.com/office/powerpoint/2010/main" val="187013955"/>
-      </p:ext>
-    </p:extLst>
-  </p:cSld>
-  <p:clrMapOvr>
-    <a:masterClrMapping/>
-  </p:clrMapOvr>
-  <p:timing>
-    <p:tnLst>
-      <p:par>
-        <p:cTn id="1" dur="indefinite" restart="never" nodeType="tmRoot"/>
-      </p:par>
-    </p:tnLst>
-  </p:timing>
-</p:sld>
-</file>
-
-<file path=ppt/slides/slide2.xml><?xml version="1.0" encoding="utf-8"?>
-<p:sld xmlns:a="http://schemas.openxmlformats.org/drawingml/2006/main" xmlns:r="http://schemas.openxmlformats.org/officeDocument/2006/relationships" xmlns:p="http://schemas.openxmlformats.org/presentationml/2006/main">
-  <p:cSld>
-    <p:spTree>
-      <p:nvGrpSpPr>
-        <p:cNvPr id="1" name=""/>
-        <p:cNvGrpSpPr/>
-        <p:nvPr/>
-      </p:nvGrpSpPr>
-      <p:grpSpPr>
-        <a:xfrm>
-          <a:off x="0" y="0"/>
-          <a:ext cx="0" cy="0"/>
-          <a:chOff x="0" y="0"/>
-          <a:chExt cx="0" cy="0"/>
-        </a:xfrm>
-      </p:grpSpPr>
-      <p:sp>
-        <p:nvSpPr>
-          <p:cNvPr id="2" name="Заголовок 1"/>
-          <p:cNvSpPr>
-            <a:spLocks noGrp="1"/>
-          </p:cNvSpPr>
-          <p:nvPr>
-            <p:ph type="title"/>
-          </p:nvPr>
-        </p:nvSpPr>
-        <p:spPr>
-          <a:xfrm>
-            <a:off x="0" y="0"/>
-            <a:ext cx="12192000" cy="6857999"/>
-          </a:xfrm>
-          <a:solidFill>
-            <a:schemeClr val="tx1"/>
-          </a:solidFill>
-        </p:spPr>
-        <p:txBody>
-          <a:bodyPr>
-            <a:normAutofit/>
-          </a:bodyPr>
-          <a:lstStyle/>
-          <a:p>
-            <a:pPr algn="ctr"/>
-            <a:r>
-              <a:rPr lang="ru-RU" sz="7800" dirty="0" smtClean="0">
-                <a:solidFill>
-                  <a:schemeClr val="bg1"/>
-                </a:solidFill>
-              </a:rPr>
-              <a:t>Проблема?</a:t>
-            </a:r>
-            <a:endParaRPr lang="ru-RU" sz="7800" dirty="0">
-              <a:solidFill>
-                <a:schemeClr val="bg1"/>
-              </a:solidFill>
-            </a:endParaRPr>
-          </a:p>
-        </p:txBody>
-      </p:sp>
-    </p:spTree>
-    <p:extLst>
-      <p:ext uri="{BB962C8B-B14F-4D97-AF65-F5344CB8AC3E}">
-        <p14:creationId xmlns:p14="http://schemas.microsoft.com/office/powerpoint/2010/main" val="1275436977"/>
-      </p:ext>
-    </p:extLst>
-  </p:cSld>
-  <p:clrMapOvr>
-    <a:masterClrMapping/>
-  </p:clrMapOvr>
-  <p:timing>
-    <p:tnLst>
-      <p:par>
-        <p:cTn id="1" dur="indefinite" restart="never" nodeType="tmRoot"/>
-      </p:par>
-    </p:tnLst>
-  </p:timing>
-</p:sld>
-</file>
-
-<file path=ppt/slides/slide3.xml><?xml version="1.0" encoding="utf-8"?>
-<p:sld xmlns:a="http://schemas.openxmlformats.org/drawingml/2006/main" xmlns:r="http://schemas.openxmlformats.org/officeDocument/2006/relationships" xmlns:p="http://schemas.openxmlformats.org/presentationml/2006/main">
-  <p:cSld>
-    <p:spTree>
-      <p:nvGrpSpPr>
-        <p:cNvPr id="1" name=""/>
-        <p:cNvGrpSpPr/>
-        <p:nvPr/>
-      </p:nvGrpSpPr>
-      <p:grpSpPr>
-        <a:xfrm>
-          <a:off x="0" y="0"/>
-          <a:ext cx="0" cy="0"/>
-          <a:chOff x="0" y="0"/>
-          <a:chExt cx="0" cy="0"/>
-        </a:xfrm>
-      </p:grpSpPr>
-      <p:sp>
-        <p:nvSpPr>
-          <p:cNvPr id="2" name="Заголовок 1"/>
-          <p:cNvSpPr>
-            <a:spLocks noGrp="1"/>
-          </p:cNvSpPr>
-          <p:nvPr>
-            <p:ph type="title"/>
-          </p:nvPr>
-        </p:nvSpPr>
-        <p:spPr>
-          <a:xfrm>
-            <a:off x="0" y="0"/>
-            <a:ext cx="12192000" cy="6857999"/>
-          </a:xfrm>
-        </p:spPr>
-        <p:txBody>
-          <a:bodyPr>
-            <a:normAutofit/>
-          </a:bodyPr>
-          <a:lstStyle/>
-          <a:p>
-            <a:pPr algn="ctr"/>
-            <a:r>
-              <a:rPr lang="ru-RU" sz="7800" i="1" dirty="0" smtClean="0">
-                <a:solidFill>
-                  <a:srgbClr val="FF5564"/>
-                </a:solidFill>
-                <a:latin typeface="Verdana" panose="020B0604030504040204" pitchFamily="34" charset="0"/>
-                <a:ea typeface="Verdana" panose="020B0604030504040204" pitchFamily="34" charset="0"/>
-                <a:cs typeface="Verdana" panose="020B0604030504040204" pitchFamily="34" charset="0"/>
-              </a:rPr>
-              <a:t>Школа</a:t>
-            </a:r>
-            <a:r>
-              <a:rPr lang="ru-RU" sz="7800" dirty="0" smtClean="0">
-                <a:solidFill>
-                  <a:srgbClr val="FF5564"/>
-                </a:solidFill>
-                <a:latin typeface="Verdana" panose="020B0604030504040204" pitchFamily="34" charset="0"/>
-                <a:ea typeface="Verdana" panose="020B0604030504040204" pitchFamily="34" charset="0"/>
-                <a:cs typeface="Verdana" panose="020B0604030504040204" pitchFamily="34" charset="0"/>
-              </a:rPr>
-              <a:t>.</a:t>
-            </a:r>
-            <a:endParaRPr lang="ru-RU" sz="7800" dirty="0">
-              <a:solidFill>
-                <a:srgbClr val="FF5564"/>
-              </a:solidFill>
-              <a:latin typeface="Verdana" panose="020B0604030504040204" pitchFamily="34" charset="0"/>
-              <a:ea typeface="Verdana" panose="020B0604030504040204" pitchFamily="34" charset="0"/>
-              <a:cs typeface="Verdana" panose="020B0604030504040204" pitchFamily="34" charset="0"/>
-            </a:endParaRPr>
-          </a:p>
-        </p:txBody>
-      </p:sp>
-      <p:pic>
-        <p:nvPicPr>
-          <p:cNvPr id="1026" name="Picture 2" descr="High Quality Harold Thumbs Up Blank Meme Template"/>
-          <p:cNvPicPr>
-            <a:picLocks noChangeAspect="1" noChangeArrowheads="1"/>
-          </p:cNvPicPr>
-          <p:nvPr/>
-        </p:nvPicPr>
-        <p:blipFill>
-          <a:blip r:embed="rId2" cstate="print">
-            <a:extLst>
-              <a:ext uri="{28A0092B-C50C-407E-A947-70E740481C1C}">
-                <a14:useLocalDpi xmlns:a14="http://schemas.microsoft.com/office/drawing/2010/main" val="0"/>
-              </a:ext>
-            </a:extLst>
-          </a:blip>
-          <a:srcRect/>
-          <a:stretch>
-            <a:fillRect/>
-          </a:stretch>
-        </p:blipFill>
-        <p:spPr bwMode="auto">
-          <a:xfrm>
-            <a:off x="9479492" y="5049660"/>
-            <a:ext cx="2712508" cy="1808339"/>
-          </a:xfrm>
-          <a:prstGeom prst="rect">
-            <a:avLst/>
-          </a:prstGeom>
-          <a:noFill/>
-          <a:extLst>
-            <a:ext uri="{909E8E84-426E-40DD-AFC4-6F175D3DCCD1}">
-              <a14:hiddenFill xmlns:a14="http://schemas.microsoft.com/office/drawing/2010/main">
-                <a:solidFill>
-                  <a:srgbClr val="FFFFFF"/>
-                </a:solidFill>
-              </a14:hiddenFill>
-            </a:ext>
-          </a:extLst>
-        </p:spPr>
-      </p:pic>
-      <p:sp>
-        <p:nvSpPr>
-          <p:cNvPr id="4" name="TextBox 3"/>
-          <p:cNvSpPr txBox="1"/>
-          <p:nvPr/>
-        </p:nvSpPr>
-        <p:spPr>
-          <a:xfrm>
-            <a:off x="5808135" y="5769163"/>
-            <a:ext cx="3843866" cy="369332"/>
-          </a:xfrm>
-          <a:prstGeom prst="rect">
-            <a:avLst/>
-          </a:prstGeom>
-          <a:noFill/>
-        </p:spPr>
-        <p:txBody>
-          <a:bodyPr wrap="square" rtlCol="0">
-            <a:spAutoFit/>
-          </a:bodyPr>
-          <a:lstStyle/>
-          <a:p>
-            <a:r>
-              <a:rPr lang="ru-RU" dirty="0" smtClean="0"/>
-              <a:t>Спасибо короне за дистанционку</a:t>
-            </a:r>
-            <a:endParaRPr lang="ru-RU" dirty="0"/>
-          </a:p>
-        </p:txBody>
-      </p:sp>
-    </p:spTree>
-    <p:extLst>
-      <p:ext uri="{BB962C8B-B14F-4D97-AF65-F5344CB8AC3E}">
-        <p14:creationId xmlns:p14="http://schemas.microsoft.com/office/powerpoint/2010/main" val="2806771507"/>
-      </p:ext>
-    </p:extLst>
-  </p:cSld>
-  <p:clrMapOvr>
-    <a:masterClrMapping/>
-  </p:clrMapOvr>
-  <p:timing>
-    <p:tnLst>
-      <p:par>
-        <p:cTn id="1" dur="indefinite" restart="never" nodeType="tmRoot"/>
-      </p:par>
-    </p:tnLst>
-  </p:timing>
-</p:sld>
-</file>
-
-<file path=ppt/slides/slide4.xml><?xml version="1.0" encoding="utf-8"?>
-<p:sld xmlns:a="http://schemas.openxmlformats.org/drawingml/2006/main" xmlns:r="http://schemas.openxmlformats.org/officeDocument/2006/relationships" xmlns:p="http://schemas.openxmlformats.org/presentationml/2006/main">
-  <p:cSld>
-    <p:spTree>
-      <p:nvGrpSpPr>
-        <p:cNvPr id="1" name=""/>
-        <p:cNvGrpSpPr/>
-        <p:nvPr/>
-      </p:nvGrpSpPr>
-      <p:grpSpPr>
-        <a:xfrm>
-          <a:off x="0" y="0"/>
-          <a:ext cx="0" cy="0"/>
-          <a:chOff x="0" y="0"/>
-          <a:chExt cx="0" cy="0"/>
-        </a:xfrm>
-      </p:grpSpPr>
-      <p:sp>
-        <p:nvSpPr>
-          <p:cNvPr id="2" name="Заголовок 1"/>
-          <p:cNvSpPr>
-            <a:spLocks noGrp="1"/>
-          </p:cNvSpPr>
-          <p:nvPr>
-            <p:ph type="title"/>
-          </p:nvPr>
-        </p:nvSpPr>
-        <p:spPr>
-          <a:xfrm>
-            <a:off x="0" y="0"/>
-            <a:ext cx="12192000" cy="6857999"/>
-          </a:xfrm>
-          <a:solidFill>
-            <a:schemeClr val="tx1"/>
-          </a:solidFill>
-        </p:spPr>
-        <p:txBody>
-          <a:bodyPr>
-            <a:normAutofit/>
-          </a:bodyPr>
-          <a:lstStyle/>
-          <a:p>
-            <a:pPr algn="ctr"/>
-            <a:r>
-              <a:rPr lang="ru-RU" sz="7800" dirty="0" smtClean="0">
-                <a:solidFill>
-                  <a:schemeClr val="bg1"/>
-                </a:solidFill>
-              </a:rPr>
-              <a:t>Решение?</a:t>
-            </a:r>
-            <a:endParaRPr lang="ru-RU" sz="7800" dirty="0">
-              <a:solidFill>
-                <a:schemeClr val="bg1"/>
-              </a:solidFill>
-            </a:endParaRPr>
-          </a:p>
-        </p:txBody>
-      </p:sp>
-    </p:spTree>
-    <p:extLst>
-      <p:ext uri="{BB962C8B-B14F-4D97-AF65-F5344CB8AC3E}">
-        <p14:creationId xmlns:p14="http://schemas.microsoft.com/office/powerpoint/2010/main" val="389568500"/>
-      </p:ext>
-    </p:extLst>
-  </p:cSld>
-  <p:clrMapOvr>
-    <a:masterClrMapping/>
-  </p:clrMapOvr>
-  <p:timing>
-    <p:tnLst>
-      <p:par>
-        <p:cTn id="1" dur="indefinite" restart="never" nodeType="tmRoot"/>
-      </p:par>
-    </p:tnLst>
-  </p:timing>
-</p:sld>
-</file>
-
-<file path=ppt/slides/slide5.xml><?xml version="1.0" encoding="utf-8"?>
-<p:sld xmlns:a="http://schemas.openxmlformats.org/drawingml/2006/main" xmlns:r="http://schemas.openxmlformats.org/officeDocument/2006/relationships" xmlns:p="http://schemas.openxmlformats.org/presentationml/2006/main">
-  <p:cSld>
-    <p:spTree>
-      <p:nvGrpSpPr>
-        <p:cNvPr id="1" name=""/>
-        <p:cNvGrpSpPr/>
-        <p:nvPr/>
-      </p:nvGrpSpPr>
-      <p:grpSpPr>
-        <a:xfrm>
-          <a:off x="0" y="0"/>
-          <a:ext cx="0" cy="0"/>
-          <a:chOff x="0" y="0"/>
-          <a:chExt cx="0" cy="0"/>
-        </a:xfrm>
-      </p:grpSpPr>
-      <p:sp>
-        <p:nvSpPr>
-          <p:cNvPr id="2" name="Заголовок 1"/>
-          <p:cNvSpPr>
-            <a:spLocks noGrp="1"/>
-          </p:cNvSpPr>
-          <p:nvPr>
-            <p:ph type="title"/>
-          </p:nvPr>
-        </p:nvSpPr>
-        <p:spPr>
-          <a:xfrm>
-            <a:off x="0" y="0"/>
-            <a:ext cx="12192000" cy="6857999"/>
-          </a:xfrm>
-        </p:spPr>
-        <p:txBody>
-          <a:bodyPr>
-            <a:normAutofit/>
-          </a:bodyPr>
-          <a:lstStyle/>
-          <a:p>
-            <a:pPr algn="ctr"/>
-            <a:r>
-              <a:rPr lang="ru-RU" sz="7800" i="1" dirty="0" smtClean="0">
-                <a:solidFill>
-                  <a:srgbClr val="FF5564"/>
-                </a:solidFill>
-                <a:latin typeface="Verdana" panose="020B0604030504040204" pitchFamily="34" charset="0"/>
-                <a:ea typeface="Verdana" panose="020B0604030504040204" pitchFamily="34" charset="0"/>
-                <a:cs typeface="Verdana" panose="020B0604030504040204" pitchFamily="34" charset="0"/>
-              </a:rPr>
-              <a:t>ЕСТ</a:t>
-            </a:r>
-            <a:r>
-              <a:rPr lang="ru-RU" dirty="0" smtClean="0">
-                <a:latin typeface="Verdana" panose="020B0604030504040204" pitchFamily="34" charset="0"/>
-                <a:ea typeface="Verdana" panose="020B0604030504040204" pitchFamily="34" charset="0"/>
-                <a:cs typeface="Verdana" panose="020B0604030504040204" pitchFamily="34" charset="0"/>
-              </a:rPr>
-              <a:t>ь.</a:t>
-            </a:r>
-            <a:endParaRPr lang="ru-RU" sz="7800" dirty="0">
-              <a:solidFill>
-                <a:srgbClr val="FF5564"/>
-              </a:solidFill>
-              <a:latin typeface="Verdana" panose="020B0604030504040204" pitchFamily="34" charset="0"/>
-              <a:ea typeface="Verdana" panose="020B0604030504040204" pitchFamily="34" charset="0"/>
-              <a:cs typeface="Verdana" panose="020B0604030504040204" pitchFamily="34" charset="0"/>
-            </a:endParaRPr>
-          </a:p>
-        </p:txBody>
-      </p:sp>
-      <p:sp>
-        <p:nvSpPr>
-          <p:cNvPr id="3" name="TextBox 2"/>
-          <p:cNvSpPr txBox="1"/>
-          <p:nvPr/>
-        </p:nvSpPr>
-        <p:spPr>
-          <a:xfrm>
-            <a:off x="159390" y="251670"/>
-            <a:ext cx="4597167" cy="369332"/>
-          </a:xfrm>
-          <a:prstGeom prst="rect">
-            <a:avLst/>
-          </a:prstGeom>
-          <a:noFill/>
-        </p:spPr>
-        <p:txBody>
-          <a:bodyPr wrap="square" rtlCol="0">
-            <a:spAutoFit/>
-          </a:bodyPr>
-          <a:lstStyle/>
-          <a:p>
-            <a:r>
-              <a:rPr lang="ru-RU" dirty="0" smtClean="0"/>
-              <a:t>Есть презентация, значит и решение тоже</a:t>
-            </a:r>
-            <a:endParaRPr lang="ru-RU" dirty="0"/>
-          </a:p>
-        </p:txBody>
-      </p:sp>
-    </p:spTree>
-    <p:extLst>
-      <p:ext uri="{BB962C8B-B14F-4D97-AF65-F5344CB8AC3E}">
-        <p14:creationId xmlns:p14="http://schemas.microsoft.com/office/powerpoint/2010/main" val="1948805720"/>
-      </p:ext>
-    </p:extLst>
-  </p:cSld>
-  <p:clrMapOvr>
-    <a:masterClrMapping/>
-  </p:clrMapOvr>
-  <p:timing>
-    <p:tnLst>
-      <p:par>
-        <p:cTn id="1" dur="indefinite" restart="never" nodeType="tmRoot"/>
-      </p:par>
-    </p:tnLst>
-  </p:timing>
-</p:sld>
-</file>
-
-<file path=ppt/slides/slide6.xml><?xml version="1.0" encoding="utf-8"?>
-<p:sld xmlns:a="http://schemas.openxmlformats.org/drawingml/2006/main" xmlns:r="http://schemas.openxmlformats.org/officeDocument/2006/relationships" xmlns:p="http://schemas.openxmlformats.org/presentationml/2006/main">
-  <p:cSld>
-    <p:spTree>
-      <p:nvGrpSpPr>
-        <p:cNvPr id="1" name=""/>
-        <p:cNvGrpSpPr/>
-        <p:nvPr/>
-      </p:nvGrpSpPr>
-      <p:grpSpPr>
-        <a:xfrm>
-          <a:off x="0" y="0"/>
-          <a:ext cx="0" cy="0"/>
-          <a:chOff x="0" y="0"/>
-          <a:chExt cx="0" cy="0"/>
-        </a:xfrm>
-      </p:grpSpPr>
-      <p:sp>
-        <p:nvSpPr>
-          <p:cNvPr id="2" name="Заголовок 1"/>
-          <p:cNvSpPr>
-            <a:spLocks noGrp="1"/>
-          </p:cNvSpPr>
-          <p:nvPr>
-            <p:ph type="title"/>
-          </p:nvPr>
-        </p:nvSpPr>
-        <p:spPr>
-          <a:xfrm>
-            <a:off x="0" y="0"/>
-            <a:ext cx="10515600" cy="1325563"/>
-          </a:xfrm>
-        </p:spPr>
-        <p:txBody>
-          <a:bodyPr/>
-          <a:lstStyle/>
-          <a:p>
-            <a:r>
-              <a:rPr lang="ru-RU" sz="6000" i="1" dirty="0" smtClean="0">
-                <a:solidFill>
-                  <a:srgbClr val="FF5564"/>
-                </a:solidFill>
-              </a:rPr>
-              <a:t>ЕСТ</a:t>
-            </a:r>
-            <a:r>
-              <a:rPr lang="ru-RU" sz="3000" dirty="0" smtClean="0"/>
-              <a:t>ь</a:t>
-            </a:r>
-            <a:endParaRPr lang="ru-RU" sz="3000" dirty="0"/>
-          </a:p>
-        </p:txBody>
-      </p:sp>
-      <p:sp>
-        <p:nvSpPr>
-          <p:cNvPr id="3" name="Объект 2"/>
-          <p:cNvSpPr>
-            <a:spLocks noGrp="1"/>
-          </p:cNvSpPr>
-          <p:nvPr>
-            <p:ph idx="1"/>
-          </p:nvPr>
-        </p:nvSpPr>
-        <p:spPr>
-          <a:xfrm>
-            <a:off x="838200" y="1637243"/>
-            <a:ext cx="10515600" cy="4351338"/>
-          </a:xfrm>
-        </p:spPr>
-        <p:txBody>
-          <a:bodyPr>
-            <a:normAutofit/>
-          </a:bodyPr>
-          <a:lstStyle/>
-          <a:p>
-            <a:pPr marL="0" indent="0">
-              <a:lnSpc>
-                <a:spcPct val="150000"/>
-              </a:lnSpc>
-              <a:buNone/>
-            </a:pPr>
-            <a:r>
-              <a:rPr lang="ru-RU" sz="4800" b="1" dirty="0" smtClean="0">
-                <a:solidFill>
-                  <a:srgbClr val="FF5564"/>
-                </a:solidFill>
-              </a:rPr>
-              <a:t>Е</a:t>
-            </a:r>
-            <a:r>
-              <a:rPr lang="ru-RU" sz="4600" i="1" dirty="0" smtClean="0"/>
-              <a:t>диная</a:t>
-            </a:r>
-            <a:r>
-              <a:rPr lang="ru-RU" sz="4600" i="1" dirty="0" smtClean="0">
-                <a:solidFill>
-                  <a:srgbClr val="FF5564"/>
-                </a:solidFill>
-              </a:rPr>
-              <a:t> </a:t>
-            </a:r>
-            <a:r>
-              <a:rPr lang="ru-RU" sz="4800" b="1" dirty="0" smtClean="0">
-                <a:solidFill>
-                  <a:srgbClr val="FF5564"/>
-                </a:solidFill>
-              </a:rPr>
-              <a:t>С</a:t>
-            </a:r>
-            <a:r>
-              <a:rPr lang="ru-RU" sz="4600" i="1" dirty="0" smtClean="0"/>
-              <a:t>истема</a:t>
-            </a:r>
-            <a:r>
-              <a:rPr lang="ru-RU" sz="4600" i="1" dirty="0" smtClean="0">
-                <a:solidFill>
-                  <a:srgbClr val="FF5564"/>
-                </a:solidFill>
-              </a:rPr>
-              <a:t> </a:t>
-            </a:r>
-            <a:r>
-              <a:rPr lang="ru-RU" sz="4800" b="1" dirty="0" smtClean="0">
-                <a:solidFill>
-                  <a:srgbClr val="FF5564"/>
-                </a:solidFill>
-              </a:rPr>
-              <a:t>Т</a:t>
-            </a:r>
-            <a:r>
-              <a:rPr lang="ru-RU" sz="4600" i="1" dirty="0" smtClean="0"/>
-              <a:t>естов</a:t>
-            </a:r>
-          </a:p>
-          <a:p>
-            <a:pPr>
-              <a:lnSpc>
-                <a:spcPct val="150000"/>
-              </a:lnSpc>
-              <a:buFont typeface="Wingdings" panose="05000000000000000000" pitchFamily="2" charset="2"/>
-              <a:buChar char="v"/>
-            </a:pPr>
-            <a:r>
-              <a:rPr lang="ru-RU" sz="4000" dirty="0" smtClean="0"/>
-              <a:t>Идея – </a:t>
-            </a:r>
-            <a:r>
-              <a:rPr lang="ru-RU" sz="4000" b="1" dirty="0" smtClean="0"/>
-              <a:t>тесты о чём угодно</a:t>
-            </a:r>
-          </a:p>
-          <a:p>
-            <a:pPr>
-              <a:lnSpc>
-                <a:spcPct val="150000"/>
-              </a:lnSpc>
-              <a:buFont typeface="Wingdings" panose="05000000000000000000" pitchFamily="2" charset="2"/>
-              <a:buChar char="v"/>
-            </a:pPr>
-            <a:r>
-              <a:rPr lang="ru-RU" sz="4000" dirty="0" smtClean="0"/>
-              <a:t>Интерфейс – </a:t>
-            </a:r>
-            <a:r>
-              <a:rPr lang="ru-RU" sz="4000" b="1" dirty="0" smtClean="0"/>
-              <a:t>везде</a:t>
-            </a:r>
-          </a:p>
-          <a:p>
-            <a:pPr>
-              <a:lnSpc>
-                <a:spcPct val="150000"/>
-              </a:lnSpc>
-              <a:buFont typeface="Wingdings" panose="05000000000000000000" pitchFamily="2" charset="2"/>
-              <a:buChar char="v"/>
-            </a:pPr>
-            <a:r>
-              <a:rPr lang="ru-RU" sz="4000" dirty="0" smtClean="0"/>
-              <a:t>Применение – </a:t>
-            </a:r>
-            <a:r>
-              <a:rPr lang="ru-RU" sz="4000" b="1" dirty="0" smtClean="0"/>
-              <a:t>всюду</a:t>
-            </a:r>
-            <a:endParaRPr lang="ru-RU" sz="4000" dirty="0" smtClean="0"/>
-          </a:p>
-        </p:txBody>
-      </p:sp>
-    </p:spTree>
-    <p:extLst>
-      <p:ext uri="{BB962C8B-B14F-4D97-AF65-F5344CB8AC3E}">
-        <p14:creationId xmlns:p14="http://schemas.microsoft.com/office/powerpoint/2010/main" val="3170863885"/>
-      </p:ext>
-    </p:extLst>
-  </p:cSld>
-  <p:clrMapOvr>
-    <a:masterClrMapping/>
-  </p:clrMapOvr>
-  <p:timing>
-    <p:tnLst>
-      <p:par>
-        <p:cTn id="1" dur="indefinite" restart="never" nodeType="tmRoot"/>
-      </p:par>
-    </p:tnLst>
-  </p:timing>
-</p:sld>
-</file>
-
-<file path=ppt/slides/slide7.xml><?xml version="1.0" encoding="utf-8"?>
-<p:sld xmlns:a="http://schemas.openxmlformats.org/drawingml/2006/main" xmlns:r="http://schemas.openxmlformats.org/officeDocument/2006/relationships" xmlns:p="http://schemas.openxmlformats.org/presentationml/2006/main">
-  <p:cSld>
-    <p:spTree>
-      <p:nvGrpSpPr>
-        <p:cNvPr id="1" name=""/>
-        <p:cNvGrpSpPr/>
-        <p:nvPr/>
-      </p:nvGrpSpPr>
-      <p:grpSpPr>
-        <a:xfrm>
-          <a:off x="0" y="0"/>
-          <a:ext cx="0" cy="0"/>
-          <a:chOff x="0" y="0"/>
-          <a:chExt cx="0" cy="0"/>
-        </a:xfrm>
-      </p:grpSpPr>
-      <p:sp>
-        <p:nvSpPr>
-          <p:cNvPr id="2" name="Заголовок 1"/>
-          <p:cNvSpPr>
-            <a:spLocks noGrp="1"/>
-          </p:cNvSpPr>
-          <p:nvPr>
-            <p:ph type="title"/>
-          </p:nvPr>
-        </p:nvSpPr>
-        <p:spPr>
-          <a:xfrm>
-            <a:off x="0" y="0"/>
-            <a:ext cx="12192000" cy="6857999"/>
-          </a:xfrm>
-          <a:solidFill>
-            <a:schemeClr val="tx1"/>
-          </a:solidFill>
-        </p:spPr>
-        <p:txBody>
-          <a:bodyPr>
-            <a:normAutofit/>
-          </a:bodyPr>
-          <a:lstStyle/>
-          <a:p>
-            <a:pPr algn="ctr"/>
-            <a:r>
-              <a:rPr lang="ru-RU" sz="7800" dirty="0" smtClean="0">
-                <a:solidFill>
-                  <a:schemeClr val="bg1"/>
-                </a:solidFill>
-              </a:rPr>
-              <a:t>Подробнее?</a:t>
-            </a:r>
-            <a:endParaRPr lang="ru-RU" sz="7800" dirty="0">
-              <a:solidFill>
-                <a:schemeClr val="bg1"/>
-              </a:solidFill>
-            </a:endParaRPr>
-          </a:p>
-        </p:txBody>
-      </p:sp>
-    </p:spTree>
-    <p:extLst>
-      <p:ext uri="{BB962C8B-B14F-4D97-AF65-F5344CB8AC3E}">
-        <p14:creationId xmlns:p14="http://schemas.microsoft.com/office/powerpoint/2010/main" val="3517822380"/>
-      </p:ext>
-    </p:extLst>
-  </p:cSld>
-  <p:clrMapOvr>
-    <a:masterClrMapping/>
-  </p:clrMapOvr>
-  <p:timing>
-    <p:tnLst>
-      <p:par>
-        <p:cTn id="1" dur="indefinite" restart="never" nodeType="tmRoot"/>
-      </p:par>
-    </p:tnLst>
-  </p:timing>
-</p:sld>
-</file>
-
-<file path=ppt/slides/slide8.xml><?xml version="1.0" encoding="utf-8"?>
-<p:sld xmlns:a="http://schemas.openxmlformats.org/drawingml/2006/main" xmlns:r="http://schemas.openxmlformats.org/officeDocument/2006/relationships" xmlns:p="http://schemas.openxmlformats.org/presentationml/2006/main">
-  <p:cSld>
-    <p:spTree>
-      <p:nvGrpSpPr>
-        <p:cNvPr id="1" name=""/>
-        <p:cNvGrpSpPr/>
-        <p:nvPr/>
-      </p:nvGrpSpPr>
-      <p:grpSpPr>
-        <a:xfrm>
-          <a:off x="0" y="0"/>
-          <a:ext cx="0" cy="0"/>
-          <a:chOff x="0" y="0"/>
-          <a:chExt cx="0" cy="0"/>
-        </a:xfrm>
-      </p:grpSpPr>
-      <p:sp>
-        <p:nvSpPr>
-          <p:cNvPr id="2" name="Заголовок 1"/>
-          <p:cNvSpPr>
-            <a:spLocks noGrp="1"/>
-          </p:cNvSpPr>
-          <p:nvPr>
-            <p:ph type="title"/>
-          </p:nvPr>
-        </p:nvSpPr>
-        <p:spPr>
-          <a:xfrm>
-            <a:off x="0" y="9525"/>
-            <a:ext cx="6747933" cy="1325563"/>
-          </a:xfrm>
-        </p:spPr>
-        <p:txBody>
-          <a:bodyPr>
-            <a:normAutofit/>
-          </a:bodyPr>
-          <a:lstStyle/>
-          <a:p>
-            <a:r>
-              <a:rPr lang="ru-RU" sz="6000" dirty="0" smtClean="0">
-                <a:solidFill>
-                  <a:srgbClr val="FF5564"/>
-                </a:solidFill>
-              </a:rPr>
-              <a:t>Да:</a:t>
-            </a:r>
-            <a:endParaRPr lang="ru-RU" sz="6000" dirty="0">
-              <a:solidFill>
-                <a:srgbClr val="FF5564"/>
-              </a:solidFill>
-            </a:endParaRPr>
-          </a:p>
-        </p:txBody>
-      </p:sp>
-      <p:sp>
-        <p:nvSpPr>
-          <p:cNvPr id="3" name="Объект 2"/>
-          <p:cNvSpPr>
-            <a:spLocks noGrp="1"/>
-          </p:cNvSpPr>
-          <p:nvPr>
-            <p:ph idx="1"/>
-          </p:nvPr>
-        </p:nvSpPr>
-        <p:spPr>
-          <a:xfrm>
-            <a:off x="838200" y="1825625"/>
-            <a:ext cx="10515600" cy="4863042"/>
-          </a:xfrm>
-        </p:spPr>
-        <p:txBody>
-          <a:bodyPr>
-            <a:normAutofit/>
-          </a:bodyPr>
-          <a:lstStyle/>
-          <a:p>
-            <a:pPr>
-              <a:lnSpc>
-                <a:spcPct val="100000"/>
-              </a:lnSpc>
-            </a:pPr>
-            <a:r>
-              <a:rPr lang="ru-RU" sz="4000" dirty="0" smtClean="0"/>
-              <a:t>Тесты</a:t>
-            </a:r>
-          </a:p>
-          <a:p>
-            <a:pPr lvl="1">
-              <a:lnSpc>
-                <a:spcPct val="100000"/>
-              </a:lnSpc>
-              <a:buFont typeface="Wingdings" panose="05000000000000000000" pitchFamily="2" charset="2"/>
-              <a:buChar char="q"/>
-            </a:pPr>
-            <a:r>
-              <a:rPr lang="ru-RU" sz="3200" dirty="0" smtClean="0">
-                <a:latin typeface="+mj-lt"/>
-              </a:rPr>
-              <a:t>Создавать</a:t>
-            </a:r>
-            <a:r>
-              <a:rPr lang="ru-RU" sz="3200" dirty="0">
-                <a:latin typeface="+mj-lt"/>
-              </a:rPr>
-              <a:t> и</a:t>
-            </a:r>
-            <a:r>
-              <a:rPr lang="ru-RU" sz="3200" dirty="0" smtClean="0">
-                <a:latin typeface="+mj-lt"/>
-              </a:rPr>
-              <a:t> проходить</a:t>
-            </a:r>
-            <a:endParaRPr lang="ru-RU" sz="3200" dirty="0"/>
-          </a:p>
-        </p:txBody>
-      </p:sp>
-    </p:spTree>
-    <p:extLst>
-      <p:ext uri="{BB962C8B-B14F-4D97-AF65-F5344CB8AC3E}">
-        <p14:creationId xmlns:p14="http://schemas.microsoft.com/office/powerpoint/2010/main" val="2852059158"/>
-      </p:ext>
-    </p:extLst>
-  </p:cSld>
-  <p:clrMapOvr>
-    <a:masterClrMapping/>
-  </p:clrMapOvr>
-  <p:timing>
-    <p:tnLst>
-      <p:par>
-        <p:cTn id="1" dur="indefinite" restart="never" nodeType="tmRoot"/>
-      </p:par>
-    </p:tnLst>
-  </p:timing>
-</p:sld>
-</file>
-
-<file path=ppt/slides/slide9.xml><?xml version="1.0" encoding="utf-8"?>
-<p:sld xmlns:a="http://schemas.openxmlformats.org/drawingml/2006/main" xmlns:r="http://schemas.openxmlformats.org/officeDocument/2006/relationships" xmlns:p="http://schemas.openxmlformats.org/presentationml/2006/main">
-  <p:cSld>
-    <p:spTree>
-      <p:nvGrpSpPr>
-        <p:cNvPr id="1" name=""/>
-        <p:cNvGrpSpPr/>
-        <p:nvPr/>
-      </p:nvGrpSpPr>
-      <p:grpSpPr>
-        <a:xfrm>
-          <a:off x="0" y="0"/>
-          <a:ext cx="0" cy="0"/>
-          <a:chOff x="0" y="0"/>
-          <a:chExt cx="0" cy="0"/>
-        </a:xfrm>
-      </p:grpSpPr>
-      <p:sp>
-        <p:nvSpPr>
-          <p:cNvPr id="2" name="Заголовок 1"/>
-          <p:cNvSpPr>
-            <a:spLocks noGrp="1"/>
-          </p:cNvSpPr>
-          <p:nvPr>
-            <p:ph type="title"/>
-          </p:nvPr>
-        </p:nvSpPr>
-        <p:spPr>
-          <a:xfrm>
-            <a:off x="0" y="0"/>
-            <a:ext cx="6747933" cy="1325563"/>
-          </a:xfrm>
-        </p:spPr>
-        <p:txBody>
-          <a:bodyPr>
-            <a:normAutofit/>
-          </a:bodyPr>
-          <a:lstStyle/>
-          <a:p>
-            <a:r>
-              <a:rPr lang="ru-RU" sz="6000" dirty="0" smtClean="0">
-                <a:solidFill>
-                  <a:srgbClr val="FF5564"/>
-                </a:solidFill>
-              </a:rPr>
-              <a:t>Да:</a:t>
-            </a:r>
-            <a:endParaRPr lang="ru-RU" sz="6000" dirty="0">
-              <a:solidFill>
-                <a:srgbClr val="FF5564"/>
-              </a:solidFill>
-            </a:endParaRPr>
-          </a:p>
-        </p:txBody>
-      </p:sp>
-      <p:sp>
-        <p:nvSpPr>
-          <p:cNvPr id="3" name="Объект 2"/>
-          <p:cNvSpPr>
-            <a:spLocks noGrp="1"/>
-          </p:cNvSpPr>
-          <p:nvPr>
-            <p:ph idx="1"/>
-          </p:nvPr>
-        </p:nvSpPr>
-        <p:spPr>
-          <a:xfrm>
-            <a:off x="838200" y="1825625"/>
-            <a:ext cx="10515600" cy="4863042"/>
-          </a:xfrm>
-        </p:spPr>
-        <p:txBody>
-          <a:bodyPr>
-            <a:normAutofit/>
-          </a:bodyPr>
-          <a:lstStyle/>
-          <a:p>
-            <a:pPr>
-              <a:lnSpc>
-                <a:spcPct val="100000"/>
-              </a:lnSpc>
-            </a:pPr>
-            <a:r>
-              <a:rPr lang="ru-RU" sz="4000" dirty="0" smtClean="0"/>
-              <a:t>Тесты</a:t>
-            </a:r>
-          </a:p>
-          <a:p>
-            <a:pPr lvl="1">
-              <a:lnSpc>
-                <a:spcPct val="100000"/>
-              </a:lnSpc>
-              <a:buFont typeface="Wingdings" panose="05000000000000000000" pitchFamily="2" charset="2"/>
-              <a:buChar char="q"/>
-            </a:pPr>
-            <a:r>
-              <a:rPr lang="ru-RU" sz="3200" dirty="0" smtClean="0">
-                <a:latin typeface="+mj-lt"/>
-              </a:rPr>
-              <a:t>Создавать</a:t>
-            </a:r>
-            <a:r>
-              <a:rPr lang="ru-RU" sz="3200" dirty="0">
-                <a:latin typeface="+mj-lt"/>
-              </a:rPr>
-              <a:t> и</a:t>
-            </a:r>
-            <a:r>
-              <a:rPr lang="ru-RU" sz="3200" dirty="0" smtClean="0">
-                <a:latin typeface="+mj-lt"/>
-              </a:rPr>
-              <a:t> проходить</a:t>
-            </a:r>
-          </a:p>
-          <a:p>
-            <a:pPr>
-              <a:lnSpc>
-                <a:spcPct val="100000"/>
-              </a:lnSpc>
-            </a:pPr>
-            <a:r>
-              <a:rPr lang="ru-RU" sz="4000" dirty="0" smtClean="0"/>
-              <a:t>Пользователи</a:t>
-            </a:r>
-          </a:p>
-          <a:p>
-            <a:pPr lvl="1">
-              <a:lnSpc>
-                <a:spcPct val="100000"/>
-              </a:lnSpc>
-              <a:buFont typeface="Wingdings" panose="05000000000000000000" pitchFamily="2" charset="2"/>
-              <a:buChar char="q"/>
-            </a:pPr>
-            <a:r>
-              <a:rPr lang="ru-RU" sz="3200" dirty="0" smtClean="0">
-                <a:latin typeface="+mj-lt"/>
-              </a:rPr>
-              <a:t>Учителя, ученики, админ </a:t>
-            </a:r>
-            <a:r>
-              <a:rPr lang="ru-RU" i="1" dirty="0" smtClean="0">
-                <a:latin typeface="+mj-lt"/>
-              </a:rPr>
-              <a:t>(третий лишний)</a:t>
-            </a:r>
-            <a:endParaRPr lang="ru-RU" sz="4400" dirty="0"/>
-          </a:p>
-        </p:txBody>
-      </p:sp>
-    </p:spTree>
-    <p:extLst>
-      <p:ext uri="{BB962C8B-B14F-4D97-AF65-F5344CB8AC3E}">
-        <p14:creationId xmlns:p14="http://schemas.microsoft.com/office/powerpoint/2010/main" val="2171726942"/>
       </p:ext>
     </p:extLst>
   </p:cSld>

--- a/presentation.pptx
+++ b/presentation.pptx
@@ -11,14 +11,27 @@
     <p:sldId id="264" r:id="rId5"/>
     <p:sldId id="266" r:id="rId6"/>
     <p:sldId id="257" r:id="rId7"/>
-    <p:sldId id="265" r:id="rId8"/>
-    <p:sldId id="258" r:id="rId9"/>
-    <p:sldId id="260" r:id="rId10"/>
-    <p:sldId id="269" r:id="rId11"/>
-    <p:sldId id="261" r:id="rId12"/>
-    <p:sldId id="262" r:id="rId13"/>
-    <p:sldId id="267" r:id="rId14"/>
-    <p:sldId id="268" r:id="rId15"/>
+    <p:sldId id="258" r:id="rId8"/>
+    <p:sldId id="277" r:id="rId9"/>
+    <p:sldId id="278" r:id="rId10"/>
+    <p:sldId id="279" r:id="rId11"/>
+    <p:sldId id="270" r:id="rId12"/>
+    <p:sldId id="272" r:id="rId13"/>
+    <p:sldId id="273" r:id="rId14"/>
+    <p:sldId id="274" r:id="rId15"/>
+    <p:sldId id="275" r:id="rId16"/>
+    <p:sldId id="280" r:id="rId17"/>
+    <p:sldId id="284" r:id="rId18"/>
+    <p:sldId id="285" r:id="rId19"/>
+    <p:sldId id="260" r:id="rId20"/>
+    <p:sldId id="269" r:id="rId21"/>
+    <p:sldId id="261" r:id="rId22"/>
+    <p:sldId id="262" r:id="rId23"/>
+    <p:sldId id="276" r:id="rId24"/>
+    <p:sldId id="267" r:id="rId25"/>
+    <p:sldId id="281" r:id="rId26"/>
+    <p:sldId id="282" r:id="rId27"/>
+    <p:sldId id="283" r:id="rId28"/>
   </p:sldIdLst>
   <p:sldSz cx="12192000" cy="6858000"/>
   <p:notesSz cx="6858000" cy="9144000"/>
@@ -256,7 +269,7 @@
           <a:p>
             <a:fld id="{ED09F41D-DE06-48BA-ACAE-93CF05357850}" type="datetimeFigureOut">
               <a:rPr lang="ru-RU" smtClean="0"/>
-              <a:t>27.05.2020</a:t>
+              <a:t>28.05.2020</a:t>
             </a:fld>
             <a:endParaRPr lang="ru-RU"/>
           </a:p>
@@ -426,7 +439,7 @@
           <a:p>
             <a:fld id="{ED09F41D-DE06-48BA-ACAE-93CF05357850}" type="datetimeFigureOut">
               <a:rPr lang="ru-RU" smtClean="0"/>
-              <a:t>27.05.2020</a:t>
+              <a:t>28.05.2020</a:t>
             </a:fld>
             <a:endParaRPr lang="ru-RU"/>
           </a:p>
@@ -606,7 +619,7 @@
           <a:p>
             <a:fld id="{ED09F41D-DE06-48BA-ACAE-93CF05357850}" type="datetimeFigureOut">
               <a:rPr lang="ru-RU" smtClean="0"/>
-              <a:t>27.05.2020</a:t>
+              <a:t>28.05.2020</a:t>
             </a:fld>
             <a:endParaRPr lang="ru-RU"/>
           </a:p>
@@ -776,7 +789,7 @@
           <a:p>
             <a:fld id="{ED09F41D-DE06-48BA-ACAE-93CF05357850}" type="datetimeFigureOut">
               <a:rPr lang="ru-RU" smtClean="0"/>
-              <a:t>27.05.2020</a:t>
+              <a:t>28.05.2020</a:t>
             </a:fld>
             <a:endParaRPr lang="ru-RU"/>
           </a:p>
@@ -1022,7 +1035,7 @@
           <a:p>
             <a:fld id="{ED09F41D-DE06-48BA-ACAE-93CF05357850}" type="datetimeFigureOut">
               <a:rPr lang="ru-RU" smtClean="0"/>
-              <a:t>27.05.2020</a:t>
+              <a:t>28.05.2020</a:t>
             </a:fld>
             <a:endParaRPr lang="ru-RU"/>
           </a:p>
@@ -1254,7 +1267,7 @@
           <a:p>
             <a:fld id="{ED09F41D-DE06-48BA-ACAE-93CF05357850}" type="datetimeFigureOut">
               <a:rPr lang="ru-RU" smtClean="0"/>
-              <a:t>27.05.2020</a:t>
+              <a:t>28.05.2020</a:t>
             </a:fld>
             <a:endParaRPr lang="ru-RU"/>
           </a:p>
@@ -1621,7 +1634,7 @@
           <a:p>
             <a:fld id="{ED09F41D-DE06-48BA-ACAE-93CF05357850}" type="datetimeFigureOut">
               <a:rPr lang="ru-RU" smtClean="0"/>
-              <a:t>27.05.2020</a:t>
+              <a:t>28.05.2020</a:t>
             </a:fld>
             <a:endParaRPr lang="ru-RU"/>
           </a:p>
@@ -1739,7 +1752,7 @@
           <a:p>
             <a:fld id="{ED09F41D-DE06-48BA-ACAE-93CF05357850}" type="datetimeFigureOut">
               <a:rPr lang="ru-RU" smtClean="0"/>
-              <a:t>27.05.2020</a:t>
+              <a:t>28.05.2020</a:t>
             </a:fld>
             <a:endParaRPr lang="ru-RU"/>
           </a:p>
@@ -1834,7 +1847,7 @@
           <a:p>
             <a:fld id="{ED09F41D-DE06-48BA-ACAE-93CF05357850}" type="datetimeFigureOut">
               <a:rPr lang="ru-RU" smtClean="0"/>
-              <a:t>27.05.2020</a:t>
+              <a:t>28.05.2020</a:t>
             </a:fld>
             <a:endParaRPr lang="ru-RU"/>
           </a:p>
@@ -2111,7 +2124,7 @@
           <a:p>
             <a:fld id="{ED09F41D-DE06-48BA-ACAE-93CF05357850}" type="datetimeFigureOut">
               <a:rPr lang="ru-RU" smtClean="0"/>
-              <a:t>27.05.2020</a:t>
+              <a:t>28.05.2020</a:t>
             </a:fld>
             <a:endParaRPr lang="ru-RU"/>
           </a:p>
@@ -2364,7 +2377,7 @@
           <a:p>
             <a:fld id="{ED09F41D-DE06-48BA-ACAE-93CF05357850}" type="datetimeFigureOut">
               <a:rPr lang="ru-RU" smtClean="0"/>
-              <a:t>27.05.2020</a:t>
+              <a:t>28.05.2020</a:t>
             </a:fld>
             <a:endParaRPr lang="ru-RU"/>
           </a:p>
@@ -2577,7 +2590,7 @@
           <a:p>
             <a:fld id="{ED09F41D-DE06-48BA-ACAE-93CF05357850}" type="datetimeFigureOut">
               <a:rPr lang="ru-RU" smtClean="0"/>
-              <a:t>27.05.2020</a:t>
+              <a:t>28.05.2020</a:t>
             </a:fld>
             <a:endParaRPr lang="ru-RU"/>
           </a:p>
@@ -3095,8 +3108,8 @@
         </p:nvSpPr>
         <p:spPr>
           <a:xfrm>
-            <a:off x="0" y="0"/>
-            <a:ext cx="12191999" cy="6858000"/>
+            <a:off x="0" y="9525"/>
+            <a:ext cx="12192000" cy="1325563"/>
           </a:xfrm>
         </p:spPr>
         <p:txBody>
@@ -3105,16 +3118,15 @@
           </a:bodyPr>
           <a:lstStyle/>
           <a:p>
-            <a:pPr algn="ctr"/>
-            <a:r>
-              <a:rPr lang="ru-RU" sz="7800" dirty="0" smtClean="0">
+            <a:r>
+              <a:rPr lang="ru-RU" sz="6000" dirty="0" smtClean="0">
                 <a:solidFill>
                   <a:srgbClr val="FF5564"/>
                 </a:solidFill>
               </a:rPr>
-              <a:t>Хостинг?</a:t>
-            </a:r>
-            <a:endParaRPr lang="ru-RU" sz="7800" dirty="0">
+              <a:t>Стандартные функции</a:t>
+            </a:r>
+            <a:endParaRPr lang="ru-RU" sz="6000" dirty="0">
               <a:solidFill>
                 <a:srgbClr val="FF5564"/>
               </a:solidFill>
@@ -3122,34 +3134,93 @@
           </a:p>
         </p:txBody>
       </p:sp>
-      <p:pic>
-        <p:nvPicPr>
-          <p:cNvPr id="9" name="Рисунок 8"/>
-          <p:cNvPicPr>
-            <a:picLocks noChangeAspect="1"/>
-          </p:cNvPicPr>
-          <p:nvPr/>
-        </p:nvPicPr>
-        <p:blipFill>
-          <a:blip r:embed="rId2"/>
-          <a:stretch>
-            <a:fillRect/>
-          </a:stretch>
-        </p:blipFill>
+      <p:sp>
+        <p:nvSpPr>
+          <p:cNvPr id="3" name="Объект 2"/>
+          <p:cNvSpPr>
+            <a:spLocks noGrp="1"/>
+          </p:cNvSpPr>
+          <p:nvPr>
+            <p:ph idx="1"/>
+          </p:nvPr>
+        </p:nvSpPr>
         <p:spPr>
           <a:xfrm>
-            <a:off x="4910136" y="5030336"/>
-            <a:ext cx="2371725" cy="438150"/>
-          </a:xfrm>
-          <a:prstGeom prst="rect">
-            <a:avLst/>
-          </a:prstGeom>
-        </p:spPr>
-      </p:pic>
+            <a:off x="838200" y="1825625"/>
+            <a:ext cx="10515600" cy="4863042"/>
+          </a:xfrm>
+        </p:spPr>
+        <p:txBody>
+          <a:bodyPr>
+            <a:normAutofit/>
+          </a:bodyPr>
+          <a:lstStyle/>
+          <a:p>
+            <a:pPr>
+              <a:lnSpc>
+                <a:spcPct val="100000"/>
+              </a:lnSpc>
+              <a:buFont typeface="Wingdings" panose="05000000000000000000" pitchFamily="2" charset="2"/>
+              <a:buChar char="q"/>
+            </a:pPr>
+            <a:r>
+              <a:rPr lang="ru-RU" sz="4000" dirty="0" smtClean="0">
+                <a:latin typeface="+mj-lt"/>
+              </a:rPr>
+              <a:t>Тесты</a:t>
+            </a:r>
+          </a:p>
+          <a:p>
+            <a:pPr>
+              <a:lnSpc>
+                <a:spcPct val="100000"/>
+              </a:lnSpc>
+              <a:buFont typeface="Wingdings" panose="05000000000000000000" pitchFamily="2" charset="2"/>
+              <a:buChar char="q"/>
+            </a:pPr>
+            <a:r>
+              <a:rPr lang="ru-RU" sz="4000" dirty="0" smtClean="0">
+                <a:latin typeface="+mj-lt"/>
+              </a:rPr>
+              <a:t>Пользователи</a:t>
+            </a:r>
+          </a:p>
+          <a:p>
+            <a:pPr>
+              <a:lnSpc>
+                <a:spcPct val="100000"/>
+              </a:lnSpc>
+              <a:buFont typeface="Wingdings" panose="05000000000000000000" pitchFamily="2" charset="2"/>
+              <a:buChar char="q"/>
+            </a:pPr>
+            <a:r>
+              <a:rPr lang="ru-RU" sz="4000" dirty="0" smtClean="0">
+                <a:latin typeface="+mj-lt"/>
+              </a:rPr>
+              <a:t>Группы</a:t>
+            </a:r>
+          </a:p>
+          <a:p>
+            <a:pPr>
+              <a:lnSpc>
+                <a:spcPct val="100000"/>
+              </a:lnSpc>
+              <a:buFont typeface="Wingdings" panose="05000000000000000000" pitchFamily="2" charset="2"/>
+              <a:buChar char="q"/>
+            </a:pPr>
+            <a:r>
+              <a:rPr lang="ru-RU" sz="4000" b="1" dirty="0" smtClean="0">
+                <a:latin typeface="+mj-lt"/>
+              </a:rPr>
+              <a:t>Статистика по тестам</a:t>
+            </a:r>
+          </a:p>
+        </p:txBody>
+      </p:sp>
     </p:spTree>
     <p:extLst>
       <p:ext uri="{BB962C8B-B14F-4D97-AF65-F5344CB8AC3E}">
-        <p14:creationId xmlns:p14="http://schemas.microsoft.com/office/powerpoint/2010/main" val="1219223992"/>
+        <p14:creationId xmlns:p14="http://schemas.microsoft.com/office/powerpoint/2010/main" val="1626422658"/>
       </p:ext>
     </p:extLst>
   </p:cSld>
@@ -3169,14 +3240,6 @@
 <file path=ppt/slides/slide11.xml><?xml version="1.0" encoding="utf-8"?>
 <p:sld xmlns:a="http://schemas.openxmlformats.org/drawingml/2006/main" xmlns:r="http://schemas.openxmlformats.org/officeDocument/2006/relationships" xmlns:p="http://schemas.openxmlformats.org/presentationml/2006/main">
   <p:cSld>
-    <p:bg>
-      <p:bgPr>
-        <a:solidFill>
-          <a:schemeClr val="tx1"/>
-        </a:solidFill>
-        <a:effectLst/>
-      </p:bgPr>
-    </p:bg>
     <p:spTree>
       <p:nvGrpSpPr>
         <p:cNvPr id="1" name=""/>
@@ -3203,12 +3266,17 @@
         </p:nvSpPr>
         <p:spPr>
           <a:xfrm>
-            <a:off x="0" y="1"/>
-            <a:ext cx="12192000" cy="6858000"/>
-          </a:xfrm>
-        </p:spPr>
-        <p:txBody>
-          <a:bodyPr/>
+            <a:off x="0" y="0"/>
+            <a:ext cx="12192000" cy="6857999"/>
+          </a:xfrm>
+          <a:solidFill>
+            <a:schemeClr val="tx1"/>
+          </a:solidFill>
+        </p:spPr>
+        <p:txBody>
+          <a:bodyPr>
+            <a:normAutofit/>
+          </a:bodyPr>
           <a:lstStyle/>
           <a:p>
             <a:pPr algn="ctr"/>
@@ -3218,7 +3286,7 @@
                   <a:schemeClr val="bg1"/>
                 </a:solidFill>
               </a:rPr>
-              <a:t>Выводы</a:t>
+              <a:t>А также</a:t>
             </a:r>
             <a:endParaRPr lang="ru-RU" sz="7800" dirty="0">
               <a:solidFill>
@@ -3231,7 +3299,7 @@
     </p:spTree>
     <p:extLst>
       <p:ext uri="{BB962C8B-B14F-4D97-AF65-F5344CB8AC3E}">
-        <p14:creationId xmlns:p14="http://schemas.microsoft.com/office/powerpoint/2010/main" val="2482471522"/>
+        <p14:creationId xmlns:p14="http://schemas.microsoft.com/office/powerpoint/2010/main" val="3839464623"/>
       </p:ext>
     </p:extLst>
   </p:cSld>
@@ -3277,27 +3345,64 @@
         </p:nvSpPr>
         <p:spPr>
           <a:xfrm>
-            <a:off x="0" y="1"/>
-            <a:ext cx="12192000" cy="6858000"/>
-          </a:xfrm>
-        </p:spPr>
-        <p:txBody>
-          <a:bodyPr/>
+            <a:off x="0" y="0"/>
+            <a:ext cx="12192000" cy="5679347"/>
+          </a:xfrm>
+        </p:spPr>
+        <p:txBody>
+          <a:bodyPr>
+            <a:normAutofit/>
+          </a:bodyPr>
           <a:lstStyle/>
           <a:p>
             <a:pPr algn="ctr"/>
+            <a:r>
+              <a:rPr lang="ru-RU" sz="4500" i="1" dirty="0" smtClean="0">
+                <a:latin typeface="Verdana" panose="020B0604030504040204" pitchFamily="34" charset="0"/>
+                <a:ea typeface="Verdana" panose="020B0604030504040204" pitchFamily="34" charset="0"/>
+                <a:cs typeface="Verdana" panose="020B0604030504040204" pitchFamily="34" charset="0"/>
+              </a:rPr>
+              <a:t>Режим</a:t>
+            </a:r>
+            <a:r>
+              <a:rPr lang="ru-RU" sz="7800" i="1" dirty="0" smtClean="0">
+                <a:solidFill>
+                  <a:srgbClr val="FF5564"/>
+                </a:solidFill>
+                <a:latin typeface="Verdana" panose="020B0604030504040204" pitchFamily="34" charset="0"/>
+                <a:ea typeface="Verdana" panose="020B0604030504040204" pitchFamily="34" charset="0"/>
+                <a:cs typeface="Verdana" panose="020B0604030504040204" pitchFamily="34" charset="0"/>
+              </a:rPr>
+              <a:t> </a:t>
+            </a:r>
+            <a:br>
+              <a:rPr lang="ru-RU" sz="7800" i="1" dirty="0" smtClean="0">
+                <a:solidFill>
+                  <a:srgbClr val="FF5564"/>
+                </a:solidFill>
+                <a:latin typeface="Verdana" panose="020B0604030504040204" pitchFamily="34" charset="0"/>
+                <a:ea typeface="Verdana" panose="020B0604030504040204" pitchFamily="34" charset="0"/>
+                <a:cs typeface="Verdana" panose="020B0604030504040204" pitchFamily="34" charset="0"/>
+              </a:rPr>
+            </a:br>
             <a:r>
               <a:rPr lang="ru-RU" sz="7800" dirty="0" smtClean="0">
                 <a:solidFill>
                   <a:srgbClr val="FF5564"/>
                 </a:solidFill>
-              </a:rPr>
-              <a:t>Получилось классно.</a:t>
+                <a:latin typeface="Verdana" panose="020B0604030504040204" pitchFamily="34" charset="0"/>
+                <a:ea typeface="Verdana" panose="020B0604030504040204" pitchFamily="34" charset="0"/>
+                <a:cs typeface="Verdana" panose="020B0604030504040204" pitchFamily="34" charset="0"/>
+              </a:rPr>
+              <a:t>Тренировки</a:t>
             </a:r>
             <a:endParaRPr lang="ru-RU" sz="7800" dirty="0">
               <a:solidFill>
                 <a:srgbClr val="FF5564"/>
               </a:solidFill>
+              <a:latin typeface="Verdana" panose="020B0604030504040204" pitchFamily="34" charset="0"/>
+              <a:ea typeface="Verdana" panose="020B0604030504040204" pitchFamily="34" charset="0"/>
+              <a:cs typeface="Verdana" panose="020B0604030504040204" pitchFamily="34" charset="0"/>
             </a:endParaRPr>
           </a:p>
         </p:txBody>
@@ -3305,7 +3410,7 @@
     </p:spTree>
     <p:extLst>
       <p:ext uri="{BB962C8B-B14F-4D97-AF65-F5344CB8AC3E}">
-        <p14:creationId xmlns:p14="http://schemas.microsoft.com/office/powerpoint/2010/main" val="1375063220"/>
+        <p14:creationId xmlns:p14="http://schemas.microsoft.com/office/powerpoint/2010/main" val="3249824218"/>
       </p:ext>
     </p:extLst>
   </p:cSld>
@@ -3325,14 +3430,6 @@
 <file path=ppt/slides/slide13.xml><?xml version="1.0" encoding="utf-8"?>
 <p:sld xmlns:a="http://schemas.openxmlformats.org/drawingml/2006/main" xmlns:r="http://schemas.openxmlformats.org/officeDocument/2006/relationships" xmlns:p="http://schemas.openxmlformats.org/presentationml/2006/main">
   <p:cSld>
-    <p:bg>
-      <p:bgPr>
-        <a:solidFill>
-          <a:schemeClr val="tx1"/>
-        </a:solidFill>
-        <a:effectLst/>
-      </p:bgPr>
-    </p:bg>
     <p:spTree>
       <p:nvGrpSpPr>
         <p:cNvPr id="1" name=""/>
@@ -3359,35 +3456,77 @@
         </p:nvSpPr>
         <p:spPr>
           <a:xfrm>
-            <a:off x="0" y="1"/>
-            <a:ext cx="12192000" cy="6858000"/>
-          </a:xfrm>
-        </p:spPr>
-        <p:txBody>
-          <a:bodyPr/>
-          <a:lstStyle/>
-          <a:p>
-            <a:pPr algn="ctr"/>
-            <a:r>
-              <a:rPr lang="ru-RU" sz="7800" dirty="0" smtClean="0">
+            <a:off x="0" y="9525"/>
+            <a:ext cx="12192000" cy="1325563"/>
+          </a:xfrm>
+        </p:spPr>
+        <p:txBody>
+          <a:bodyPr>
+            <a:normAutofit/>
+          </a:bodyPr>
+          <a:lstStyle/>
+          <a:p>
+            <a:r>
+              <a:rPr lang="ru-RU" sz="6000" dirty="0" smtClean="0">
                 <a:solidFill>
-                  <a:schemeClr val="bg1"/>
+                  <a:srgbClr val="FF5564"/>
                 </a:solidFill>
               </a:rPr>
-              <a:t>Посмотреть?</a:t>
-            </a:r>
-            <a:endParaRPr lang="ru-RU" sz="7800" dirty="0">
+              <a:t>Режим тренировки</a:t>
+            </a:r>
+            <a:endParaRPr lang="ru-RU" sz="6000" dirty="0">
               <a:solidFill>
-                <a:schemeClr val="bg1"/>
+                <a:srgbClr val="FF5564"/>
               </a:solidFill>
             </a:endParaRPr>
+          </a:p>
+        </p:txBody>
+      </p:sp>
+      <p:sp>
+        <p:nvSpPr>
+          <p:cNvPr id="3" name="Объект 2"/>
+          <p:cNvSpPr>
+            <a:spLocks noGrp="1"/>
+          </p:cNvSpPr>
+          <p:nvPr>
+            <p:ph idx="1"/>
+          </p:nvPr>
+        </p:nvSpPr>
+        <p:spPr>
+          <a:xfrm>
+            <a:off x="838200" y="1825625"/>
+            <a:ext cx="10515600" cy="4863042"/>
+          </a:xfrm>
+        </p:spPr>
+        <p:txBody>
+          <a:bodyPr>
+            <a:normAutofit/>
+          </a:bodyPr>
+          <a:lstStyle/>
+          <a:p>
+            <a:pPr>
+              <a:lnSpc>
+                <a:spcPct val="100000"/>
+              </a:lnSpc>
+              <a:buFont typeface="Wingdings" panose="05000000000000000000" pitchFamily="2" charset="2"/>
+              <a:buChar char="q"/>
+            </a:pPr>
+            <a:r>
+              <a:rPr lang="ru-RU" sz="4000" b="1" dirty="0" smtClean="0">
+                <a:solidFill>
+                  <a:srgbClr val="FF5564"/>
+                </a:solidFill>
+                <a:latin typeface="+mj-lt"/>
+              </a:rPr>
+              <a:t>Пользователь видит, правильно ли ответил</a:t>
+            </a:r>
           </a:p>
         </p:txBody>
       </p:sp>
     </p:spTree>
     <p:extLst>
       <p:ext uri="{BB962C8B-B14F-4D97-AF65-F5344CB8AC3E}">
-        <p14:creationId xmlns:p14="http://schemas.microsoft.com/office/powerpoint/2010/main" val="300075174"/>
+        <p14:creationId xmlns:p14="http://schemas.microsoft.com/office/powerpoint/2010/main" val="299485342"/>
       </p:ext>
     </p:extLst>
   </p:cSld>
@@ -3433,22 +3572,681 @@
         </p:nvSpPr>
         <p:spPr>
           <a:xfrm>
-            <a:off x="0" y="1"/>
+            <a:off x="0" y="9525"/>
+            <a:ext cx="12192000" cy="1325563"/>
+          </a:xfrm>
+        </p:spPr>
+        <p:txBody>
+          <a:bodyPr>
+            <a:normAutofit/>
+          </a:bodyPr>
+          <a:lstStyle/>
+          <a:p>
+            <a:r>
+              <a:rPr lang="ru-RU" sz="6000" dirty="0" smtClean="0">
+                <a:solidFill>
+                  <a:srgbClr val="FF5564"/>
+                </a:solidFill>
+              </a:rPr>
+              <a:t>Режим тренировки</a:t>
+            </a:r>
+            <a:endParaRPr lang="ru-RU" sz="6000" dirty="0">
+              <a:solidFill>
+                <a:srgbClr val="FF5564"/>
+              </a:solidFill>
+            </a:endParaRPr>
+          </a:p>
+        </p:txBody>
+      </p:sp>
+      <p:sp>
+        <p:nvSpPr>
+          <p:cNvPr id="3" name="Объект 2"/>
+          <p:cNvSpPr>
+            <a:spLocks noGrp="1"/>
+          </p:cNvSpPr>
+          <p:nvPr>
+            <p:ph idx="1"/>
+          </p:nvPr>
+        </p:nvSpPr>
+        <p:spPr>
+          <a:xfrm>
+            <a:off x="838200" y="1825625"/>
+            <a:ext cx="10515600" cy="4863042"/>
+          </a:xfrm>
+        </p:spPr>
+        <p:txBody>
+          <a:bodyPr>
+            <a:normAutofit/>
+          </a:bodyPr>
+          <a:lstStyle/>
+          <a:p>
+            <a:pPr>
+              <a:lnSpc>
+                <a:spcPct val="100000"/>
+              </a:lnSpc>
+              <a:buFont typeface="Wingdings" panose="05000000000000000000" pitchFamily="2" charset="2"/>
+              <a:buChar char="q"/>
+            </a:pPr>
+            <a:r>
+              <a:rPr lang="ru-RU" sz="4000" dirty="0" smtClean="0">
+                <a:latin typeface="+mj-lt"/>
+              </a:rPr>
+              <a:t>Пользователь видит, правильно ли ответил</a:t>
+            </a:r>
+          </a:p>
+          <a:p>
+            <a:pPr>
+              <a:lnSpc>
+                <a:spcPct val="100000"/>
+              </a:lnSpc>
+              <a:buFont typeface="Wingdings" panose="05000000000000000000" pitchFamily="2" charset="2"/>
+              <a:buChar char="q"/>
+            </a:pPr>
+            <a:r>
+              <a:rPr lang="ru-RU" sz="4000" b="1" dirty="0" smtClean="0">
+                <a:solidFill>
+                  <a:srgbClr val="FF5564"/>
+                </a:solidFill>
+                <a:latin typeface="+mj-lt"/>
+              </a:rPr>
+              <a:t>Тест не закончится, пока на все вопросы не будет дан правильный ответ</a:t>
+            </a:r>
+          </a:p>
+        </p:txBody>
+      </p:sp>
+    </p:spTree>
+    <p:extLst>
+      <p:ext uri="{BB962C8B-B14F-4D97-AF65-F5344CB8AC3E}">
+        <p14:creationId xmlns:p14="http://schemas.microsoft.com/office/powerpoint/2010/main" val="3218087453"/>
+      </p:ext>
+    </p:extLst>
+  </p:cSld>
+  <p:clrMapOvr>
+    <a:masterClrMapping/>
+  </p:clrMapOvr>
+  <p:timing>
+    <p:tnLst>
+      <p:par>
+        <p:cTn id="1" dur="indefinite" restart="never" nodeType="tmRoot"/>
+      </p:par>
+    </p:tnLst>
+  </p:timing>
+</p:sld>
+</file>
+
+<file path=ppt/slides/slide15.xml><?xml version="1.0" encoding="utf-8"?>
+<p:sld xmlns:a="http://schemas.openxmlformats.org/drawingml/2006/main" xmlns:r="http://schemas.openxmlformats.org/officeDocument/2006/relationships" xmlns:p="http://schemas.openxmlformats.org/presentationml/2006/main">
+  <p:cSld>
+    <p:spTree>
+      <p:nvGrpSpPr>
+        <p:cNvPr id="1" name=""/>
+        <p:cNvGrpSpPr/>
+        <p:nvPr/>
+      </p:nvGrpSpPr>
+      <p:grpSpPr>
+        <a:xfrm>
+          <a:off x="0" y="0"/>
+          <a:ext cx="0" cy="0"/>
+          <a:chOff x="0" y="0"/>
+          <a:chExt cx="0" cy="0"/>
+        </a:xfrm>
+      </p:grpSpPr>
+      <p:sp>
+        <p:nvSpPr>
+          <p:cNvPr id="2" name="Заголовок 1"/>
+          <p:cNvSpPr>
+            <a:spLocks noGrp="1"/>
+          </p:cNvSpPr>
+          <p:nvPr>
+            <p:ph type="title"/>
+          </p:nvPr>
+        </p:nvSpPr>
+        <p:spPr>
+          <a:xfrm>
+            <a:off x="0" y="9525"/>
+            <a:ext cx="12192000" cy="1325563"/>
+          </a:xfrm>
+        </p:spPr>
+        <p:txBody>
+          <a:bodyPr>
+            <a:normAutofit/>
+          </a:bodyPr>
+          <a:lstStyle/>
+          <a:p>
+            <a:r>
+              <a:rPr lang="ru-RU" sz="6000" dirty="0" smtClean="0">
+                <a:solidFill>
+                  <a:srgbClr val="FF5564"/>
+                </a:solidFill>
+              </a:rPr>
+              <a:t>Режим тренировки</a:t>
+            </a:r>
+            <a:endParaRPr lang="ru-RU" sz="6000" dirty="0">
+              <a:solidFill>
+                <a:srgbClr val="FF5564"/>
+              </a:solidFill>
+            </a:endParaRPr>
+          </a:p>
+        </p:txBody>
+      </p:sp>
+      <p:sp>
+        <p:nvSpPr>
+          <p:cNvPr id="3" name="Объект 2"/>
+          <p:cNvSpPr>
+            <a:spLocks noGrp="1"/>
+          </p:cNvSpPr>
+          <p:nvPr>
+            <p:ph idx="1"/>
+          </p:nvPr>
+        </p:nvSpPr>
+        <p:spPr>
+          <a:xfrm>
+            <a:off x="838200" y="1825625"/>
+            <a:ext cx="10515600" cy="4863042"/>
+          </a:xfrm>
+        </p:spPr>
+        <p:txBody>
+          <a:bodyPr>
+            <a:normAutofit/>
+          </a:bodyPr>
+          <a:lstStyle/>
+          <a:p>
+            <a:pPr>
+              <a:lnSpc>
+                <a:spcPct val="100000"/>
+              </a:lnSpc>
+              <a:buFont typeface="Wingdings" panose="05000000000000000000" pitchFamily="2" charset="2"/>
+              <a:buChar char="q"/>
+            </a:pPr>
+            <a:r>
+              <a:rPr lang="ru-RU" sz="4000" dirty="0" smtClean="0">
+                <a:latin typeface="+mj-lt"/>
+              </a:rPr>
+              <a:t>Пользователь видит, правильно ли ответил</a:t>
+            </a:r>
+          </a:p>
+          <a:p>
+            <a:pPr>
+              <a:lnSpc>
+                <a:spcPct val="100000"/>
+              </a:lnSpc>
+              <a:buFont typeface="Wingdings" panose="05000000000000000000" pitchFamily="2" charset="2"/>
+              <a:buChar char="q"/>
+            </a:pPr>
+            <a:r>
+              <a:rPr lang="ru-RU" sz="4000" dirty="0" smtClean="0">
+                <a:latin typeface="+mj-lt"/>
+              </a:rPr>
+              <a:t>Тест не закончится, пока на все вопросы не будет дан правильный ответ</a:t>
+            </a:r>
+          </a:p>
+          <a:p>
+            <a:pPr>
+              <a:lnSpc>
+                <a:spcPct val="100000"/>
+              </a:lnSpc>
+              <a:buFont typeface="Wingdings" panose="05000000000000000000" pitchFamily="2" charset="2"/>
+              <a:buChar char="q"/>
+            </a:pPr>
+            <a:r>
+              <a:rPr lang="ru-RU" sz="4000" b="1" dirty="0" smtClean="0">
+                <a:solidFill>
+                  <a:srgbClr val="FF5564"/>
+                </a:solidFill>
+                <a:latin typeface="+mj-lt"/>
+              </a:rPr>
+              <a:t>Можно посмотреть проблемные вопросы</a:t>
+            </a:r>
+          </a:p>
+        </p:txBody>
+      </p:sp>
+    </p:spTree>
+    <p:extLst>
+      <p:ext uri="{BB962C8B-B14F-4D97-AF65-F5344CB8AC3E}">
+        <p14:creationId xmlns:p14="http://schemas.microsoft.com/office/powerpoint/2010/main" val="3802304658"/>
+      </p:ext>
+    </p:extLst>
+  </p:cSld>
+  <p:clrMapOvr>
+    <a:masterClrMapping/>
+  </p:clrMapOvr>
+  <p:timing>
+    <p:tnLst>
+      <p:par>
+        <p:cTn id="1" dur="indefinite" restart="never" nodeType="tmRoot"/>
+      </p:par>
+    </p:tnLst>
+  </p:timing>
+</p:sld>
+</file>
+
+<file path=ppt/slides/slide16.xml><?xml version="1.0" encoding="utf-8"?>
+<p:sld xmlns:a="http://schemas.openxmlformats.org/drawingml/2006/main" xmlns:r="http://schemas.openxmlformats.org/officeDocument/2006/relationships" xmlns:p="http://schemas.openxmlformats.org/presentationml/2006/main">
+  <p:cSld>
+    <p:spTree>
+      <p:nvGrpSpPr>
+        <p:cNvPr id="1" name=""/>
+        <p:cNvGrpSpPr/>
+        <p:nvPr/>
+      </p:nvGrpSpPr>
+      <p:grpSpPr>
+        <a:xfrm>
+          <a:off x="0" y="0"/>
+          <a:ext cx="0" cy="0"/>
+          <a:chOff x="0" y="0"/>
+          <a:chExt cx="0" cy="0"/>
+        </a:xfrm>
+      </p:grpSpPr>
+      <p:sp>
+        <p:nvSpPr>
+          <p:cNvPr id="2" name="Заголовок 1"/>
+          <p:cNvSpPr>
+            <a:spLocks noGrp="1"/>
+          </p:cNvSpPr>
+          <p:nvPr>
+            <p:ph type="title"/>
+          </p:nvPr>
+        </p:nvSpPr>
+        <p:spPr>
+          <a:xfrm>
+            <a:off x="0" y="9525"/>
+            <a:ext cx="12192000" cy="1325563"/>
+          </a:xfrm>
+        </p:spPr>
+        <p:txBody>
+          <a:bodyPr>
+            <a:normAutofit/>
+          </a:bodyPr>
+          <a:lstStyle/>
+          <a:p>
+            <a:r>
+              <a:rPr lang="ru-RU" sz="6000" dirty="0" smtClean="0">
+                <a:solidFill>
+                  <a:srgbClr val="FF5564"/>
+                </a:solidFill>
+              </a:rPr>
+              <a:t>Режим тренировки</a:t>
+            </a:r>
+            <a:endParaRPr lang="ru-RU" sz="6000" dirty="0">
+              <a:solidFill>
+                <a:srgbClr val="FF5564"/>
+              </a:solidFill>
+            </a:endParaRPr>
+          </a:p>
+        </p:txBody>
+      </p:sp>
+      <p:sp>
+        <p:nvSpPr>
+          <p:cNvPr id="3" name="Объект 2"/>
+          <p:cNvSpPr>
+            <a:spLocks noGrp="1"/>
+          </p:cNvSpPr>
+          <p:nvPr>
+            <p:ph idx="1"/>
+          </p:nvPr>
+        </p:nvSpPr>
+        <p:spPr>
+          <a:xfrm>
+            <a:off x="838200" y="1825625"/>
+            <a:ext cx="10515600" cy="4863042"/>
+          </a:xfrm>
+        </p:spPr>
+        <p:txBody>
+          <a:bodyPr>
+            <a:normAutofit/>
+          </a:bodyPr>
+          <a:lstStyle/>
+          <a:p>
+            <a:pPr>
+              <a:lnSpc>
+                <a:spcPct val="100000"/>
+              </a:lnSpc>
+              <a:buFont typeface="Wingdings" panose="05000000000000000000" pitchFamily="2" charset="2"/>
+              <a:buChar char="q"/>
+            </a:pPr>
+            <a:r>
+              <a:rPr lang="ru-RU" sz="4000" dirty="0" smtClean="0">
+                <a:latin typeface="+mj-lt"/>
+              </a:rPr>
+              <a:t>Пользователь видит, правильно ли ответил</a:t>
+            </a:r>
+          </a:p>
+          <a:p>
+            <a:pPr>
+              <a:lnSpc>
+                <a:spcPct val="100000"/>
+              </a:lnSpc>
+              <a:buFont typeface="Wingdings" panose="05000000000000000000" pitchFamily="2" charset="2"/>
+              <a:buChar char="q"/>
+            </a:pPr>
+            <a:r>
+              <a:rPr lang="ru-RU" sz="4000" dirty="0" smtClean="0">
+                <a:latin typeface="+mj-lt"/>
+              </a:rPr>
+              <a:t>Тест не закончится, пока на все вопросы не будет дан правильный ответ</a:t>
+            </a:r>
+          </a:p>
+          <a:p>
+            <a:pPr>
+              <a:lnSpc>
+                <a:spcPct val="100000"/>
+              </a:lnSpc>
+              <a:buFont typeface="Wingdings" panose="05000000000000000000" pitchFamily="2" charset="2"/>
+              <a:buChar char="q"/>
+            </a:pPr>
+            <a:r>
+              <a:rPr lang="ru-RU" sz="4000" dirty="0" smtClean="0">
+                <a:latin typeface="+mj-lt"/>
+              </a:rPr>
+              <a:t>Можно посмотреть проблемные вопросы</a:t>
+            </a:r>
+          </a:p>
+          <a:p>
+            <a:pPr>
+              <a:lnSpc>
+                <a:spcPct val="100000"/>
+              </a:lnSpc>
+              <a:buFont typeface="Wingdings" panose="05000000000000000000" pitchFamily="2" charset="2"/>
+              <a:buChar char="q"/>
+            </a:pPr>
+            <a:r>
+              <a:rPr lang="ru-RU" sz="4000" b="1" dirty="0" smtClean="0">
+                <a:solidFill>
+                  <a:srgbClr val="FF5564"/>
+                </a:solidFill>
+                <a:latin typeface="+mj-lt"/>
+              </a:rPr>
+              <a:t>Доступен к каждому тесту</a:t>
+            </a:r>
+          </a:p>
+        </p:txBody>
+      </p:sp>
+    </p:spTree>
+    <p:extLst>
+      <p:ext uri="{BB962C8B-B14F-4D97-AF65-F5344CB8AC3E}">
+        <p14:creationId xmlns:p14="http://schemas.microsoft.com/office/powerpoint/2010/main" val="2448892136"/>
+      </p:ext>
+    </p:extLst>
+  </p:cSld>
+  <p:clrMapOvr>
+    <a:masterClrMapping/>
+  </p:clrMapOvr>
+  <p:timing>
+    <p:tnLst>
+      <p:par>
+        <p:cTn id="1" dur="indefinite" restart="never" nodeType="tmRoot"/>
+      </p:par>
+    </p:tnLst>
+  </p:timing>
+</p:sld>
+</file>
+
+<file path=ppt/slides/slide17.xml><?xml version="1.0" encoding="utf-8"?>
+<p:sld xmlns:a="http://schemas.openxmlformats.org/drawingml/2006/main" xmlns:r="http://schemas.openxmlformats.org/officeDocument/2006/relationships" xmlns:p="http://schemas.openxmlformats.org/presentationml/2006/main">
+  <p:cSld>
+    <p:spTree>
+      <p:nvGrpSpPr>
+        <p:cNvPr id="1" name=""/>
+        <p:cNvGrpSpPr/>
+        <p:nvPr/>
+      </p:nvGrpSpPr>
+      <p:grpSpPr>
+        <a:xfrm>
+          <a:off x="0" y="0"/>
+          <a:ext cx="0" cy="0"/>
+          <a:chOff x="0" y="0"/>
+          <a:chExt cx="0" cy="0"/>
+        </a:xfrm>
+      </p:grpSpPr>
+      <p:sp>
+        <p:nvSpPr>
+          <p:cNvPr id="2" name="Заголовок 1"/>
+          <p:cNvSpPr>
+            <a:spLocks noGrp="1"/>
+          </p:cNvSpPr>
+          <p:nvPr>
+            <p:ph type="title"/>
+          </p:nvPr>
+        </p:nvSpPr>
+        <p:spPr>
+          <a:xfrm>
+            <a:off x="0" y="0"/>
+            <a:ext cx="12192000" cy="6857999"/>
+          </a:xfrm>
+          <a:solidFill>
+            <a:schemeClr val="tx1"/>
+          </a:solidFill>
+        </p:spPr>
+        <p:txBody>
+          <a:bodyPr>
+            <a:normAutofit/>
+          </a:bodyPr>
+          <a:lstStyle/>
+          <a:p>
+            <a:pPr algn="ctr"/>
+            <a:r>
+              <a:rPr lang="ru-RU" sz="7800" dirty="0" smtClean="0">
+                <a:solidFill>
+                  <a:schemeClr val="bg1"/>
+                </a:solidFill>
+              </a:rPr>
+              <a:t>Зачем?</a:t>
+            </a:r>
+            <a:endParaRPr lang="ru-RU" sz="7800" dirty="0">
+              <a:solidFill>
+                <a:schemeClr val="bg1"/>
+              </a:solidFill>
+            </a:endParaRPr>
+          </a:p>
+        </p:txBody>
+      </p:sp>
+    </p:spTree>
+    <p:extLst>
+      <p:ext uri="{BB962C8B-B14F-4D97-AF65-F5344CB8AC3E}">
+        <p14:creationId xmlns:p14="http://schemas.microsoft.com/office/powerpoint/2010/main" val="3802401843"/>
+      </p:ext>
+    </p:extLst>
+  </p:cSld>
+  <p:clrMapOvr>
+    <a:masterClrMapping/>
+  </p:clrMapOvr>
+  <p:timing>
+    <p:tnLst>
+      <p:par>
+        <p:cTn id="1" dur="indefinite" restart="never" nodeType="tmRoot"/>
+      </p:par>
+    </p:tnLst>
+  </p:timing>
+</p:sld>
+</file>
+
+<file path=ppt/slides/slide18.xml><?xml version="1.0" encoding="utf-8"?>
+<p:sld xmlns:a="http://schemas.openxmlformats.org/drawingml/2006/main" xmlns:r="http://schemas.openxmlformats.org/officeDocument/2006/relationships" xmlns:p="http://schemas.openxmlformats.org/presentationml/2006/main">
+  <p:cSld>
+    <p:spTree>
+      <p:nvGrpSpPr>
+        <p:cNvPr id="1" name=""/>
+        <p:cNvGrpSpPr/>
+        <p:nvPr/>
+      </p:nvGrpSpPr>
+      <p:grpSpPr>
+        <a:xfrm>
+          <a:off x="0" y="0"/>
+          <a:ext cx="0" cy="0"/>
+          <a:chOff x="0" y="0"/>
+          <a:chExt cx="0" cy="0"/>
+        </a:xfrm>
+      </p:grpSpPr>
+      <p:sp>
+        <p:nvSpPr>
+          <p:cNvPr id="2" name="Заголовок 1"/>
+          <p:cNvSpPr>
+            <a:spLocks noGrp="1"/>
+          </p:cNvSpPr>
+          <p:nvPr>
+            <p:ph type="title"/>
+          </p:nvPr>
+        </p:nvSpPr>
+        <p:spPr>
+          <a:xfrm>
+            <a:off x="0" y="0"/>
             <a:ext cx="12192000" cy="6858000"/>
           </a:xfrm>
         </p:spPr>
         <p:txBody>
-          <a:bodyPr/>
+          <a:bodyPr>
+            <a:normAutofit/>
+          </a:bodyPr>
           <a:lstStyle/>
           <a:p>
             <a:pPr algn="ctr"/>
+            <a:r>
+              <a:rPr lang="ru-RU" sz="5800" dirty="0" smtClean="0">
+                <a:latin typeface="Verdana" panose="020B0604030504040204" pitchFamily="34" charset="0"/>
+                <a:ea typeface="Verdana" panose="020B0604030504040204" pitchFamily="34" charset="0"/>
+                <a:cs typeface="Verdana" panose="020B0604030504040204" pitchFamily="34" charset="0"/>
+              </a:rPr>
+              <a:t>Ускорение процесса обучения </a:t>
+            </a:r>
             <a:r>
               <a:rPr lang="ru-RU" sz="7800" dirty="0" smtClean="0">
                 <a:solidFill>
                   <a:srgbClr val="FF5564"/>
                 </a:solidFill>
-              </a:rPr>
-              <a:t>Конечно.</a:t>
+                <a:latin typeface="Verdana" panose="020B0604030504040204" pitchFamily="34" charset="0"/>
+                <a:ea typeface="Verdana" panose="020B0604030504040204" pitchFamily="34" charset="0"/>
+                <a:cs typeface="Verdana" panose="020B0604030504040204" pitchFamily="34" charset="0"/>
+              </a:rPr>
+              <a:t/>
+            </a:r>
+            <a:br>
+              <a:rPr lang="ru-RU" sz="7800" dirty="0" smtClean="0">
+                <a:solidFill>
+                  <a:srgbClr val="FF5564"/>
+                </a:solidFill>
+                <a:latin typeface="Verdana" panose="020B0604030504040204" pitchFamily="34" charset="0"/>
+                <a:ea typeface="Verdana" panose="020B0604030504040204" pitchFamily="34" charset="0"/>
+                <a:cs typeface="Verdana" panose="020B0604030504040204" pitchFamily="34" charset="0"/>
+              </a:rPr>
+            </a:br>
+            <a:r>
+              <a:rPr lang="ru-RU" sz="7800" i="1" u="sng" dirty="0" smtClean="0">
+                <a:solidFill>
+                  <a:srgbClr val="FF5564"/>
+                </a:solidFill>
+                <a:latin typeface="Verdana" panose="020B0604030504040204" pitchFamily="34" charset="0"/>
+                <a:ea typeface="Verdana" panose="020B0604030504040204" pitchFamily="34" charset="0"/>
+                <a:cs typeface="Verdana" panose="020B0604030504040204" pitchFamily="34" charset="0"/>
+              </a:rPr>
+              <a:t>в разы</a:t>
+            </a:r>
+            <a:endParaRPr lang="ru-RU" sz="7800" i="1" u="sng" dirty="0">
+              <a:solidFill>
+                <a:srgbClr val="FF5564"/>
+              </a:solidFill>
+              <a:latin typeface="Verdana" panose="020B0604030504040204" pitchFamily="34" charset="0"/>
+              <a:ea typeface="Verdana" panose="020B0604030504040204" pitchFamily="34" charset="0"/>
+              <a:cs typeface="Verdana" panose="020B0604030504040204" pitchFamily="34" charset="0"/>
+            </a:endParaRPr>
+          </a:p>
+        </p:txBody>
+      </p:sp>
+      <p:sp>
+        <p:nvSpPr>
+          <p:cNvPr id="3" name="TextBox 2"/>
+          <p:cNvSpPr txBox="1"/>
+          <p:nvPr/>
+        </p:nvSpPr>
+        <p:spPr>
+          <a:xfrm>
+            <a:off x="7812947" y="6488668"/>
+            <a:ext cx="4379053" cy="369332"/>
+          </a:xfrm>
+          <a:prstGeom prst="rect">
+            <a:avLst/>
+          </a:prstGeom>
+          <a:noFill/>
+        </p:spPr>
+        <p:txBody>
+          <a:bodyPr wrap="square" rtlCol="0">
+            <a:spAutoFit/>
+          </a:bodyPr>
+          <a:lstStyle/>
+          <a:p>
+            <a:r>
+              <a:rPr lang="ru-RU" dirty="0" smtClean="0"/>
+              <a:t>1000 вопросов за неделю – не проблема</a:t>
+            </a:r>
+            <a:endParaRPr lang="ru-RU" dirty="0"/>
+          </a:p>
+        </p:txBody>
+      </p:sp>
+    </p:spTree>
+    <p:extLst>
+      <p:ext uri="{BB962C8B-B14F-4D97-AF65-F5344CB8AC3E}">
+        <p14:creationId xmlns:p14="http://schemas.microsoft.com/office/powerpoint/2010/main" val="1905195739"/>
+      </p:ext>
+    </p:extLst>
+  </p:cSld>
+  <p:clrMapOvr>
+    <a:masterClrMapping/>
+  </p:clrMapOvr>
+  <p:timing>
+    <p:tnLst>
+      <p:par>
+        <p:cTn id="1" dur="indefinite" restart="never" nodeType="tmRoot"/>
+      </p:par>
+    </p:tnLst>
+  </p:timing>
+</p:sld>
+</file>
+
+<file path=ppt/slides/slide19.xml><?xml version="1.0" encoding="utf-8"?>
+<p:sld xmlns:a="http://schemas.openxmlformats.org/drawingml/2006/main" xmlns:r="http://schemas.openxmlformats.org/officeDocument/2006/relationships" xmlns:p="http://schemas.openxmlformats.org/presentationml/2006/main">
+  <p:cSld>
+    <p:spTree>
+      <p:nvGrpSpPr>
+        <p:cNvPr id="1" name=""/>
+        <p:cNvGrpSpPr/>
+        <p:nvPr/>
+      </p:nvGrpSpPr>
+      <p:grpSpPr>
+        <a:xfrm>
+          <a:off x="0" y="0"/>
+          <a:ext cx="0" cy="0"/>
+          <a:chOff x="0" y="0"/>
+          <a:chExt cx="0" cy="0"/>
+        </a:xfrm>
+      </p:grpSpPr>
+      <p:sp>
+        <p:nvSpPr>
+          <p:cNvPr id="2" name="Заголовок 1"/>
+          <p:cNvSpPr>
+            <a:spLocks noGrp="1"/>
+          </p:cNvSpPr>
+          <p:nvPr>
+            <p:ph type="title"/>
+          </p:nvPr>
+        </p:nvSpPr>
+        <p:spPr>
+          <a:xfrm>
+            <a:off x="3477017" y="2844007"/>
+            <a:ext cx="4702972" cy="1325563"/>
+          </a:xfrm>
+        </p:spPr>
+        <p:txBody>
+          <a:bodyPr>
+            <a:normAutofit fontScale="90000"/>
+          </a:bodyPr>
+          <a:lstStyle/>
+          <a:p>
+            <a:r>
+              <a:rPr lang="ru-RU" sz="7800" dirty="0" smtClean="0">
+                <a:solidFill>
+                  <a:srgbClr val="FF5564"/>
+                </a:solidFill>
+              </a:rPr>
+              <a:t>Технологии</a:t>
             </a:r>
             <a:endParaRPr lang="ru-RU" sz="7800" dirty="0">
               <a:solidFill>
@@ -3458,10 +4256,356 @@
           </a:p>
         </p:txBody>
       </p:sp>
+      <p:pic>
+        <p:nvPicPr>
+          <p:cNvPr id="2050" name="Picture 2" descr="Agence Expert Python pour FinTech"/>
+          <p:cNvPicPr>
+            <a:picLocks noChangeAspect="1" noChangeArrowheads="1"/>
+          </p:cNvPicPr>
+          <p:nvPr/>
+        </p:nvPicPr>
+        <p:blipFill>
+          <a:blip r:embed="rId2">
+            <a:extLst>
+              <a:ext uri="{28A0092B-C50C-407E-A947-70E740481C1C}">
+                <a14:useLocalDpi xmlns:a14="http://schemas.microsoft.com/office/drawing/2010/main" val="0"/>
+              </a:ext>
+            </a:extLst>
+          </a:blip>
+          <a:srcRect/>
+          <a:stretch>
+            <a:fillRect/>
+          </a:stretch>
+        </p:blipFill>
+        <p:spPr bwMode="auto">
+          <a:xfrm>
+            <a:off x="9675811" y="3111702"/>
+            <a:ext cx="2383367" cy="1334686"/>
+          </a:xfrm>
+          <a:prstGeom prst="rect">
+            <a:avLst/>
+          </a:prstGeom>
+          <a:noFill/>
+          <a:extLst>
+            <a:ext uri="{909E8E84-426E-40DD-AFC4-6F175D3DCCD1}">
+              <a14:hiddenFill xmlns:a14="http://schemas.microsoft.com/office/drawing/2010/main">
+                <a:solidFill>
+                  <a:srgbClr val="FFFFFF"/>
+                </a:solidFill>
+              </a14:hiddenFill>
+            </a:ext>
+          </a:extLst>
+        </p:spPr>
+      </p:pic>
+      <p:pic>
+        <p:nvPicPr>
+          <p:cNvPr id="2052" name="Picture 4" descr="SQLAlchemy · GitHub"/>
+          <p:cNvPicPr>
+            <a:picLocks noChangeAspect="1" noChangeArrowheads="1"/>
+          </p:cNvPicPr>
+          <p:nvPr/>
+        </p:nvPicPr>
+        <p:blipFill rotWithShape="1">
+          <a:blip r:embed="rId3">
+            <a:extLst>
+              <a:ext uri="{28A0092B-C50C-407E-A947-70E740481C1C}">
+                <a14:useLocalDpi xmlns:a14="http://schemas.microsoft.com/office/drawing/2010/main" val="0"/>
+              </a:ext>
+            </a:extLst>
+          </a:blip>
+          <a:srcRect t="30794" b="29207"/>
+          <a:stretch/>
+        </p:blipFill>
+        <p:spPr bwMode="auto">
+          <a:xfrm>
+            <a:off x="4720430" y="5971540"/>
+            <a:ext cx="2216150" cy="886460"/>
+          </a:xfrm>
+          <a:prstGeom prst="rect">
+            <a:avLst/>
+          </a:prstGeom>
+          <a:noFill/>
+          <a:extLst>
+            <a:ext uri="{909E8E84-426E-40DD-AFC4-6F175D3DCCD1}">
+              <a14:hiddenFill xmlns:a14="http://schemas.microsoft.com/office/drawing/2010/main">
+                <a:solidFill>
+                  <a:srgbClr val="FFFFFF"/>
+                </a:solidFill>
+              </a14:hiddenFill>
+            </a:ext>
+          </a:extLst>
+        </p:spPr>
+      </p:pic>
+      <p:pic>
+        <p:nvPicPr>
+          <p:cNvPr id="2056" name="Picture 8" descr="python-telegram-bot · GitHub"/>
+          <p:cNvPicPr>
+            <a:picLocks noChangeAspect="1" noChangeArrowheads="1"/>
+          </p:cNvPicPr>
+          <p:nvPr/>
+        </p:nvPicPr>
+        <p:blipFill>
+          <a:blip r:embed="rId4">
+            <a:extLst>
+              <a:ext uri="{28A0092B-C50C-407E-A947-70E740481C1C}">
+                <a14:useLocalDpi xmlns:a14="http://schemas.microsoft.com/office/drawing/2010/main" val="0"/>
+              </a:ext>
+            </a:extLst>
+          </a:blip>
+          <a:srcRect/>
+          <a:stretch>
+            <a:fillRect/>
+          </a:stretch>
+        </p:blipFill>
+        <p:spPr bwMode="auto">
+          <a:xfrm>
+            <a:off x="5123126" y="0"/>
+            <a:ext cx="1410758" cy="1410758"/>
+          </a:xfrm>
+          <a:prstGeom prst="rect">
+            <a:avLst/>
+          </a:prstGeom>
+          <a:noFill/>
+          <a:extLst>
+            <a:ext uri="{909E8E84-426E-40DD-AFC4-6F175D3DCCD1}">
+              <a14:hiddenFill xmlns:a14="http://schemas.microsoft.com/office/drawing/2010/main">
+                <a:solidFill>
+                  <a:srgbClr val="FFFFFF"/>
+                </a:solidFill>
+              </a14:hiddenFill>
+            </a:ext>
+          </a:extLst>
+        </p:spPr>
+      </p:pic>
+      <p:pic>
+        <p:nvPicPr>
+          <p:cNvPr id="2060" name="Picture 12" descr="SQLAlchemy ORM Tutorial for Python Developers"/>
+          <p:cNvPicPr>
+            <a:picLocks noChangeAspect="1" noChangeArrowheads="1"/>
+          </p:cNvPicPr>
+          <p:nvPr/>
+        </p:nvPicPr>
+        <p:blipFill>
+          <a:blip r:embed="rId5">
+            <a:extLst>
+              <a:ext uri="{28A0092B-C50C-407E-A947-70E740481C1C}">
+                <a14:useLocalDpi xmlns:a14="http://schemas.microsoft.com/office/drawing/2010/main" val="0"/>
+              </a:ext>
+            </a:extLst>
+          </a:blip>
+          <a:srcRect/>
+          <a:stretch>
+            <a:fillRect/>
+          </a:stretch>
+        </p:blipFill>
+        <p:spPr bwMode="auto">
+          <a:xfrm>
+            <a:off x="8599" y="3099066"/>
+            <a:ext cx="1359958" cy="1359958"/>
+          </a:xfrm>
+          <a:prstGeom prst="rect">
+            <a:avLst/>
+          </a:prstGeom>
+          <a:noFill/>
+          <a:extLst>
+            <a:ext uri="{909E8E84-426E-40DD-AFC4-6F175D3DCCD1}">
+              <a14:hiddenFill xmlns:a14="http://schemas.microsoft.com/office/drawing/2010/main">
+                <a:solidFill>
+                  <a:srgbClr val="FFFFFF"/>
+                </a:solidFill>
+              </a14:hiddenFill>
+            </a:ext>
+          </a:extLst>
+        </p:spPr>
+      </p:pic>
+      <p:sp>
+        <p:nvSpPr>
+          <p:cNvPr id="4" name="TextBox 3"/>
+          <p:cNvSpPr txBox="1"/>
+          <p:nvPr/>
+        </p:nvSpPr>
+        <p:spPr>
+          <a:xfrm>
+            <a:off x="8599" y="4643690"/>
+            <a:ext cx="1359958" cy="461665"/>
+          </a:xfrm>
+          <a:prstGeom prst="rect">
+            <a:avLst/>
+          </a:prstGeom>
+          <a:noFill/>
+        </p:spPr>
+        <p:txBody>
+          <a:bodyPr wrap="square" rtlCol="0">
+            <a:spAutoFit/>
+          </a:bodyPr>
+          <a:lstStyle/>
+          <a:p>
+            <a:pPr algn="ctr"/>
+            <a:r>
+              <a:rPr lang="en-US" sz="2400" dirty="0" smtClean="0">
+                <a:latin typeface="Verdana" panose="020B0604030504040204" pitchFamily="34" charset="0"/>
+                <a:ea typeface="Verdana" panose="020B0604030504040204" pitchFamily="34" charset="0"/>
+                <a:cs typeface="Verdana" panose="020B0604030504040204" pitchFamily="34" charset="0"/>
+              </a:rPr>
+              <a:t>Python</a:t>
+            </a:r>
+            <a:endParaRPr lang="ru-RU" sz="2400" dirty="0">
+              <a:latin typeface="Verdana" panose="020B0604030504040204" pitchFamily="34" charset="0"/>
+              <a:ea typeface="Verdana" panose="020B0604030504040204" pitchFamily="34" charset="0"/>
+              <a:cs typeface="Verdana" panose="020B0604030504040204" pitchFamily="34" charset="0"/>
+            </a:endParaRPr>
+          </a:p>
+        </p:txBody>
+      </p:sp>
+      <p:sp>
+        <p:nvSpPr>
+          <p:cNvPr id="5" name="TextBox 4"/>
+          <p:cNvSpPr txBox="1"/>
+          <p:nvPr/>
+        </p:nvSpPr>
+        <p:spPr>
+          <a:xfrm>
+            <a:off x="9160933" y="4646046"/>
+            <a:ext cx="2760134" cy="830997"/>
+          </a:xfrm>
+          <a:prstGeom prst="rect">
+            <a:avLst/>
+          </a:prstGeom>
+          <a:noFill/>
+        </p:spPr>
+        <p:txBody>
+          <a:bodyPr wrap="square" rtlCol="0">
+            <a:spAutoFit/>
+          </a:bodyPr>
+          <a:lstStyle/>
+          <a:p>
+            <a:pPr algn="ctr"/>
+            <a:r>
+              <a:rPr lang="en-US" sz="2400" dirty="0">
+                <a:latin typeface="Verdana" panose="020B0604030504040204" pitchFamily="34" charset="0"/>
+                <a:ea typeface="Verdana" panose="020B0604030504040204" pitchFamily="34" charset="0"/>
+                <a:cs typeface="Verdana" panose="020B0604030504040204" pitchFamily="34" charset="0"/>
+              </a:rPr>
+              <a:t>Flask </a:t>
+            </a:r>
+            <a:endParaRPr lang="en-US" sz="2400" dirty="0" smtClean="0">
+              <a:latin typeface="Verdana" panose="020B0604030504040204" pitchFamily="34" charset="0"/>
+              <a:ea typeface="Verdana" panose="020B0604030504040204" pitchFamily="34" charset="0"/>
+              <a:cs typeface="Verdana" panose="020B0604030504040204" pitchFamily="34" charset="0"/>
+            </a:endParaRPr>
+          </a:p>
+          <a:p>
+            <a:pPr algn="ctr"/>
+            <a:r>
+              <a:rPr lang="ru-RU" sz="2400" dirty="0" smtClean="0">
+                <a:latin typeface="Verdana" panose="020B0604030504040204" pitchFamily="34" charset="0"/>
+                <a:ea typeface="Verdana" panose="020B0604030504040204" pitchFamily="34" charset="0"/>
+                <a:cs typeface="Verdana" panose="020B0604030504040204" pitchFamily="34" charset="0"/>
+              </a:rPr>
+              <a:t>и компания</a:t>
+            </a:r>
+            <a:endParaRPr lang="ru-RU" sz="2400" dirty="0">
+              <a:latin typeface="Verdana" panose="020B0604030504040204" pitchFamily="34" charset="0"/>
+              <a:ea typeface="Verdana" panose="020B0604030504040204" pitchFamily="34" charset="0"/>
+              <a:cs typeface="Verdana" panose="020B0604030504040204" pitchFamily="34" charset="0"/>
+            </a:endParaRPr>
+          </a:p>
+        </p:txBody>
+      </p:sp>
+      <p:sp>
+        <p:nvSpPr>
+          <p:cNvPr id="6" name="TextBox 5"/>
+          <p:cNvSpPr txBox="1"/>
+          <p:nvPr/>
+        </p:nvSpPr>
+        <p:spPr>
+          <a:xfrm>
+            <a:off x="4274076" y="5409129"/>
+            <a:ext cx="3108856" cy="461665"/>
+          </a:xfrm>
+          <a:prstGeom prst="rect">
+            <a:avLst/>
+          </a:prstGeom>
+          <a:noFill/>
+        </p:spPr>
+        <p:txBody>
+          <a:bodyPr wrap="square" rtlCol="0">
+            <a:spAutoFit/>
+          </a:bodyPr>
+          <a:lstStyle/>
+          <a:p>
+            <a:pPr algn="ctr"/>
+            <a:r>
+              <a:rPr lang="en-US" sz="2400" dirty="0" err="1" smtClean="0">
+                <a:latin typeface="Verdana" panose="020B0604030504040204" pitchFamily="34" charset="0"/>
+                <a:ea typeface="Verdana" panose="020B0604030504040204" pitchFamily="34" charset="0"/>
+                <a:cs typeface="Verdana" panose="020B0604030504040204" pitchFamily="34" charset="0"/>
+              </a:rPr>
+              <a:t>SQLAlchemy</a:t>
+            </a:r>
+            <a:r>
+              <a:rPr lang="en-US" sz="2400" dirty="0" smtClean="0">
+                <a:latin typeface="Verdana" panose="020B0604030504040204" pitchFamily="34" charset="0"/>
+                <a:ea typeface="Verdana" panose="020B0604030504040204" pitchFamily="34" charset="0"/>
+                <a:cs typeface="Verdana" panose="020B0604030504040204" pitchFamily="34" charset="0"/>
+              </a:rPr>
+              <a:t> </a:t>
+            </a:r>
+            <a:endParaRPr lang="ru-RU" sz="2400" dirty="0"/>
+          </a:p>
+        </p:txBody>
+      </p:sp>
+      <p:sp>
+        <p:nvSpPr>
+          <p:cNvPr id="7" name="TextBox 6"/>
+          <p:cNvSpPr txBox="1"/>
+          <p:nvPr/>
+        </p:nvSpPr>
+        <p:spPr>
+          <a:xfrm>
+            <a:off x="4107785" y="1410758"/>
+            <a:ext cx="3441437" cy="461665"/>
+          </a:xfrm>
+          <a:prstGeom prst="rect">
+            <a:avLst/>
+          </a:prstGeom>
+          <a:noFill/>
+        </p:spPr>
+        <p:txBody>
+          <a:bodyPr wrap="square" rtlCol="0">
+            <a:spAutoFit/>
+          </a:bodyPr>
+          <a:lstStyle/>
+          <a:p>
+            <a:pPr algn="ctr"/>
+            <a:r>
+              <a:rPr lang="en-US" sz="2400" dirty="0">
+                <a:latin typeface="Verdana" panose="020B0604030504040204" pitchFamily="34" charset="0"/>
+                <a:ea typeface="Verdana" panose="020B0604030504040204" pitchFamily="34" charset="0"/>
+                <a:cs typeface="Verdana" panose="020B0604030504040204" pitchFamily="34" charset="0"/>
+              </a:rPr>
+              <a:t>Python Telegram </a:t>
+            </a:r>
+            <a:r>
+              <a:rPr lang="en-US" sz="2400" dirty="0" smtClean="0">
+                <a:latin typeface="Verdana" panose="020B0604030504040204" pitchFamily="34" charset="0"/>
+                <a:ea typeface="Verdana" panose="020B0604030504040204" pitchFamily="34" charset="0"/>
+                <a:cs typeface="Verdana" panose="020B0604030504040204" pitchFamily="34" charset="0"/>
+              </a:rPr>
+              <a:t>Bot</a:t>
+            </a:r>
+            <a:endParaRPr lang="ru-RU" sz="2400" dirty="0">
+              <a:latin typeface="Verdana" panose="020B0604030504040204" pitchFamily="34" charset="0"/>
+              <a:ea typeface="Verdana" panose="020B0604030504040204" pitchFamily="34" charset="0"/>
+              <a:cs typeface="Verdana" panose="020B0604030504040204" pitchFamily="34" charset="0"/>
+            </a:endParaRPr>
+          </a:p>
+        </p:txBody>
+      </p:sp>
     </p:spTree>
     <p:extLst>
       <p:ext uri="{BB962C8B-B14F-4D97-AF65-F5344CB8AC3E}">
-        <p14:creationId xmlns:p14="http://schemas.microsoft.com/office/powerpoint/2010/main" val="187013955"/>
+        <p14:creationId xmlns:p14="http://schemas.microsoft.com/office/powerpoint/2010/main" val="1921645391"/>
       </p:ext>
     </p:extLst>
   </p:cSld>
@@ -3557,6 +4701,912 @@
 </p:sld>
 </file>
 
+<file path=ppt/slides/slide20.xml><?xml version="1.0" encoding="utf-8"?>
+<p:sld xmlns:a="http://schemas.openxmlformats.org/drawingml/2006/main" xmlns:r="http://schemas.openxmlformats.org/officeDocument/2006/relationships" xmlns:p="http://schemas.openxmlformats.org/presentationml/2006/main">
+  <p:cSld>
+    <p:spTree>
+      <p:nvGrpSpPr>
+        <p:cNvPr id="1" name=""/>
+        <p:cNvGrpSpPr/>
+        <p:nvPr/>
+      </p:nvGrpSpPr>
+      <p:grpSpPr>
+        <a:xfrm>
+          <a:off x="0" y="0"/>
+          <a:ext cx="0" cy="0"/>
+          <a:chOff x="0" y="0"/>
+          <a:chExt cx="0" cy="0"/>
+        </a:xfrm>
+      </p:grpSpPr>
+      <p:sp>
+        <p:nvSpPr>
+          <p:cNvPr id="2" name="Заголовок 1"/>
+          <p:cNvSpPr>
+            <a:spLocks noGrp="1"/>
+          </p:cNvSpPr>
+          <p:nvPr>
+            <p:ph type="title"/>
+          </p:nvPr>
+        </p:nvSpPr>
+        <p:spPr>
+          <a:xfrm>
+            <a:off x="0" y="0"/>
+            <a:ext cx="12191999" cy="6858000"/>
+          </a:xfrm>
+        </p:spPr>
+        <p:txBody>
+          <a:bodyPr>
+            <a:normAutofit/>
+          </a:bodyPr>
+          <a:lstStyle/>
+          <a:p>
+            <a:pPr algn="ctr"/>
+            <a:r>
+              <a:rPr lang="ru-RU" sz="7800" dirty="0" smtClean="0">
+                <a:solidFill>
+                  <a:srgbClr val="FF5564"/>
+                </a:solidFill>
+              </a:rPr>
+              <a:t>Хостинг?</a:t>
+            </a:r>
+            <a:endParaRPr lang="ru-RU" sz="7800" dirty="0">
+              <a:solidFill>
+                <a:srgbClr val="FF5564"/>
+              </a:solidFill>
+            </a:endParaRPr>
+          </a:p>
+        </p:txBody>
+      </p:sp>
+      <p:pic>
+        <p:nvPicPr>
+          <p:cNvPr id="9" name="Рисунок 8"/>
+          <p:cNvPicPr>
+            <a:picLocks noChangeAspect="1"/>
+          </p:cNvPicPr>
+          <p:nvPr/>
+        </p:nvPicPr>
+        <p:blipFill>
+          <a:blip r:embed="rId2"/>
+          <a:stretch>
+            <a:fillRect/>
+          </a:stretch>
+        </p:blipFill>
+        <p:spPr>
+          <a:xfrm>
+            <a:off x="4910136" y="5030336"/>
+            <a:ext cx="2371725" cy="438150"/>
+          </a:xfrm>
+          <a:prstGeom prst="rect">
+            <a:avLst/>
+          </a:prstGeom>
+        </p:spPr>
+      </p:pic>
+    </p:spTree>
+    <p:extLst>
+      <p:ext uri="{BB962C8B-B14F-4D97-AF65-F5344CB8AC3E}">
+        <p14:creationId xmlns:p14="http://schemas.microsoft.com/office/powerpoint/2010/main" val="1219223992"/>
+      </p:ext>
+    </p:extLst>
+  </p:cSld>
+  <p:clrMapOvr>
+    <a:masterClrMapping/>
+  </p:clrMapOvr>
+  <p:timing>
+    <p:tnLst>
+      <p:par>
+        <p:cTn id="1" dur="indefinite" restart="never" nodeType="tmRoot"/>
+      </p:par>
+    </p:tnLst>
+  </p:timing>
+</p:sld>
+</file>
+
+<file path=ppt/slides/slide21.xml><?xml version="1.0" encoding="utf-8"?>
+<p:sld xmlns:a="http://schemas.openxmlformats.org/drawingml/2006/main" xmlns:r="http://schemas.openxmlformats.org/officeDocument/2006/relationships" xmlns:p="http://schemas.openxmlformats.org/presentationml/2006/main">
+  <p:cSld>
+    <p:bg>
+      <p:bgPr>
+        <a:solidFill>
+          <a:schemeClr val="tx1"/>
+        </a:solidFill>
+        <a:effectLst/>
+      </p:bgPr>
+    </p:bg>
+    <p:spTree>
+      <p:nvGrpSpPr>
+        <p:cNvPr id="1" name=""/>
+        <p:cNvGrpSpPr/>
+        <p:nvPr/>
+      </p:nvGrpSpPr>
+      <p:grpSpPr>
+        <a:xfrm>
+          <a:off x="0" y="0"/>
+          <a:ext cx="0" cy="0"/>
+          <a:chOff x="0" y="0"/>
+          <a:chExt cx="0" cy="0"/>
+        </a:xfrm>
+      </p:grpSpPr>
+      <p:sp>
+        <p:nvSpPr>
+          <p:cNvPr id="2" name="Заголовок 1"/>
+          <p:cNvSpPr>
+            <a:spLocks noGrp="1"/>
+          </p:cNvSpPr>
+          <p:nvPr>
+            <p:ph type="title"/>
+          </p:nvPr>
+        </p:nvSpPr>
+        <p:spPr>
+          <a:xfrm>
+            <a:off x="0" y="1"/>
+            <a:ext cx="12192000" cy="6858000"/>
+          </a:xfrm>
+        </p:spPr>
+        <p:txBody>
+          <a:bodyPr/>
+          <a:lstStyle/>
+          <a:p>
+            <a:pPr algn="ctr"/>
+            <a:r>
+              <a:rPr lang="ru-RU" sz="7800" dirty="0" smtClean="0">
+                <a:solidFill>
+                  <a:schemeClr val="bg1"/>
+                </a:solidFill>
+              </a:rPr>
+              <a:t>Выводы</a:t>
+            </a:r>
+            <a:endParaRPr lang="ru-RU" sz="7800" dirty="0">
+              <a:solidFill>
+                <a:schemeClr val="bg1"/>
+              </a:solidFill>
+            </a:endParaRPr>
+          </a:p>
+        </p:txBody>
+      </p:sp>
+    </p:spTree>
+    <p:extLst>
+      <p:ext uri="{BB962C8B-B14F-4D97-AF65-F5344CB8AC3E}">
+        <p14:creationId xmlns:p14="http://schemas.microsoft.com/office/powerpoint/2010/main" val="2482471522"/>
+      </p:ext>
+    </p:extLst>
+  </p:cSld>
+  <p:clrMapOvr>
+    <a:masterClrMapping/>
+  </p:clrMapOvr>
+  <p:timing>
+    <p:tnLst>
+      <p:par>
+        <p:cTn id="1" dur="indefinite" restart="never" nodeType="tmRoot"/>
+      </p:par>
+    </p:tnLst>
+  </p:timing>
+</p:sld>
+</file>
+
+<file path=ppt/slides/slide22.xml><?xml version="1.0" encoding="utf-8"?>
+<p:sld xmlns:a="http://schemas.openxmlformats.org/drawingml/2006/main" xmlns:r="http://schemas.openxmlformats.org/officeDocument/2006/relationships" xmlns:p="http://schemas.openxmlformats.org/presentationml/2006/main">
+  <p:cSld>
+    <p:spTree>
+      <p:nvGrpSpPr>
+        <p:cNvPr id="1" name=""/>
+        <p:cNvGrpSpPr/>
+        <p:nvPr/>
+      </p:nvGrpSpPr>
+      <p:grpSpPr>
+        <a:xfrm>
+          <a:off x="0" y="0"/>
+          <a:ext cx="0" cy="0"/>
+          <a:chOff x="0" y="0"/>
+          <a:chExt cx="0" cy="0"/>
+        </a:xfrm>
+      </p:grpSpPr>
+      <p:sp>
+        <p:nvSpPr>
+          <p:cNvPr id="2" name="Заголовок 1"/>
+          <p:cNvSpPr>
+            <a:spLocks noGrp="1"/>
+          </p:cNvSpPr>
+          <p:nvPr>
+            <p:ph type="title"/>
+          </p:nvPr>
+        </p:nvSpPr>
+        <p:spPr>
+          <a:xfrm>
+            <a:off x="0" y="1"/>
+            <a:ext cx="12192000" cy="6858000"/>
+          </a:xfrm>
+        </p:spPr>
+        <p:txBody>
+          <a:bodyPr/>
+          <a:lstStyle/>
+          <a:p>
+            <a:pPr algn="ctr"/>
+            <a:r>
+              <a:rPr lang="ru-RU" sz="7800" dirty="0" smtClean="0">
+                <a:solidFill>
+                  <a:srgbClr val="FF5564"/>
+                </a:solidFill>
+              </a:rPr>
+              <a:t>Идея работает.</a:t>
+            </a:r>
+            <a:endParaRPr lang="ru-RU" sz="7800" dirty="0">
+              <a:solidFill>
+                <a:srgbClr val="FF5564"/>
+              </a:solidFill>
+            </a:endParaRPr>
+          </a:p>
+        </p:txBody>
+      </p:sp>
+    </p:spTree>
+    <p:extLst>
+      <p:ext uri="{BB962C8B-B14F-4D97-AF65-F5344CB8AC3E}">
+        <p14:creationId xmlns:p14="http://schemas.microsoft.com/office/powerpoint/2010/main" val="1375063220"/>
+      </p:ext>
+    </p:extLst>
+  </p:cSld>
+  <p:clrMapOvr>
+    <a:masterClrMapping/>
+  </p:clrMapOvr>
+  <p:timing>
+    <p:tnLst>
+      <p:par>
+        <p:cTn id="1" dur="indefinite" restart="never" nodeType="tmRoot"/>
+      </p:par>
+    </p:tnLst>
+  </p:timing>
+</p:sld>
+</file>
+
+<file path=ppt/slides/slide23.xml><?xml version="1.0" encoding="utf-8"?>
+<p:sld xmlns:a="http://schemas.openxmlformats.org/drawingml/2006/main" xmlns:r="http://schemas.openxmlformats.org/officeDocument/2006/relationships" xmlns:p="http://schemas.openxmlformats.org/presentationml/2006/main">
+  <p:cSld>
+    <p:spTree>
+      <p:nvGrpSpPr>
+        <p:cNvPr id="1" name=""/>
+        <p:cNvGrpSpPr/>
+        <p:nvPr/>
+      </p:nvGrpSpPr>
+      <p:grpSpPr>
+        <a:xfrm>
+          <a:off x="0" y="0"/>
+          <a:ext cx="0" cy="0"/>
+          <a:chOff x="0" y="0"/>
+          <a:chExt cx="0" cy="0"/>
+        </a:xfrm>
+      </p:grpSpPr>
+      <p:sp>
+        <p:nvSpPr>
+          <p:cNvPr id="2" name="Заголовок 1"/>
+          <p:cNvSpPr>
+            <a:spLocks noGrp="1"/>
+          </p:cNvSpPr>
+          <p:nvPr>
+            <p:ph type="title"/>
+          </p:nvPr>
+        </p:nvSpPr>
+        <p:spPr>
+          <a:xfrm>
+            <a:off x="0" y="1"/>
+            <a:ext cx="12192000" cy="6858000"/>
+          </a:xfrm>
+        </p:spPr>
+        <p:txBody>
+          <a:bodyPr/>
+          <a:lstStyle/>
+          <a:p>
+            <a:pPr algn="ctr"/>
+            <a:r>
+              <a:rPr lang="ru-RU" sz="7800" dirty="0" smtClean="0">
+                <a:solidFill>
+                  <a:srgbClr val="FF5564"/>
+                </a:solidFill>
+              </a:rPr>
+              <a:t>Получилось классно.</a:t>
+            </a:r>
+            <a:endParaRPr lang="ru-RU" sz="7800" dirty="0">
+              <a:solidFill>
+                <a:srgbClr val="FF5564"/>
+              </a:solidFill>
+            </a:endParaRPr>
+          </a:p>
+        </p:txBody>
+      </p:sp>
+    </p:spTree>
+    <p:extLst>
+      <p:ext uri="{BB962C8B-B14F-4D97-AF65-F5344CB8AC3E}">
+        <p14:creationId xmlns:p14="http://schemas.microsoft.com/office/powerpoint/2010/main" val="259105848"/>
+      </p:ext>
+    </p:extLst>
+  </p:cSld>
+  <p:clrMapOvr>
+    <a:masterClrMapping/>
+  </p:clrMapOvr>
+  <p:timing>
+    <p:tnLst>
+      <p:par>
+        <p:cTn id="1" dur="indefinite" restart="never" nodeType="tmRoot"/>
+      </p:par>
+    </p:tnLst>
+  </p:timing>
+</p:sld>
+</file>
+
+<file path=ppt/slides/slide24.xml><?xml version="1.0" encoding="utf-8"?>
+<p:sld xmlns:a="http://schemas.openxmlformats.org/drawingml/2006/main" xmlns:r="http://schemas.openxmlformats.org/officeDocument/2006/relationships" xmlns:p="http://schemas.openxmlformats.org/presentationml/2006/main">
+  <p:cSld>
+    <p:bg>
+      <p:bgPr>
+        <a:solidFill>
+          <a:schemeClr val="tx1"/>
+        </a:solidFill>
+        <a:effectLst/>
+      </p:bgPr>
+    </p:bg>
+    <p:spTree>
+      <p:nvGrpSpPr>
+        <p:cNvPr id="1" name=""/>
+        <p:cNvGrpSpPr/>
+        <p:nvPr/>
+      </p:nvGrpSpPr>
+      <p:grpSpPr>
+        <a:xfrm>
+          <a:off x="0" y="0"/>
+          <a:ext cx="0" cy="0"/>
+          <a:chOff x="0" y="0"/>
+          <a:chExt cx="0" cy="0"/>
+        </a:xfrm>
+      </p:grpSpPr>
+      <p:sp>
+        <p:nvSpPr>
+          <p:cNvPr id="2" name="Заголовок 1"/>
+          <p:cNvSpPr>
+            <a:spLocks noGrp="1"/>
+          </p:cNvSpPr>
+          <p:nvPr>
+            <p:ph type="title"/>
+          </p:nvPr>
+        </p:nvSpPr>
+        <p:spPr>
+          <a:xfrm>
+            <a:off x="0" y="1"/>
+            <a:ext cx="12192000" cy="6858000"/>
+          </a:xfrm>
+        </p:spPr>
+        <p:txBody>
+          <a:bodyPr/>
+          <a:lstStyle/>
+          <a:p>
+            <a:pPr algn="ctr"/>
+            <a:r>
+              <a:rPr lang="ru-RU" sz="7800" dirty="0" smtClean="0">
+                <a:solidFill>
+                  <a:schemeClr val="bg1"/>
+                </a:solidFill>
+              </a:rPr>
+              <a:t>Что дальше?</a:t>
+            </a:r>
+            <a:endParaRPr lang="ru-RU" sz="7800" dirty="0">
+              <a:solidFill>
+                <a:schemeClr val="bg1"/>
+              </a:solidFill>
+            </a:endParaRPr>
+          </a:p>
+        </p:txBody>
+      </p:sp>
+    </p:spTree>
+    <p:extLst>
+      <p:ext uri="{BB962C8B-B14F-4D97-AF65-F5344CB8AC3E}">
+        <p14:creationId xmlns:p14="http://schemas.microsoft.com/office/powerpoint/2010/main" val="300075174"/>
+      </p:ext>
+    </p:extLst>
+  </p:cSld>
+  <p:clrMapOvr>
+    <a:masterClrMapping/>
+  </p:clrMapOvr>
+  <p:timing>
+    <p:tnLst>
+      <p:par>
+        <p:cTn id="1" dur="indefinite" restart="never" nodeType="tmRoot"/>
+      </p:par>
+    </p:tnLst>
+  </p:timing>
+</p:sld>
+</file>
+
+<file path=ppt/slides/slide25.xml><?xml version="1.0" encoding="utf-8"?>
+<p:sld xmlns:a="http://schemas.openxmlformats.org/drawingml/2006/main" xmlns:r="http://schemas.openxmlformats.org/officeDocument/2006/relationships" xmlns:p="http://schemas.openxmlformats.org/presentationml/2006/main">
+  <p:cSld>
+    <p:spTree>
+      <p:nvGrpSpPr>
+        <p:cNvPr id="1" name=""/>
+        <p:cNvGrpSpPr/>
+        <p:nvPr/>
+      </p:nvGrpSpPr>
+      <p:grpSpPr>
+        <a:xfrm>
+          <a:off x="0" y="0"/>
+          <a:ext cx="0" cy="0"/>
+          <a:chOff x="0" y="0"/>
+          <a:chExt cx="0" cy="0"/>
+        </a:xfrm>
+      </p:grpSpPr>
+      <p:sp>
+        <p:nvSpPr>
+          <p:cNvPr id="2" name="Заголовок 1"/>
+          <p:cNvSpPr>
+            <a:spLocks noGrp="1"/>
+          </p:cNvSpPr>
+          <p:nvPr>
+            <p:ph type="title"/>
+          </p:nvPr>
+        </p:nvSpPr>
+        <p:spPr>
+          <a:xfrm>
+            <a:off x="838200" y="365125"/>
+            <a:ext cx="10515600" cy="2096064"/>
+          </a:xfrm>
+        </p:spPr>
+        <p:txBody>
+          <a:bodyPr>
+            <a:normAutofit fontScale="90000"/>
+          </a:bodyPr>
+          <a:lstStyle/>
+          <a:p>
+            <a:pPr algn="ctr"/>
+            <a:r>
+              <a:rPr lang="ru-RU" sz="7800" dirty="0" smtClean="0"/>
+              <a:t>Развитие</a:t>
+            </a:r>
+            <a:r>
+              <a:rPr lang="ru-RU" sz="7800" dirty="0" smtClean="0"/>
+              <a:t> режима </a:t>
+            </a:r>
+            <a:r>
+              <a:rPr lang="ru-RU" sz="7800" dirty="0" smtClean="0">
+                <a:solidFill>
+                  <a:srgbClr val="FF5564"/>
+                </a:solidFill>
+              </a:rPr>
+              <a:t/>
+            </a:r>
+            <a:br>
+              <a:rPr lang="ru-RU" sz="7800" dirty="0" smtClean="0">
+                <a:solidFill>
+                  <a:srgbClr val="FF5564"/>
+                </a:solidFill>
+              </a:rPr>
+            </a:br>
+            <a:r>
+              <a:rPr lang="ru-RU" sz="7800" dirty="0" smtClean="0">
+                <a:solidFill>
+                  <a:srgbClr val="FF5564"/>
+                </a:solidFill>
+              </a:rPr>
+              <a:t>тренировки</a:t>
+            </a:r>
+            <a:endParaRPr lang="ru-RU" sz="7800" dirty="0">
+              <a:solidFill>
+                <a:srgbClr val="FF5564"/>
+              </a:solidFill>
+            </a:endParaRPr>
+          </a:p>
+        </p:txBody>
+      </p:sp>
+      <p:sp>
+        <p:nvSpPr>
+          <p:cNvPr id="5" name="Объект 4"/>
+          <p:cNvSpPr>
+            <a:spLocks noGrp="1"/>
+          </p:cNvSpPr>
+          <p:nvPr>
+            <p:ph idx="1"/>
+          </p:nvPr>
+        </p:nvSpPr>
+        <p:spPr>
+          <a:xfrm>
+            <a:off x="838200" y="2709017"/>
+            <a:ext cx="10515600" cy="3467946"/>
+          </a:xfrm>
+        </p:spPr>
+        <p:txBody>
+          <a:bodyPr/>
+          <a:lstStyle/>
+          <a:p>
+            <a:pPr marL="0" indent="0">
+              <a:buNone/>
+            </a:pPr>
+            <a:r>
+              <a:rPr lang="ru-RU" sz="5600" dirty="0" smtClean="0"/>
+              <a:t>Например:</a:t>
+            </a:r>
+          </a:p>
+          <a:p>
+            <a:pPr marL="0" indent="0">
+              <a:buNone/>
+            </a:pPr>
+            <a:endParaRPr lang="ru-RU" sz="4000" dirty="0" smtClean="0"/>
+          </a:p>
+          <a:p>
+            <a:r>
+              <a:rPr lang="ru-RU" sz="3500" b="1" dirty="0" smtClean="0"/>
+              <a:t>Сценарии и планы подготовки</a:t>
+            </a:r>
+          </a:p>
+          <a:p>
+            <a:pPr lvl="1">
+              <a:buFont typeface="Wingdings" panose="05000000000000000000" pitchFamily="2" charset="2"/>
+              <a:buChar char="Ø"/>
+            </a:pPr>
+            <a:r>
+              <a:rPr lang="ru-RU" sz="3100" dirty="0" smtClean="0"/>
+              <a:t>Даты </a:t>
+            </a:r>
+            <a:r>
+              <a:rPr lang="ru-RU" sz="2000" dirty="0" smtClean="0"/>
+              <a:t>(подготовиться до …)</a:t>
+            </a:r>
+          </a:p>
+          <a:p>
+            <a:pPr lvl="1">
+              <a:buFont typeface="Wingdings" panose="05000000000000000000" pitchFamily="2" charset="2"/>
+              <a:buChar char="Ø"/>
+            </a:pPr>
+            <a:r>
+              <a:rPr lang="ru-RU" sz="3100" dirty="0" smtClean="0"/>
+              <a:t>Напоминания</a:t>
+            </a:r>
+            <a:endParaRPr lang="ru-RU" sz="3100" dirty="0"/>
+          </a:p>
+        </p:txBody>
+      </p:sp>
+    </p:spTree>
+    <p:extLst>
+      <p:ext uri="{BB962C8B-B14F-4D97-AF65-F5344CB8AC3E}">
+        <p14:creationId xmlns:p14="http://schemas.microsoft.com/office/powerpoint/2010/main" val="2365455938"/>
+      </p:ext>
+    </p:extLst>
+  </p:cSld>
+  <p:clrMapOvr>
+    <a:masterClrMapping/>
+  </p:clrMapOvr>
+  <p:timing>
+    <p:tnLst>
+      <p:par>
+        <p:cTn id="1" dur="indefinite" restart="never" nodeType="tmRoot"/>
+      </p:par>
+    </p:tnLst>
+  </p:timing>
+</p:sld>
+</file>
+
+<file path=ppt/slides/slide26.xml><?xml version="1.0" encoding="utf-8"?>
+<p:sld xmlns:a="http://schemas.openxmlformats.org/drawingml/2006/main" xmlns:r="http://schemas.openxmlformats.org/officeDocument/2006/relationships" xmlns:p="http://schemas.openxmlformats.org/presentationml/2006/main">
+  <p:cSld>
+    <p:spTree>
+      <p:nvGrpSpPr>
+        <p:cNvPr id="1" name=""/>
+        <p:cNvGrpSpPr/>
+        <p:nvPr/>
+      </p:nvGrpSpPr>
+      <p:grpSpPr>
+        <a:xfrm>
+          <a:off x="0" y="0"/>
+          <a:ext cx="0" cy="0"/>
+          <a:chOff x="0" y="0"/>
+          <a:chExt cx="0" cy="0"/>
+        </a:xfrm>
+      </p:grpSpPr>
+      <p:sp>
+        <p:nvSpPr>
+          <p:cNvPr id="2" name="Заголовок 1"/>
+          <p:cNvSpPr>
+            <a:spLocks noGrp="1"/>
+          </p:cNvSpPr>
+          <p:nvPr>
+            <p:ph type="title"/>
+          </p:nvPr>
+        </p:nvSpPr>
+        <p:spPr>
+          <a:xfrm>
+            <a:off x="838200" y="365125"/>
+            <a:ext cx="10515600" cy="2096064"/>
+          </a:xfrm>
+        </p:spPr>
+        <p:txBody>
+          <a:bodyPr>
+            <a:normAutofit fontScale="90000"/>
+          </a:bodyPr>
+          <a:lstStyle/>
+          <a:p>
+            <a:pPr algn="ctr"/>
+            <a:r>
+              <a:rPr lang="ru-RU" sz="7800" dirty="0" smtClean="0"/>
+              <a:t>Развитие</a:t>
+            </a:r>
+            <a:r>
+              <a:rPr lang="ru-RU" sz="7800" dirty="0" smtClean="0"/>
+              <a:t> режима </a:t>
+            </a:r>
+            <a:r>
+              <a:rPr lang="ru-RU" sz="7800" dirty="0" smtClean="0">
+                <a:solidFill>
+                  <a:srgbClr val="FF5564"/>
+                </a:solidFill>
+              </a:rPr>
+              <a:t/>
+            </a:r>
+            <a:br>
+              <a:rPr lang="ru-RU" sz="7800" dirty="0" smtClean="0">
+                <a:solidFill>
+                  <a:srgbClr val="FF5564"/>
+                </a:solidFill>
+              </a:rPr>
+            </a:br>
+            <a:r>
+              <a:rPr lang="ru-RU" sz="7800" dirty="0" smtClean="0">
+                <a:solidFill>
+                  <a:srgbClr val="FF5564"/>
+                </a:solidFill>
+              </a:rPr>
+              <a:t>тренировки</a:t>
+            </a:r>
+            <a:endParaRPr lang="ru-RU" sz="7800" dirty="0">
+              <a:solidFill>
+                <a:srgbClr val="FF5564"/>
+              </a:solidFill>
+            </a:endParaRPr>
+          </a:p>
+        </p:txBody>
+      </p:sp>
+      <p:sp>
+        <p:nvSpPr>
+          <p:cNvPr id="5" name="Объект 4"/>
+          <p:cNvSpPr>
+            <a:spLocks noGrp="1"/>
+          </p:cNvSpPr>
+          <p:nvPr>
+            <p:ph idx="1"/>
+          </p:nvPr>
+        </p:nvSpPr>
+        <p:spPr>
+          <a:xfrm>
+            <a:off x="838200" y="2709017"/>
+            <a:ext cx="10515600" cy="3467946"/>
+          </a:xfrm>
+        </p:spPr>
+        <p:txBody>
+          <a:bodyPr/>
+          <a:lstStyle/>
+          <a:p>
+            <a:pPr marL="0" indent="0">
+              <a:buNone/>
+            </a:pPr>
+            <a:r>
+              <a:rPr lang="ru-RU" sz="5600" dirty="0" smtClean="0"/>
+              <a:t>Например:</a:t>
+            </a:r>
+          </a:p>
+          <a:p>
+            <a:pPr marL="0" indent="0">
+              <a:buNone/>
+            </a:pPr>
+            <a:endParaRPr lang="ru-RU" sz="4000" dirty="0" smtClean="0"/>
+          </a:p>
+          <a:p>
+            <a:r>
+              <a:rPr lang="ru-RU" sz="3500" b="1" dirty="0" smtClean="0"/>
+              <a:t>Подсказки</a:t>
+            </a:r>
+          </a:p>
+          <a:p>
+            <a:pPr lvl="1">
+              <a:buFont typeface="Wingdings" panose="05000000000000000000" pitchFamily="2" charset="2"/>
+              <a:buChar char="Ø"/>
+            </a:pPr>
+            <a:r>
+              <a:rPr lang="ru-RU" sz="3100" dirty="0" smtClean="0"/>
+              <a:t>Указать пользователю правильный ответ, но</a:t>
+            </a:r>
+          </a:p>
+          <a:p>
+            <a:pPr lvl="1">
+              <a:buFont typeface="Wingdings" panose="05000000000000000000" pitchFamily="2" charset="2"/>
+              <a:buChar char="Ø"/>
+            </a:pPr>
+            <a:r>
+              <a:rPr lang="ru-RU" sz="3100" dirty="0" smtClean="0"/>
+              <a:t>Штрафовать за использование </a:t>
+            </a:r>
+            <a:r>
+              <a:rPr lang="ru-RU" sz="1800" dirty="0" smtClean="0"/>
+              <a:t>(чаще выдавать ему этот вопрос)</a:t>
+            </a:r>
+          </a:p>
+        </p:txBody>
+      </p:sp>
+    </p:spTree>
+    <p:extLst>
+      <p:ext uri="{BB962C8B-B14F-4D97-AF65-F5344CB8AC3E}">
+        <p14:creationId xmlns:p14="http://schemas.microsoft.com/office/powerpoint/2010/main" val="3424633192"/>
+      </p:ext>
+    </p:extLst>
+  </p:cSld>
+  <p:clrMapOvr>
+    <a:masterClrMapping/>
+  </p:clrMapOvr>
+  <p:timing>
+    <p:tnLst>
+      <p:par>
+        <p:cTn id="1" dur="indefinite" restart="never" nodeType="tmRoot"/>
+      </p:par>
+    </p:tnLst>
+  </p:timing>
+</p:sld>
+</file>
+
+<file path=ppt/slides/slide27.xml><?xml version="1.0" encoding="utf-8"?>
+<p:sld xmlns:a="http://schemas.openxmlformats.org/drawingml/2006/main" xmlns:r="http://schemas.openxmlformats.org/officeDocument/2006/relationships" xmlns:p="http://schemas.openxmlformats.org/presentationml/2006/main">
+  <p:cSld>
+    <p:spTree>
+      <p:nvGrpSpPr>
+        <p:cNvPr id="1" name=""/>
+        <p:cNvGrpSpPr/>
+        <p:nvPr/>
+      </p:nvGrpSpPr>
+      <p:grpSpPr>
+        <a:xfrm>
+          <a:off x="0" y="0"/>
+          <a:ext cx="0" cy="0"/>
+          <a:chOff x="0" y="0"/>
+          <a:chExt cx="0" cy="0"/>
+        </a:xfrm>
+      </p:grpSpPr>
+      <p:sp>
+        <p:nvSpPr>
+          <p:cNvPr id="2" name="Заголовок 1"/>
+          <p:cNvSpPr>
+            <a:spLocks noGrp="1"/>
+          </p:cNvSpPr>
+          <p:nvPr>
+            <p:ph type="title"/>
+          </p:nvPr>
+        </p:nvSpPr>
+        <p:spPr>
+          <a:xfrm>
+            <a:off x="838200" y="365125"/>
+            <a:ext cx="10515600" cy="2096064"/>
+          </a:xfrm>
+        </p:spPr>
+        <p:txBody>
+          <a:bodyPr>
+            <a:normAutofit fontScale="90000"/>
+          </a:bodyPr>
+          <a:lstStyle/>
+          <a:p>
+            <a:pPr algn="ctr"/>
+            <a:r>
+              <a:rPr lang="ru-RU" sz="7800" dirty="0" smtClean="0"/>
+              <a:t>Развитие</a:t>
+            </a:r>
+            <a:r>
+              <a:rPr lang="ru-RU" sz="7800" dirty="0" smtClean="0"/>
+              <a:t> режима </a:t>
+            </a:r>
+            <a:r>
+              <a:rPr lang="ru-RU" sz="7800" dirty="0" smtClean="0">
+                <a:solidFill>
+                  <a:srgbClr val="FF5564"/>
+                </a:solidFill>
+              </a:rPr>
+              <a:t/>
+            </a:r>
+            <a:br>
+              <a:rPr lang="ru-RU" sz="7800" dirty="0" smtClean="0">
+                <a:solidFill>
+                  <a:srgbClr val="FF5564"/>
+                </a:solidFill>
+              </a:rPr>
+            </a:br>
+            <a:r>
+              <a:rPr lang="ru-RU" sz="7800" dirty="0" smtClean="0">
+                <a:solidFill>
+                  <a:srgbClr val="FF5564"/>
+                </a:solidFill>
+              </a:rPr>
+              <a:t>тренировки</a:t>
+            </a:r>
+            <a:endParaRPr lang="ru-RU" sz="7800" dirty="0">
+              <a:solidFill>
+                <a:srgbClr val="FF5564"/>
+              </a:solidFill>
+            </a:endParaRPr>
+          </a:p>
+        </p:txBody>
+      </p:sp>
+      <p:sp>
+        <p:nvSpPr>
+          <p:cNvPr id="5" name="Объект 4"/>
+          <p:cNvSpPr>
+            <a:spLocks noGrp="1"/>
+          </p:cNvSpPr>
+          <p:nvPr>
+            <p:ph idx="1"/>
+          </p:nvPr>
+        </p:nvSpPr>
+        <p:spPr>
+          <a:xfrm>
+            <a:off x="838200" y="2709017"/>
+            <a:ext cx="10515600" cy="3467946"/>
+          </a:xfrm>
+        </p:spPr>
+        <p:txBody>
+          <a:bodyPr>
+            <a:normAutofit/>
+          </a:bodyPr>
+          <a:lstStyle/>
+          <a:p>
+            <a:pPr marL="0" indent="0">
+              <a:buNone/>
+            </a:pPr>
+            <a:r>
+              <a:rPr lang="ru-RU" sz="5600" dirty="0" smtClean="0"/>
+              <a:t>Например:</a:t>
+            </a:r>
+          </a:p>
+          <a:p>
+            <a:pPr marL="0" indent="0">
+              <a:buNone/>
+            </a:pPr>
+            <a:endParaRPr lang="ru-RU" sz="4000" dirty="0" smtClean="0"/>
+          </a:p>
+          <a:p>
+            <a:r>
+              <a:rPr lang="ru-RU" sz="3500" b="1" dirty="0" smtClean="0"/>
+              <a:t>Пользовательская настройка</a:t>
+            </a:r>
+          </a:p>
+          <a:p>
+            <a:pPr lvl="1">
+              <a:buFont typeface="Wingdings" panose="05000000000000000000" pitchFamily="2" charset="2"/>
+              <a:buChar char="Ø"/>
+            </a:pPr>
+            <a:r>
+              <a:rPr lang="ru-RU" sz="3100" dirty="0" smtClean="0"/>
+              <a:t>Факторы, влияющие на порядок вопросов</a:t>
+            </a:r>
+          </a:p>
+          <a:p>
+            <a:pPr lvl="1">
+              <a:buFont typeface="Wingdings" panose="05000000000000000000" pitchFamily="2" charset="2"/>
+              <a:buChar char="Ø"/>
+            </a:pPr>
+            <a:r>
+              <a:rPr lang="ru-RU" sz="3100" dirty="0" smtClean="0"/>
+              <a:t>Количество повторений</a:t>
+            </a:r>
+          </a:p>
+        </p:txBody>
+      </p:sp>
+    </p:spTree>
+    <p:extLst>
+      <p:ext uri="{BB962C8B-B14F-4D97-AF65-F5344CB8AC3E}">
+        <p14:creationId xmlns:p14="http://schemas.microsoft.com/office/powerpoint/2010/main" val="1482416149"/>
+      </p:ext>
+    </p:extLst>
+  </p:cSld>
+  <p:clrMapOvr>
+    <a:masterClrMapping/>
+  </p:clrMapOvr>
+  <p:timing>
+    <p:tnLst>
+      <p:par>
+        <p:cTn id="1" dur="indefinite" restart="never" nodeType="tmRoot"/>
+      </p:par>
+    </p:tnLst>
+  </p:timing>
+</p:sld>
+</file>
+
 <file path=ppt/slides/slide3.xml><?xml version="1.0" encoding="utf-8"?>
 <p:sld xmlns:a="http://schemas.openxmlformats.org/drawingml/2006/main" xmlns:r="http://schemas.openxmlformats.org/officeDocument/2006/relationships" xmlns:p="http://schemas.openxmlformats.org/presentationml/2006/main">
   <p:cSld>
@@ -3602,7 +5652,7 @@
               </a:lnSpc>
             </a:pPr>
             <a:r>
-              <a:rPr lang="ru-RU" sz="7800" i="1" dirty="0" smtClean="0">
+              <a:rPr lang="ru-RU" sz="6500" dirty="0" smtClean="0">
                 <a:solidFill>
                   <a:srgbClr val="FF5564"/>
                 </a:solidFill>
@@ -3610,10 +5660,10 @@
                 <a:ea typeface="Verdana" panose="020B0604030504040204" pitchFamily="34" charset="0"/>
                 <a:cs typeface="Verdana" panose="020B0604030504040204" pitchFamily="34" charset="0"/>
               </a:rPr>
-              <a:t>Экзамены,</a:t>
-            </a:r>
-            <a:r>
-              <a:rPr lang="ru-RU" sz="5800" i="1" dirty="0" smtClean="0">
+              <a:t>Тесты,</a:t>
+            </a:r>
+            <a:r>
+              <a:rPr lang="ru-RU" sz="5800" dirty="0" smtClean="0">
                 <a:solidFill>
                   <a:srgbClr val="FF5564"/>
                 </a:solidFill>
@@ -3624,7 +5674,7 @@
               <a:t/>
             </a:r>
             <a:br>
-              <a:rPr lang="ru-RU" sz="5800" i="1" dirty="0" smtClean="0">
+              <a:rPr lang="ru-RU" sz="5800" dirty="0" smtClean="0">
                 <a:solidFill>
                   <a:srgbClr val="FF5564"/>
                 </a:solidFill>
@@ -3634,7 +5684,7 @@
               </a:rPr>
             </a:br>
             <a:r>
-              <a:rPr lang="ru-RU" sz="5800" i="1" dirty="0" smtClean="0">
+              <a:rPr lang="ru-RU" sz="4800" dirty="0" smtClean="0">
                 <a:solidFill>
                   <a:srgbClr val="FF5564"/>
                 </a:solidFill>
@@ -3642,10 +5692,10 @@
                 <a:ea typeface="Verdana" panose="020B0604030504040204" pitchFamily="34" charset="0"/>
                 <a:cs typeface="Verdana" panose="020B0604030504040204" pitchFamily="34" charset="0"/>
               </a:rPr>
-              <a:t>сертификации,</a:t>
-            </a:r>
-            <a:r>
-              <a:rPr lang="ru-RU" sz="7800" i="1" dirty="0" smtClean="0">
+              <a:t>режимы,</a:t>
+            </a:r>
+            <a:r>
+              <a:rPr lang="ru-RU" sz="7800" dirty="0" smtClean="0">
                 <a:solidFill>
                   <a:srgbClr val="FF5564"/>
                 </a:solidFill>
@@ -3656,7 +5706,7 @@
               <a:t/>
             </a:r>
             <a:br>
-              <a:rPr lang="ru-RU" sz="7800" i="1" dirty="0" smtClean="0">
+              <a:rPr lang="ru-RU" sz="7800" dirty="0" smtClean="0">
                 <a:solidFill>
                   <a:srgbClr val="FF5564"/>
                 </a:solidFill>
@@ -3666,7 +5716,7 @@
               </a:rPr>
             </a:br>
             <a:r>
-              <a:rPr lang="ru-RU" sz="3800" i="1" dirty="0" smtClean="0">
+              <a:rPr lang="ru-RU" sz="2600" dirty="0" smtClean="0">
                 <a:solidFill>
                   <a:srgbClr val="FF5564"/>
                 </a:solidFill>
@@ -3674,20 +5724,9 @@
                 <a:ea typeface="Verdana" panose="020B0604030504040204" pitchFamily="34" charset="0"/>
                 <a:cs typeface="Verdana" panose="020B0604030504040204" pitchFamily="34" charset="0"/>
               </a:rPr>
-              <a:t>проверки</a:t>
-            </a:r>
-            <a:r>
-              <a:rPr lang="ru-RU" sz="3800" i="1" dirty="0" smtClean="0">
-                <a:solidFill>
-                  <a:srgbClr val="FF5564"/>
-                </a:solidFill>
-                <a:latin typeface="Verdana" panose="020B0604030504040204" pitchFamily="34" charset="0"/>
-                <a:ea typeface="Verdana" panose="020B0604030504040204" pitchFamily="34" charset="0"/>
-                <a:cs typeface="Verdana" panose="020B0604030504040204" pitchFamily="34" charset="0"/>
-              </a:rPr>
-              <a:t>…</a:t>
-            </a:r>
-            <a:endParaRPr lang="ru-RU" sz="3800" dirty="0">
+              <a:t>сертификационные экзамены…</a:t>
+            </a:r>
+            <a:endParaRPr lang="ru-RU" sz="2600" dirty="0">
               <a:solidFill>
                 <a:srgbClr val="FF5564"/>
               </a:solidFill>
@@ -3846,15 +5885,49 @@
                 <a:ea typeface="Verdana" panose="020B0604030504040204" pitchFamily="34" charset="0"/>
                 <a:cs typeface="Verdana" panose="020B0604030504040204" pitchFamily="34" charset="0"/>
               </a:rPr>
-              <a:t>ЕСТ</a:t>
-            </a:r>
-            <a:r>
-              <a:rPr lang="ru-RU" dirty="0" smtClean="0">
+              <a:t>Платформа </a:t>
+            </a:r>
+            <a:br>
+              <a:rPr lang="ru-RU" sz="7800" i="1" dirty="0" smtClean="0">
+                <a:solidFill>
+                  <a:srgbClr val="FF5564"/>
+                </a:solidFill>
                 <a:latin typeface="Verdana" panose="020B0604030504040204" pitchFamily="34" charset="0"/>
                 <a:ea typeface="Verdana" panose="020B0604030504040204" pitchFamily="34" charset="0"/>
                 <a:cs typeface="Verdana" panose="020B0604030504040204" pitchFamily="34" charset="0"/>
               </a:rPr>
-              <a:t>ь.</a:t>
+            </a:br>
+            <a:r>
+              <a:rPr lang="ru-RU" sz="7800" i="1" dirty="0" smtClean="0">
+                <a:solidFill>
+                  <a:srgbClr val="FF5564"/>
+                </a:solidFill>
+                <a:latin typeface="Verdana" panose="020B0604030504040204" pitchFamily="34" charset="0"/>
+                <a:ea typeface="Verdana" panose="020B0604030504040204" pitchFamily="34" charset="0"/>
+                <a:cs typeface="Verdana" panose="020B0604030504040204" pitchFamily="34" charset="0"/>
+              </a:rPr>
+              <a:t>подготовки</a:t>
+            </a:r>
+            <a:br>
+              <a:rPr lang="ru-RU" sz="7800" i="1" dirty="0" smtClean="0">
+                <a:solidFill>
+                  <a:srgbClr val="FF5564"/>
+                </a:solidFill>
+                <a:latin typeface="Verdana" panose="020B0604030504040204" pitchFamily="34" charset="0"/>
+                <a:ea typeface="Verdana" panose="020B0604030504040204" pitchFamily="34" charset="0"/>
+                <a:cs typeface="Verdana" panose="020B0604030504040204" pitchFamily="34" charset="0"/>
+              </a:rPr>
+            </a:br>
+            <a:r>
+              <a:rPr lang="ru-RU" sz="7800" i="1" dirty="0" smtClean="0">
+                <a:solidFill>
+                  <a:srgbClr val="FF5564"/>
+                </a:solidFill>
+                <a:latin typeface="Verdana" panose="020B0604030504040204" pitchFamily="34" charset="0"/>
+                <a:ea typeface="Verdana" panose="020B0604030504040204" pitchFamily="34" charset="0"/>
+                <a:cs typeface="Verdana" panose="020B0604030504040204" pitchFamily="34" charset="0"/>
+              </a:rPr>
+              <a:t>к тестам</a:t>
             </a:r>
             <a:endParaRPr lang="ru-RU" sz="7800" dirty="0">
               <a:solidFill>
@@ -3930,11 +6003,7 @@
                   <a:srgbClr val="FF5564"/>
                 </a:solidFill>
               </a:rPr>
-              <a:t>ЕСТ</a:t>
-            </a:r>
-            <a:r>
-              <a:rPr lang="ru-RU" sz="3000" dirty="0" smtClean="0"/>
-              <a:t>ь</a:t>
+              <a:t>Платформа Подготовки</a:t>
             </a:r>
             <a:endParaRPr lang="ru-RU" sz="3000" dirty="0"/>
           </a:p>
@@ -3961,66 +6030,6 @@
             <a:normAutofit/>
           </a:bodyPr>
           <a:lstStyle/>
-          <a:p>
-            <a:pPr marL="0" indent="0">
-              <a:lnSpc>
-                <a:spcPct val="150000"/>
-              </a:lnSpc>
-              <a:buNone/>
-            </a:pPr>
-            <a:r>
-              <a:rPr lang="ru-RU" sz="4800" b="1" dirty="0" smtClean="0">
-                <a:solidFill>
-                  <a:srgbClr val="FF5564"/>
-                </a:solidFill>
-              </a:rPr>
-              <a:t>Е</a:t>
-            </a:r>
-            <a:r>
-              <a:rPr lang="ru-RU" sz="4600" i="1" dirty="0" smtClean="0"/>
-              <a:t>диная</a:t>
-            </a:r>
-            <a:r>
-              <a:rPr lang="ru-RU" sz="4600" i="1" dirty="0" smtClean="0">
-                <a:solidFill>
-                  <a:srgbClr val="FF5564"/>
-                </a:solidFill>
-              </a:rPr>
-              <a:t> </a:t>
-            </a:r>
-            <a:r>
-              <a:rPr lang="ru-RU" sz="4800" b="1" dirty="0" smtClean="0">
-                <a:solidFill>
-                  <a:srgbClr val="FF5564"/>
-                </a:solidFill>
-              </a:rPr>
-              <a:t>С</a:t>
-            </a:r>
-            <a:r>
-              <a:rPr lang="ru-RU" sz="4600" i="1" dirty="0" smtClean="0"/>
-              <a:t>истема</a:t>
-            </a:r>
-            <a:r>
-              <a:rPr lang="ru-RU" sz="4600" i="1" dirty="0" smtClean="0">
-                <a:solidFill>
-                  <a:srgbClr val="FF5564"/>
-                </a:solidFill>
-              </a:rPr>
-              <a:t> </a:t>
-            </a:r>
-            <a:r>
-              <a:rPr lang="ru-RU" sz="4800" b="1" dirty="0" smtClean="0">
-                <a:solidFill>
-                  <a:srgbClr val="FF5564"/>
-                </a:solidFill>
-              </a:rPr>
-              <a:t>Т</a:t>
-            </a:r>
-            <a:r>
-              <a:rPr lang="ru-RU" sz="4600" i="1" dirty="0" smtClean="0"/>
-              <a:t>естов</a:t>
-            </a:r>
-          </a:p>
           <a:p>
             <a:pPr>
               <a:lnSpc>
@@ -4031,13 +6040,16 @@
             </a:pPr>
             <a:r>
               <a:rPr lang="ru-RU" sz="4000" dirty="0" smtClean="0"/>
-              <a:t>Идея – </a:t>
+              <a:t>Идея </a:t>
+            </a:r>
+            <a:r>
+              <a:rPr lang="ru-RU" sz="4000" dirty="0" smtClean="0"/>
+              <a:t>– </a:t>
             </a:r>
             <a:r>
               <a:rPr lang="ru-RU" sz="4000" b="1" dirty="0" smtClean="0"/>
               <a:t>подготовка к тестам</a:t>
             </a:r>
-            <a:endParaRPr lang="ru-RU" sz="4000" b="1" dirty="0" smtClean="0"/>
           </a:p>
           <a:p>
             <a:pPr>
@@ -4049,17 +6061,12 @@
             </a:pPr>
             <a:r>
               <a:rPr lang="ru-RU" sz="4000" dirty="0" smtClean="0"/>
-              <a:t>Использование </a:t>
-            </a:r>
-            <a:r>
-              <a:rPr lang="ru-RU" sz="4000" dirty="0" smtClean="0"/>
-              <a:t>– </a:t>
+              <a:t>Использование – </a:t>
             </a:r>
             <a:r>
               <a:rPr lang="ru-RU" sz="4000" b="1" dirty="0" smtClean="0"/>
               <a:t>на любом устройстве</a:t>
             </a:r>
-            <a:endParaRPr lang="ru-RU" sz="4000" b="1" dirty="0" smtClean="0"/>
           </a:p>
           <a:p>
             <a:pPr>
@@ -4130,12 +6137,9 @@
         </p:nvSpPr>
         <p:spPr>
           <a:xfrm>
-            <a:off x="0" y="0"/>
-            <a:ext cx="12192000" cy="6857999"/>
-          </a:xfrm>
-          <a:solidFill>
-            <a:schemeClr val="tx1"/>
-          </a:solidFill>
+            <a:off x="0" y="9525"/>
+            <a:ext cx="12192000" cy="1325563"/>
+          </a:xfrm>
         </p:spPr>
         <p:txBody>
           <a:bodyPr>
@@ -4143,27 +6147,64 @@
           </a:bodyPr>
           <a:lstStyle/>
           <a:p>
-            <a:pPr algn="ctr"/>
-            <a:r>
-              <a:rPr lang="ru-RU" sz="7800" dirty="0" smtClean="0">
+            <a:r>
+              <a:rPr lang="ru-RU" sz="6000" dirty="0" smtClean="0">
                 <a:solidFill>
-                  <a:schemeClr val="bg1"/>
+                  <a:srgbClr val="FF5564"/>
                 </a:solidFill>
               </a:rPr>
-              <a:t>Подробнее?</a:t>
-            </a:r>
-            <a:endParaRPr lang="ru-RU" sz="7800" dirty="0">
+              <a:t>Стандартные функции</a:t>
+            </a:r>
+            <a:endParaRPr lang="ru-RU" sz="6000" dirty="0">
               <a:solidFill>
-                <a:schemeClr val="bg1"/>
+                <a:srgbClr val="FF5564"/>
               </a:solidFill>
             </a:endParaRPr>
+          </a:p>
+        </p:txBody>
+      </p:sp>
+      <p:sp>
+        <p:nvSpPr>
+          <p:cNvPr id="3" name="Объект 2"/>
+          <p:cNvSpPr>
+            <a:spLocks noGrp="1"/>
+          </p:cNvSpPr>
+          <p:nvPr>
+            <p:ph idx="1"/>
+          </p:nvPr>
+        </p:nvSpPr>
+        <p:spPr>
+          <a:xfrm>
+            <a:off x="838200" y="1825625"/>
+            <a:ext cx="10515600" cy="4863042"/>
+          </a:xfrm>
+        </p:spPr>
+        <p:txBody>
+          <a:bodyPr>
+            <a:normAutofit/>
+          </a:bodyPr>
+          <a:lstStyle/>
+          <a:p>
+            <a:pPr>
+              <a:lnSpc>
+                <a:spcPct val="100000"/>
+              </a:lnSpc>
+              <a:buFont typeface="Wingdings" panose="05000000000000000000" pitchFamily="2" charset="2"/>
+              <a:buChar char="q"/>
+            </a:pPr>
+            <a:r>
+              <a:rPr lang="ru-RU" sz="4000" b="1" dirty="0" smtClean="0">
+                <a:latin typeface="+mj-lt"/>
+              </a:rPr>
+              <a:t>Тесты</a:t>
+            </a:r>
           </a:p>
         </p:txBody>
       </p:sp>
     </p:spTree>
     <p:extLst>
       <p:ext uri="{BB962C8B-B14F-4D97-AF65-F5344CB8AC3E}">
-        <p14:creationId xmlns:p14="http://schemas.microsoft.com/office/powerpoint/2010/main" val="3517822380"/>
+        <p14:creationId xmlns:p14="http://schemas.microsoft.com/office/powerpoint/2010/main" val="2852059158"/>
       </p:ext>
     </p:extLst>
   </p:cSld>
@@ -4210,7 +6251,7 @@
         <p:spPr>
           <a:xfrm>
             <a:off x="0" y="9525"/>
-            <a:ext cx="6747933" cy="1325563"/>
+            <a:ext cx="12192000" cy="1325563"/>
           </a:xfrm>
         </p:spPr>
         <p:txBody>
@@ -4225,7 +6266,7 @@
                   <a:srgbClr val="FF5564"/>
                 </a:solidFill>
               </a:rPr>
-              <a:t>Да:</a:t>
+              <a:t>Стандартные функции</a:t>
             </a:r>
             <a:endParaRPr lang="ru-RU" sz="6000" dirty="0">
               <a:solidFill>
@@ -4258,17 +6299,6 @@
           <a:lstStyle/>
           <a:p>
             <a:pPr>
-              <a:lnSpc>
-                <a:spcPct val="100000"/>
-              </a:lnSpc>
-            </a:pPr>
-            <a:r>
-              <a:rPr lang="ru-RU" sz="4000" dirty="0" smtClean="0"/>
-              <a:t>Тесты</a:t>
-            </a:r>
-          </a:p>
-          <a:p>
-            <a:pPr lvl="1">
               <a:lnSpc>
                 <a:spcPct val="100000"/>
               </a:lnSpc>
@@ -4276,31 +6306,33 @@
               <a:buChar char="q"/>
             </a:pPr>
             <a:r>
-              <a:rPr lang="ru-RU" sz="3200" dirty="0" smtClean="0">
+              <a:rPr lang="ru-RU" sz="4000" dirty="0" smtClean="0">
                 <a:latin typeface="+mj-lt"/>
               </a:rPr>
-              <a:t>Создавать</a:t>
-            </a:r>
-            <a:r>
-              <a:rPr lang="ru-RU" sz="3200" dirty="0">
+              <a:t>Тесты</a:t>
+            </a:r>
+          </a:p>
+          <a:p>
+            <a:pPr>
+              <a:lnSpc>
+                <a:spcPct val="100000"/>
+              </a:lnSpc>
+              <a:buFont typeface="Wingdings" panose="05000000000000000000" pitchFamily="2" charset="2"/>
+              <a:buChar char="q"/>
+            </a:pPr>
+            <a:r>
+              <a:rPr lang="ru-RU" sz="4000" b="1" dirty="0" smtClean="0">
                 <a:latin typeface="+mj-lt"/>
               </a:rPr>
-              <a:t> и</a:t>
-            </a:r>
-            <a:r>
-              <a:rPr lang="ru-RU" sz="3200" dirty="0" smtClean="0">
-                <a:latin typeface="+mj-lt"/>
-              </a:rPr>
-              <a:t> проходить</a:t>
-            </a:r>
-            <a:endParaRPr lang="ru-RU" sz="3200" dirty="0"/>
+              <a:t>Пользователи</a:t>
+            </a:r>
           </a:p>
         </p:txBody>
       </p:sp>
     </p:spTree>
     <p:extLst>
       <p:ext uri="{BB962C8B-B14F-4D97-AF65-F5344CB8AC3E}">
-        <p14:creationId xmlns:p14="http://schemas.microsoft.com/office/powerpoint/2010/main" val="2852059158"/>
+        <p14:creationId xmlns:p14="http://schemas.microsoft.com/office/powerpoint/2010/main" val="2686023561"/>
       </p:ext>
     </p:extLst>
   </p:cSld>
@@ -4346,25 +6378,25 @@
         </p:nvSpPr>
         <p:spPr>
           <a:xfrm>
-            <a:off x="3477017" y="2844007"/>
-            <a:ext cx="4702972" cy="1325563"/>
+            <a:off x="0" y="9525"/>
+            <a:ext cx="12192000" cy="1325563"/>
           </a:xfrm>
         </p:spPr>
         <p:txBody>
           <a:bodyPr>
-            <a:normAutofit fontScale="90000"/>
+            <a:normAutofit/>
           </a:bodyPr>
           <a:lstStyle/>
           <a:p>
             <a:r>
-              <a:rPr lang="ru-RU" sz="7800" dirty="0" smtClean="0">
+              <a:rPr lang="ru-RU" sz="6000" dirty="0" smtClean="0">
                 <a:solidFill>
                   <a:srgbClr val="FF5564"/>
                 </a:solidFill>
               </a:rPr>
-              <a:t>Технологии</a:t>
-            </a:r>
-            <a:endParaRPr lang="ru-RU" sz="7800" dirty="0">
+              <a:t>Стандартные функции</a:t>
+            </a:r>
+            <a:endParaRPr lang="ru-RU" sz="6000" dirty="0">
               <a:solidFill>
                 <a:srgbClr val="FF5564"/>
               </a:solidFill>
@@ -4372,356 +6404,78 @@
           </a:p>
         </p:txBody>
       </p:sp>
-      <p:pic>
-        <p:nvPicPr>
-          <p:cNvPr id="2050" name="Picture 2" descr="Agence Expert Python pour FinTech"/>
-          <p:cNvPicPr>
-            <a:picLocks noChangeAspect="1" noChangeArrowheads="1"/>
-          </p:cNvPicPr>
-          <p:nvPr/>
-        </p:nvPicPr>
-        <p:blipFill>
-          <a:blip r:embed="rId2">
-            <a:extLst>
-              <a:ext uri="{28A0092B-C50C-407E-A947-70E740481C1C}">
-                <a14:useLocalDpi xmlns:a14="http://schemas.microsoft.com/office/drawing/2010/main" val="0"/>
-              </a:ext>
-            </a:extLst>
-          </a:blip>
-          <a:srcRect/>
-          <a:stretch>
-            <a:fillRect/>
-          </a:stretch>
-        </p:blipFill>
-        <p:spPr bwMode="auto">
-          <a:xfrm>
-            <a:off x="9675811" y="3111702"/>
-            <a:ext cx="2383367" cy="1334686"/>
-          </a:xfrm>
-          <a:prstGeom prst="rect">
-            <a:avLst/>
-          </a:prstGeom>
-          <a:noFill/>
-          <a:extLst>
-            <a:ext uri="{909E8E84-426E-40DD-AFC4-6F175D3DCCD1}">
-              <a14:hiddenFill xmlns:a14="http://schemas.microsoft.com/office/drawing/2010/main">
-                <a:solidFill>
-                  <a:srgbClr val="FFFFFF"/>
-                </a:solidFill>
-              </a14:hiddenFill>
-            </a:ext>
-          </a:extLst>
-        </p:spPr>
-      </p:pic>
-      <p:pic>
-        <p:nvPicPr>
-          <p:cNvPr id="2052" name="Picture 4" descr="SQLAlchemy · GitHub"/>
-          <p:cNvPicPr>
-            <a:picLocks noChangeAspect="1" noChangeArrowheads="1"/>
-          </p:cNvPicPr>
-          <p:nvPr/>
-        </p:nvPicPr>
-        <p:blipFill rotWithShape="1">
-          <a:blip r:embed="rId3">
-            <a:extLst>
-              <a:ext uri="{28A0092B-C50C-407E-A947-70E740481C1C}">
-                <a14:useLocalDpi xmlns:a14="http://schemas.microsoft.com/office/drawing/2010/main" val="0"/>
-              </a:ext>
-            </a:extLst>
-          </a:blip>
-          <a:srcRect t="30794" b="29207"/>
-          <a:stretch/>
-        </p:blipFill>
-        <p:spPr bwMode="auto">
-          <a:xfrm>
-            <a:off x="4720430" y="5971540"/>
-            <a:ext cx="2216150" cy="886460"/>
-          </a:xfrm>
-          <a:prstGeom prst="rect">
-            <a:avLst/>
-          </a:prstGeom>
-          <a:noFill/>
-          <a:extLst>
-            <a:ext uri="{909E8E84-426E-40DD-AFC4-6F175D3DCCD1}">
-              <a14:hiddenFill xmlns:a14="http://schemas.microsoft.com/office/drawing/2010/main">
-                <a:solidFill>
-                  <a:srgbClr val="FFFFFF"/>
-                </a:solidFill>
-              </a14:hiddenFill>
-            </a:ext>
-          </a:extLst>
-        </p:spPr>
-      </p:pic>
-      <p:pic>
-        <p:nvPicPr>
-          <p:cNvPr id="2056" name="Picture 8" descr="python-telegram-bot · GitHub"/>
-          <p:cNvPicPr>
-            <a:picLocks noChangeAspect="1" noChangeArrowheads="1"/>
-          </p:cNvPicPr>
-          <p:nvPr/>
-        </p:nvPicPr>
-        <p:blipFill>
-          <a:blip r:embed="rId4">
-            <a:extLst>
-              <a:ext uri="{28A0092B-C50C-407E-A947-70E740481C1C}">
-                <a14:useLocalDpi xmlns:a14="http://schemas.microsoft.com/office/drawing/2010/main" val="0"/>
-              </a:ext>
-            </a:extLst>
-          </a:blip>
-          <a:srcRect/>
-          <a:stretch>
-            <a:fillRect/>
-          </a:stretch>
-        </p:blipFill>
-        <p:spPr bwMode="auto">
-          <a:xfrm>
-            <a:off x="5123126" y="0"/>
-            <a:ext cx="1410758" cy="1410758"/>
-          </a:xfrm>
-          <a:prstGeom prst="rect">
-            <a:avLst/>
-          </a:prstGeom>
-          <a:noFill/>
-          <a:extLst>
-            <a:ext uri="{909E8E84-426E-40DD-AFC4-6F175D3DCCD1}">
-              <a14:hiddenFill xmlns:a14="http://schemas.microsoft.com/office/drawing/2010/main">
-                <a:solidFill>
-                  <a:srgbClr val="FFFFFF"/>
-                </a:solidFill>
-              </a14:hiddenFill>
-            </a:ext>
-          </a:extLst>
-        </p:spPr>
-      </p:pic>
-      <p:pic>
-        <p:nvPicPr>
-          <p:cNvPr id="2060" name="Picture 12" descr="SQLAlchemy ORM Tutorial for Python Developers"/>
-          <p:cNvPicPr>
-            <a:picLocks noChangeAspect="1" noChangeArrowheads="1"/>
-          </p:cNvPicPr>
-          <p:nvPr/>
-        </p:nvPicPr>
-        <p:blipFill>
-          <a:blip r:embed="rId5">
-            <a:extLst>
-              <a:ext uri="{28A0092B-C50C-407E-A947-70E740481C1C}">
-                <a14:useLocalDpi xmlns:a14="http://schemas.microsoft.com/office/drawing/2010/main" val="0"/>
-              </a:ext>
-            </a:extLst>
-          </a:blip>
-          <a:srcRect/>
-          <a:stretch>
-            <a:fillRect/>
-          </a:stretch>
-        </p:blipFill>
-        <p:spPr bwMode="auto">
-          <a:xfrm>
-            <a:off x="8599" y="3099066"/>
-            <a:ext cx="1359958" cy="1359958"/>
-          </a:xfrm>
-          <a:prstGeom prst="rect">
-            <a:avLst/>
-          </a:prstGeom>
-          <a:noFill/>
-          <a:extLst>
-            <a:ext uri="{909E8E84-426E-40DD-AFC4-6F175D3DCCD1}">
-              <a14:hiddenFill xmlns:a14="http://schemas.microsoft.com/office/drawing/2010/main">
-                <a:solidFill>
-                  <a:srgbClr val="FFFFFF"/>
-                </a:solidFill>
-              </a14:hiddenFill>
-            </a:ext>
-          </a:extLst>
-        </p:spPr>
-      </p:pic>
-      <p:sp>
-        <p:nvSpPr>
-          <p:cNvPr id="4" name="TextBox 3"/>
-          <p:cNvSpPr txBox="1"/>
-          <p:nvPr/>
+      <p:sp>
+        <p:nvSpPr>
+          <p:cNvPr id="3" name="Объект 2"/>
+          <p:cNvSpPr>
+            <a:spLocks noGrp="1"/>
+          </p:cNvSpPr>
+          <p:nvPr>
+            <p:ph idx="1"/>
+          </p:nvPr>
         </p:nvSpPr>
         <p:spPr>
           <a:xfrm>
-            <a:off x="8599" y="4643690"/>
-            <a:ext cx="1359958" cy="461665"/>
-          </a:xfrm>
-          <a:prstGeom prst="rect">
-            <a:avLst/>
-          </a:prstGeom>
-          <a:noFill/>
-        </p:spPr>
-        <p:txBody>
-          <a:bodyPr wrap="square" rtlCol="0">
-            <a:spAutoFit/>
+            <a:off x="838200" y="1825625"/>
+            <a:ext cx="10515600" cy="4863042"/>
+          </a:xfrm>
+        </p:spPr>
+        <p:txBody>
+          <a:bodyPr>
+            <a:normAutofit/>
           </a:bodyPr>
           <a:lstStyle/>
           <a:p>
-            <a:pPr algn="ctr"/>
-            <a:r>
-              <a:rPr lang="en-US" sz="2400" dirty="0" smtClean="0">
-                <a:latin typeface="Verdana" panose="020B0604030504040204" pitchFamily="34" charset="0"/>
-                <a:ea typeface="Verdana" panose="020B0604030504040204" pitchFamily="34" charset="0"/>
-                <a:cs typeface="Verdana" panose="020B0604030504040204" pitchFamily="34" charset="0"/>
-              </a:rPr>
-              <a:t>Python</a:t>
-            </a:r>
-            <a:endParaRPr lang="ru-RU" sz="2400" dirty="0">
-              <a:latin typeface="Verdana" panose="020B0604030504040204" pitchFamily="34" charset="0"/>
-              <a:ea typeface="Verdana" panose="020B0604030504040204" pitchFamily="34" charset="0"/>
-              <a:cs typeface="Verdana" panose="020B0604030504040204" pitchFamily="34" charset="0"/>
-            </a:endParaRPr>
-          </a:p>
-        </p:txBody>
-      </p:sp>
-      <p:sp>
-        <p:nvSpPr>
-          <p:cNvPr id="5" name="TextBox 4"/>
-          <p:cNvSpPr txBox="1"/>
-          <p:nvPr/>
-        </p:nvSpPr>
-        <p:spPr>
-          <a:xfrm>
-            <a:off x="9160933" y="4646046"/>
-            <a:ext cx="2760134" cy="830997"/>
-          </a:xfrm>
-          <a:prstGeom prst="rect">
-            <a:avLst/>
-          </a:prstGeom>
-          <a:noFill/>
-        </p:spPr>
-        <p:txBody>
-          <a:bodyPr wrap="square" rtlCol="0">
-            <a:spAutoFit/>
-          </a:bodyPr>
-          <a:lstStyle/>
-          <a:p>
-            <a:pPr algn="ctr"/>
-            <a:r>
-              <a:rPr lang="en-US" sz="2400" dirty="0">
-                <a:latin typeface="Verdana" panose="020B0604030504040204" pitchFamily="34" charset="0"/>
-                <a:ea typeface="Verdana" panose="020B0604030504040204" pitchFamily="34" charset="0"/>
-                <a:cs typeface="Verdana" panose="020B0604030504040204" pitchFamily="34" charset="0"/>
-              </a:rPr>
-              <a:t>Flask </a:t>
-            </a:r>
-            <a:endParaRPr lang="en-US" sz="2400" dirty="0" smtClean="0">
-              <a:latin typeface="Verdana" panose="020B0604030504040204" pitchFamily="34" charset="0"/>
-              <a:ea typeface="Verdana" panose="020B0604030504040204" pitchFamily="34" charset="0"/>
-              <a:cs typeface="Verdana" panose="020B0604030504040204" pitchFamily="34" charset="0"/>
-            </a:endParaRPr>
-          </a:p>
-          <a:p>
-            <a:pPr algn="ctr"/>
-            <a:r>
-              <a:rPr lang="ru-RU" sz="2400" dirty="0" smtClean="0">
-                <a:latin typeface="Verdana" panose="020B0604030504040204" pitchFamily="34" charset="0"/>
-                <a:ea typeface="Verdana" panose="020B0604030504040204" pitchFamily="34" charset="0"/>
-                <a:cs typeface="Verdana" panose="020B0604030504040204" pitchFamily="34" charset="0"/>
-              </a:rPr>
-              <a:t>и компания</a:t>
-            </a:r>
-            <a:endParaRPr lang="ru-RU" sz="2400" dirty="0">
-              <a:latin typeface="Verdana" panose="020B0604030504040204" pitchFamily="34" charset="0"/>
-              <a:ea typeface="Verdana" panose="020B0604030504040204" pitchFamily="34" charset="0"/>
-              <a:cs typeface="Verdana" panose="020B0604030504040204" pitchFamily="34" charset="0"/>
-            </a:endParaRPr>
-          </a:p>
-        </p:txBody>
-      </p:sp>
-      <p:sp>
-        <p:nvSpPr>
-          <p:cNvPr id="6" name="TextBox 5"/>
-          <p:cNvSpPr txBox="1"/>
-          <p:nvPr/>
-        </p:nvSpPr>
-        <p:spPr>
-          <a:xfrm>
-            <a:off x="4274076" y="5409129"/>
-            <a:ext cx="3108856" cy="461665"/>
-          </a:xfrm>
-          <a:prstGeom prst="rect">
-            <a:avLst/>
-          </a:prstGeom>
-          <a:noFill/>
-        </p:spPr>
-        <p:txBody>
-          <a:bodyPr wrap="square" rtlCol="0">
-            <a:spAutoFit/>
-          </a:bodyPr>
-          <a:lstStyle/>
-          <a:p>
-            <a:pPr algn="ctr"/>
-            <a:r>
-              <a:rPr lang="en-US" sz="2400" dirty="0" err="1" smtClean="0">
-                <a:latin typeface="Verdana" panose="020B0604030504040204" pitchFamily="34" charset="0"/>
-                <a:ea typeface="Verdana" panose="020B0604030504040204" pitchFamily="34" charset="0"/>
-                <a:cs typeface="Verdana" panose="020B0604030504040204" pitchFamily="34" charset="0"/>
-              </a:rPr>
-              <a:t>SQLAlchemy</a:t>
-            </a:r>
-            <a:r>
-              <a:rPr lang="en-US" sz="2400" dirty="0" smtClean="0">
-                <a:latin typeface="Verdana" panose="020B0604030504040204" pitchFamily="34" charset="0"/>
-                <a:ea typeface="Verdana" panose="020B0604030504040204" pitchFamily="34" charset="0"/>
-                <a:cs typeface="Verdana" panose="020B0604030504040204" pitchFamily="34" charset="0"/>
-              </a:rPr>
-              <a:t> </a:t>
-            </a:r>
-            <a:endParaRPr lang="ru-RU" sz="2400" dirty="0"/>
-          </a:p>
-        </p:txBody>
-      </p:sp>
-      <p:sp>
-        <p:nvSpPr>
-          <p:cNvPr id="7" name="TextBox 6"/>
-          <p:cNvSpPr txBox="1"/>
-          <p:nvPr/>
-        </p:nvSpPr>
-        <p:spPr>
-          <a:xfrm>
-            <a:off x="4107785" y="1410758"/>
-            <a:ext cx="3441437" cy="461665"/>
-          </a:xfrm>
-          <a:prstGeom prst="rect">
-            <a:avLst/>
-          </a:prstGeom>
-          <a:noFill/>
-        </p:spPr>
-        <p:txBody>
-          <a:bodyPr wrap="square" rtlCol="0">
-            <a:spAutoFit/>
-          </a:bodyPr>
-          <a:lstStyle/>
-          <a:p>
-            <a:pPr algn="ctr"/>
-            <a:r>
-              <a:rPr lang="en-US" sz="2400" dirty="0">
-                <a:latin typeface="Verdana" panose="020B0604030504040204" pitchFamily="34" charset="0"/>
-                <a:ea typeface="Verdana" panose="020B0604030504040204" pitchFamily="34" charset="0"/>
-                <a:cs typeface="Verdana" panose="020B0604030504040204" pitchFamily="34" charset="0"/>
-              </a:rPr>
-              <a:t>Python Telegram </a:t>
-            </a:r>
-            <a:r>
-              <a:rPr lang="en-US" sz="2400" dirty="0" smtClean="0">
-                <a:latin typeface="Verdana" panose="020B0604030504040204" pitchFamily="34" charset="0"/>
-                <a:ea typeface="Verdana" panose="020B0604030504040204" pitchFamily="34" charset="0"/>
-                <a:cs typeface="Verdana" panose="020B0604030504040204" pitchFamily="34" charset="0"/>
-              </a:rPr>
-              <a:t>Bot</a:t>
-            </a:r>
-            <a:endParaRPr lang="ru-RU" sz="2400" dirty="0">
-              <a:latin typeface="Verdana" panose="020B0604030504040204" pitchFamily="34" charset="0"/>
-              <a:ea typeface="Verdana" panose="020B0604030504040204" pitchFamily="34" charset="0"/>
-              <a:cs typeface="Verdana" panose="020B0604030504040204" pitchFamily="34" charset="0"/>
-            </a:endParaRPr>
+            <a:pPr>
+              <a:lnSpc>
+                <a:spcPct val="100000"/>
+              </a:lnSpc>
+              <a:buFont typeface="Wingdings" panose="05000000000000000000" pitchFamily="2" charset="2"/>
+              <a:buChar char="q"/>
+            </a:pPr>
+            <a:r>
+              <a:rPr lang="ru-RU" sz="4000" dirty="0" smtClean="0">
+                <a:latin typeface="+mj-lt"/>
+              </a:rPr>
+              <a:t>Тесты</a:t>
+            </a:r>
+          </a:p>
+          <a:p>
+            <a:pPr>
+              <a:lnSpc>
+                <a:spcPct val="100000"/>
+              </a:lnSpc>
+              <a:buFont typeface="Wingdings" panose="05000000000000000000" pitchFamily="2" charset="2"/>
+              <a:buChar char="q"/>
+            </a:pPr>
+            <a:r>
+              <a:rPr lang="ru-RU" sz="4000" dirty="0" smtClean="0">
+                <a:latin typeface="+mj-lt"/>
+              </a:rPr>
+              <a:t>Пользователи</a:t>
+            </a:r>
+          </a:p>
+          <a:p>
+            <a:pPr>
+              <a:lnSpc>
+                <a:spcPct val="100000"/>
+              </a:lnSpc>
+              <a:buFont typeface="Wingdings" panose="05000000000000000000" pitchFamily="2" charset="2"/>
+              <a:buChar char="q"/>
+            </a:pPr>
+            <a:r>
+              <a:rPr lang="ru-RU" sz="4000" b="1" dirty="0" smtClean="0">
+                <a:latin typeface="+mj-lt"/>
+              </a:rPr>
+              <a:t>Группы</a:t>
+            </a:r>
           </a:p>
         </p:txBody>
       </p:sp>
     </p:spTree>
     <p:extLst>
       <p:ext uri="{BB962C8B-B14F-4D97-AF65-F5344CB8AC3E}">
-        <p14:creationId xmlns:p14="http://schemas.microsoft.com/office/powerpoint/2010/main" val="1921645391"/>
+        <p14:creationId xmlns:p14="http://schemas.microsoft.com/office/powerpoint/2010/main" val="1665308641"/>
       </p:ext>
     </p:extLst>
   </p:cSld>

--- a/presentation.pptx
+++ b/presentation.pptx
@@ -20,18 +20,20 @@
     <p:sldId id="273" r:id="rId14"/>
     <p:sldId id="274" r:id="rId15"/>
     <p:sldId id="275" r:id="rId16"/>
-    <p:sldId id="280" r:id="rId17"/>
-    <p:sldId id="284" r:id="rId18"/>
-    <p:sldId id="285" r:id="rId19"/>
-    <p:sldId id="260" r:id="rId20"/>
-    <p:sldId id="269" r:id="rId21"/>
-    <p:sldId id="261" r:id="rId22"/>
-    <p:sldId id="262" r:id="rId23"/>
-    <p:sldId id="276" r:id="rId24"/>
-    <p:sldId id="267" r:id="rId25"/>
-    <p:sldId id="281" r:id="rId26"/>
-    <p:sldId id="282" r:id="rId27"/>
-    <p:sldId id="283" r:id="rId28"/>
+    <p:sldId id="285" r:id="rId17"/>
+    <p:sldId id="260" r:id="rId18"/>
+    <p:sldId id="286" r:id="rId19"/>
+    <p:sldId id="287" r:id="rId20"/>
+    <p:sldId id="288" r:id="rId21"/>
+    <p:sldId id="269" r:id="rId22"/>
+    <p:sldId id="261" r:id="rId23"/>
+    <p:sldId id="262" r:id="rId24"/>
+    <p:sldId id="276" r:id="rId25"/>
+    <p:sldId id="267" r:id="rId26"/>
+    <p:sldId id="281" r:id="rId27"/>
+    <p:sldId id="282" r:id="rId28"/>
+    <p:sldId id="283" r:id="rId29"/>
+    <p:sldId id="289" r:id="rId30"/>
   </p:sldIdLst>
   <p:sldSz cx="12192000" cy="6858000"/>
   <p:notesSz cx="6858000" cy="9144000"/>
@@ -269,7 +271,7 @@
           <a:p>
             <a:fld id="{ED09F41D-DE06-48BA-ACAE-93CF05357850}" type="datetimeFigureOut">
               <a:rPr lang="ru-RU" smtClean="0"/>
-              <a:t>28.05.2020</a:t>
+              <a:t>29.05.2020</a:t>
             </a:fld>
             <a:endParaRPr lang="ru-RU"/>
           </a:p>
@@ -439,7 +441,7 @@
           <a:p>
             <a:fld id="{ED09F41D-DE06-48BA-ACAE-93CF05357850}" type="datetimeFigureOut">
               <a:rPr lang="ru-RU" smtClean="0"/>
-              <a:t>28.05.2020</a:t>
+              <a:t>29.05.2020</a:t>
             </a:fld>
             <a:endParaRPr lang="ru-RU"/>
           </a:p>
@@ -619,7 +621,7 @@
           <a:p>
             <a:fld id="{ED09F41D-DE06-48BA-ACAE-93CF05357850}" type="datetimeFigureOut">
               <a:rPr lang="ru-RU" smtClean="0"/>
-              <a:t>28.05.2020</a:t>
+              <a:t>29.05.2020</a:t>
             </a:fld>
             <a:endParaRPr lang="ru-RU"/>
           </a:p>
@@ -789,7 +791,7 @@
           <a:p>
             <a:fld id="{ED09F41D-DE06-48BA-ACAE-93CF05357850}" type="datetimeFigureOut">
               <a:rPr lang="ru-RU" smtClean="0"/>
-              <a:t>28.05.2020</a:t>
+              <a:t>29.05.2020</a:t>
             </a:fld>
             <a:endParaRPr lang="ru-RU"/>
           </a:p>
@@ -1035,7 +1037,7 @@
           <a:p>
             <a:fld id="{ED09F41D-DE06-48BA-ACAE-93CF05357850}" type="datetimeFigureOut">
               <a:rPr lang="ru-RU" smtClean="0"/>
-              <a:t>28.05.2020</a:t>
+              <a:t>29.05.2020</a:t>
             </a:fld>
             <a:endParaRPr lang="ru-RU"/>
           </a:p>
@@ -1267,7 +1269,7 @@
           <a:p>
             <a:fld id="{ED09F41D-DE06-48BA-ACAE-93CF05357850}" type="datetimeFigureOut">
               <a:rPr lang="ru-RU" smtClean="0"/>
-              <a:t>28.05.2020</a:t>
+              <a:t>29.05.2020</a:t>
             </a:fld>
             <a:endParaRPr lang="ru-RU"/>
           </a:p>
@@ -1634,7 +1636,7 @@
           <a:p>
             <a:fld id="{ED09F41D-DE06-48BA-ACAE-93CF05357850}" type="datetimeFigureOut">
               <a:rPr lang="ru-RU" smtClean="0"/>
-              <a:t>28.05.2020</a:t>
+              <a:t>29.05.2020</a:t>
             </a:fld>
             <a:endParaRPr lang="ru-RU"/>
           </a:p>
@@ -1752,7 +1754,7 @@
           <a:p>
             <a:fld id="{ED09F41D-DE06-48BA-ACAE-93CF05357850}" type="datetimeFigureOut">
               <a:rPr lang="ru-RU" smtClean="0"/>
-              <a:t>28.05.2020</a:t>
+              <a:t>29.05.2020</a:t>
             </a:fld>
             <a:endParaRPr lang="ru-RU"/>
           </a:p>
@@ -1847,7 +1849,7 @@
           <a:p>
             <a:fld id="{ED09F41D-DE06-48BA-ACAE-93CF05357850}" type="datetimeFigureOut">
               <a:rPr lang="ru-RU" smtClean="0"/>
-              <a:t>28.05.2020</a:t>
+              <a:t>29.05.2020</a:t>
             </a:fld>
             <a:endParaRPr lang="ru-RU"/>
           </a:p>
@@ -2124,7 +2126,7 @@
           <a:p>
             <a:fld id="{ED09F41D-DE06-48BA-ACAE-93CF05357850}" type="datetimeFigureOut">
               <a:rPr lang="ru-RU" smtClean="0"/>
-              <a:t>28.05.2020</a:t>
+              <a:t>29.05.2020</a:t>
             </a:fld>
             <a:endParaRPr lang="ru-RU"/>
           </a:p>
@@ -2377,7 +2379,7 @@
           <a:p>
             <a:fld id="{ED09F41D-DE06-48BA-ACAE-93CF05357850}" type="datetimeFigureOut">
               <a:rPr lang="ru-RU" smtClean="0"/>
-              <a:t>28.05.2020</a:t>
+              <a:t>29.05.2020</a:t>
             </a:fld>
             <a:endParaRPr lang="ru-RU"/>
           </a:p>
@@ -2590,7 +2592,7 @@
           <a:p>
             <a:fld id="{ED09F41D-DE06-48BA-ACAE-93CF05357850}" type="datetimeFigureOut">
               <a:rPr lang="ru-RU" smtClean="0"/>
-              <a:t>28.05.2020</a:t>
+              <a:t>29.05.2020</a:t>
             </a:fld>
             <a:endParaRPr lang="ru-RU"/>
           </a:p>
@@ -3005,7 +3007,12 @@
             <p:ph type="ctrTitle"/>
           </p:nvPr>
         </p:nvSpPr>
-        <p:spPr/>
+        <p:spPr>
+          <a:xfrm>
+            <a:off x="0" y="1122363"/>
+            <a:ext cx="12192000" cy="2387600"/>
+          </a:xfrm>
+        </p:spPr>
         <p:txBody>
           <a:bodyPr>
             <a:normAutofit/>
@@ -3019,17 +3026,6 @@
             <a:r>
               <a:rPr lang="ru-RU" sz="7800" dirty="0" smtClean="0"/>
               <a:t>тесты</a:t>
-            </a:r>
-            <a:r>
-              <a:rPr lang="ru-RU" sz="7500" dirty="0" smtClean="0"/>
-              <a:t/>
-            </a:r>
-            <a:br>
-              <a:rPr lang="ru-RU" sz="7500" dirty="0" smtClean="0"/>
-            </a:br>
-            <a:r>
-              <a:rPr lang="ru-RU" sz="1500" dirty="0" smtClean="0"/>
-              <a:t>неужели опять…</a:t>
             </a:r>
             <a:endParaRPr lang="ru-RU" sz="1500" dirty="0"/>
           </a:p>
@@ -3212,8 +3208,11 @@
               <a:rPr lang="ru-RU" sz="4000" b="1" dirty="0" smtClean="0">
                 <a:latin typeface="+mj-lt"/>
               </a:rPr>
-              <a:t>Статистика по тестам</a:t>
-            </a:r>
+              <a:t>Статистика</a:t>
+            </a:r>
+            <a:endParaRPr lang="ru-RU" sz="4000" b="1" dirty="0" smtClean="0">
+              <a:latin typeface="+mj-lt"/>
+            </a:endParaRPr>
           </a:p>
         </p:txBody>
       </p:sp>
@@ -3849,8 +3848,8 @@
         </p:nvSpPr>
         <p:spPr>
           <a:xfrm>
-            <a:off x="0" y="9525"/>
-            <a:ext cx="12192000" cy="1325563"/>
+            <a:off x="0" y="0"/>
+            <a:ext cx="12192000" cy="6858000"/>
           </a:xfrm>
         </p:spPr>
         <p:txBody>
@@ -3859,112 +3858,92 @@
           </a:bodyPr>
           <a:lstStyle/>
           <a:p>
-            <a:r>
-              <a:rPr lang="ru-RU" sz="6000" dirty="0" smtClean="0">
+            <a:pPr algn="ctr"/>
+            <a:r>
+              <a:rPr lang="ru-RU" sz="5800" dirty="0" smtClean="0">
+                <a:latin typeface="Verdana" panose="020B0604030504040204" pitchFamily="34" charset="0"/>
+                <a:ea typeface="Verdana" panose="020B0604030504040204" pitchFamily="34" charset="0"/>
+                <a:cs typeface="Verdana" panose="020B0604030504040204" pitchFamily="34" charset="0"/>
+              </a:rPr>
+              <a:t>Ускорение процесса обучения </a:t>
+            </a:r>
+            <a:r>
+              <a:rPr lang="ru-RU" sz="7800" dirty="0" smtClean="0">
                 <a:solidFill>
                   <a:srgbClr val="FF5564"/>
                 </a:solidFill>
+                <a:latin typeface="Verdana" panose="020B0604030504040204" pitchFamily="34" charset="0"/>
+                <a:ea typeface="Verdana" panose="020B0604030504040204" pitchFamily="34" charset="0"/>
+                <a:cs typeface="Verdana" panose="020B0604030504040204" pitchFamily="34" charset="0"/>
               </a:rPr>
-              <a:t>Режим тренировки</a:t>
-            </a:r>
-            <a:endParaRPr lang="ru-RU" sz="6000" dirty="0">
+              <a:t/>
+            </a:r>
+            <a:br>
+              <a:rPr lang="ru-RU" sz="7800" dirty="0" smtClean="0">
+                <a:solidFill>
+                  <a:srgbClr val="FF5564"/>
+                </a:solidFill>
+                <a:latin typeface="Verdana" panose="020B0604030504040204" pitchFamily="34" charset="0"/>
+                <a:ea typeface="Verdana" panose="020B0604030504040204" pitchFamily="34" charset="0"/>
+                <a:cs typeface="Verdana" panose="020B0604030504040204" pitchFamily="34" charset="0"/>
+              </a:rPr>
+            </a:br>
+            <a:r>
+              <a:rPr lang="ru-RU" sz="7800" i="1" u="sng" dirty="0" smtClean="0">
+                <a:solidFill>
+                  <a:srgbClr val="FF5564"/>
+                </a:solidFill>
+                <a:latin typeface="Verdana" panose="020B0604030504040204" pitchFamily="34" charset="0"/>
+                <a:ea typeface="Verdana" panose="020B0604030504040204" pitchFamily="34" charset="0"/>
+                <a:cs typeface="Verdana" panose="020B0604030504040204" pitchFamily="34" charset="0"/>
+              </a:rPr>
+              <a:t>в разы</a:t>
+            </a:r>
+            <a:endParaRPr lang="ru-RU" sz="7800" i="1" u="sng" dirty="0">
               <a:solidFill>
                 <a:srgbClr val="FF5564"/>
               </a:solidFill>
+              <a:latin typeface="Verdana" panose="020B0604030504040204" pitchFamily="34" charset="0"/>
+              <a:ea typeface="Verdana" panose="020B0604030504040204" pitchFamily="34" charset="0"/>
+              <a:cs typeface="Verdana" panose="020B0604030504040204" pitchFamily="34" charset="0"/>
             </a:endParaRPr>
           </a:p>
         </p:txBody>
       </p:sp>
       <p:sp>
         <p:nvSpPr>
-          <p:cNvPr id="3" name="Объект 2"/>
-          <p:cNvSpPr>
-            <a:spLocks noGrp="1"/>
-          </p:cNvSpPr>
-          <p:nvPr>
-            <p:ph idx="1"/>
-          </p:nvPr>
+          <p:cNvPr id="3" name="TextBox 2"/>
+          <p:cNvSpPr txBox="1"/>
+          <p:nvPr/>
         </p:nvSpPr>
         <p:spPr>
           <a:xfrm>
-            <a:off x="838200" y="1825625"/>
-            <a:ext cx="10515600" cy="4863042"/>
-          </a:xfrm>
-        </p:spPr>
-        <p:txBody>
-          <a:bodyPr>
-            <a:normAutofit/>
+            <a:off x="7812947" y="6488668"/>
+            <a:ext cx="4379053" cy="369332"/>
+          </a:xfrm>
+          <a:prstGeom prst="rect">
+            <a:avLst/>
+          </a:prstGeom>
+          <a:noFill/>
+        </p:spPr>
+        <p:txBody>
+          <a:bodyPr wrap="square" rtlCol="0">
+            <a:spAutoFit/>
           </a:bodyPr>
           <a:lstStyle/>
           <a:p>
-            <a:pPr>
-              <a:lnSpc>
-                <a:spcPct val="100000"/>
-              </a:lnSpc>
-              <a:buFont typeface="Wingdings" panose="05000000000000000000" pitchFamily="2" charset="2"/>
-              <a:buChar char="q"/>
-            </a:pPr>
-            <a:r>
-              <a:rPr lang="ru-RU" sz="4000" dirty="0" smtClean="0">
-                <a:latin typeface="+mj-lt"/>
-              </a:rPr>
-              <a:t>Пользователь видит, правильно ли ответил</a:t>
-            </a:r>
-          </a:p>
-          <a:p>
-            <a:pPr>
-              <a:lnSpc>
-                <a:spcPct val="100000"/>
-              </a:lnSpc>
-              <a:buFont typeface="Wingdings" panose="05000000000000000000" pitchFamily="2" charset="2"/>
-              <a:buChar char="q"/>
-            </a:pPr>
-            <a:r>
-              <a:rPr lang="ru-RU" sz="4000" dirty="0" smtClean="0">
-                <a:latin typeface="+mj-lt"/>
-              </a:rPr>
-              <a:t>Тест не закончится, пока на все вопросы не будет дан правильный ответ</a:t>
-            </a:r>
-          </a:p>
-          <a:p>
-            <a:pPr>
-              <a:lnSpc>
-                <a:spcPct val="100000"/>
-              </a:lnSpc>
-              <a:buFont typeface="Wingdings" panose="05000000000000000000" pitchFamily="2" charset="2"/>
-              <a:buChar char="q"/>
-            </a:pPr>
-            <a:r>
-              <a:rPr lang="ru-RU" sz="4000" dirty="0" smtClean="0">
-                <a:latin typeface="+mj-lt"/>
-              </a:rPr>
-              <a:t>Можно посмотреть проблемные вопросы</a:t>
-            </a:r>
-          </a:p>
-          <a:p>
-            <a:pPr>
-              <a:lnSpc>
-                <a:spcPct val="100000"/>
-              </a:lnSpc>
-              <a:buFont typeface="Wingdings" panose="05000000000000000000" pitchFamily="2" charset="2"/>
-              <a:buChar char="q"/>
-            </a:pPr>
-            <a:r>
-              <a:rPr lang="ru-RU" sz="4000" b="1" dirty="0" smtClean="0">
-                <a:solidFill>
-                  <a:srgbClr val="FF5564"/>
-                </a:solidFill>
-                <a:latin typeface="+mj-lt"/>
-              </a:rPr>
-              <a:t>Доступен к каждому тесту</a:t>
-            </a:r>
+            <a:r>
+              <a:rPr lang="ru-RU" dirty="0" smtClean="0"/>
+              <a:t>1000 вопросов за неделю – не проблема</a:t>
+            </a:r>
+            <a:endParaRPr lang="ru-RU" dirty="0"/>
           </a:p>
         </p:txBody>
       </p:sp>
     </p:spTree>
     <p:extLst>
       <p:ext uri="{BB962C8B-B14F-4D97-AF65-F5344CB8AC3E}">
-        <p14:creationId xmlns:p14="http://schemas.microsoft.com/office/powerpoint/2010/main" val="2448892136"/>
+        <p14:creationId xmlns:p14="http://schemas.microsoft.com/office/powerpoint/2010/main" val="1905195739"/>
       </p:ext>
     </p:extLst>
   </p:cSld>
@@ -4010,40 +3989,77 @@
         </p:nvSpPr>
         <p:spPr>
           <a:xfrm>
-            <a:off x="0" y="0"/>
-            <a:ext cx="12192000" cy="6857999"/>
-          </a:xfrm>
-          <a:solidFill>
-            <a:schemeClr val="tx1"/>
-          </a:solidFill>
+            <a:off x="3477017" y="2844007"/>
+            <a:ext cx="4702972" cy="1325563"/>
+          </a:xfrm>
         </p:spPr>
         <p:txBody>
           <a:bodyPr>
-            <a:normAutofit/>
+            <a:normAutofit fontScale="90000"/>
           </a:bodyPr>
           <a:lstStyle/>
           <a:p>
-            <a:pPr algn="ctr"/>
             <a:r>
               <a:rPr lang="ru-RU" sz="7800" dirty="0" smtClean="0">
                 <a:solidFill>
-                  <a:schemeClr val="bg1"/>
+                  <a:srgbClr val="FF5564"/>
                 </a:solidFill>
               </a:rPr>
-              <a:t>Зачем?</a:t>
+              <a:t>Технологии</a:t>
             </a:r>
             <a:endParaRPr lang="ru-RU" sz="7800" dirty="0">
               <a:solidFill>
-                <a:schemeClr val="bg1"/>
+                <a:srgbClr val="FF5564"/>
               </a:solidFill>
             </a:endParaRPr>
           </a:p>
         </p:txBody>
       </p:sp>
+      <p:pic>
+        <p:nvPicPr>
+          <p:cNvPr id="2060" name="Picture 12" descr="SQLAlchemy ORM Tutorial for Python Developers"/>
+          <p:cNvPicPr>
+            <a:picLocks noChangeAspect="1" noChangeArrowheads="1"/>
+          </p:cNvPicPr>
+          <p:nvPr/>
+        </p:nvPicPr>
+        <p:blipFill>
+          <a:blip r:embed="rId2">
+            <a:extLst>
+              <a:ext uri="{28A0092B-C50C-407E-A947-70E740481C1C}">
+                <a14:useLocalDpi xmlns:a14="http://schemas.microsoft.com/office/drawing/2010/main" val="0"/>
+              </a:ext>
+            </a:extLst>
+          </a:blip>
+          <a:srcRect/>
+          <a:stretch>
+            <a:fillRect/>
+          </a:stretch>
+        </p:blipFill>
+        <p:spPr bwMode="auto">
+          <a:xfrm>
+            <a:off x="8599" y="3099066"/>
+            <a:ext cx="1359958" cy="1359958"/>
+          </a:xfrm>
+          <a:prstGeom prst="rect">
+            <a:avLst/>
+          </a:prstGeom>
+          <a:noFill/>
+          <a:extLst>
+            <a:ext uri="{909E8E84-426E-40DD-AFC4-6F175D3DCCD1}">
+              <a14:hiddenFill xmlns:a14="http://schemas.microsoft.com/office/drawing/2010/main">
+                <a:solidFill>
+                  <a:srgbClr val="FFFFFF"/>
+                </a:solidFill>
+              </a14:hiddenFill>
+            </a:ext>
+          </a:extLst>
+        </p:spPr>
+      </p:pic>
     </p:spTree>
     <p:extLst>
       <p:ext uri="{BB962C8B-B14F-4D97-AF65-F5344CB8AC3E}">
-        <p14:creationId xmlns:p14="http://schemas.microsoft.com/office/powerpoint/2010/main" val="3802401843"/>
+        <p14:creationId xmlns:p14="http://schemas.microsoft.com/office/powerpoint/2010/main" val="1921645391"/>
       </p:ext>
     </p:extLst>
   </p:cSld>
@@ -4089,102 +4105,118 @@
         </p:nvSpPr>
         <p:spPr>
           <a:xfrm>
-            <a:off x="0" y="0"/>
-            <a:ext cx="12192000" cy="6858000"/>
+            <a:off x="3477017" y="2844007"/>
+            <a:ext cx="4702972" cy="1325563"/>
           </a:xfrm>
         </p:spPr>
         <p:txBody>
           <a:bodyPr>
-            <a:normAutofit/>
+            <a:normAutofit fontScale="90000"/>
           </a:bodyPr>
           <a:lstStyle/>
           <a:p>
-            <a:pPr algn="ctr"/>
-            <a:r>
-              <a:rPr lang="ru-RU" sz="5800" dirty="0" smtClean="0">
-                <a:latin typeface="Verdana" panose="020B0604030504040204" pitchFamily="34" charset="0"/>
-                <a:ea typeface="Verdana" panose="020B0604030504040204" pitchFamily="34" charset="0"/>
-                <a:cs typeface="Verdana" panose="020B0604030504040204" pitchFamily="34" charset="0"/>
+            <a:r>
+              <a:rPr lang="ru-RU" sz="7800" dirty="0" smtClean="0">
+                <a:solidFill>
+                  <a:srgbClr val="FF5564"/>
+                </a:solidFill>
               </a:rPr>
-              <a:t>Ускорение процесса обучения </a:t>
-            </a:r>
-            <a:r>
-              <a:rPr lang="ru-RU" sz="7800" dirty="0" smtClean="0">
-                <a:solidFill>
-                  <a:srgbClr val="FF5564"/>
-                </a:solidFill>
-                <a:latin typeface="Verdana" panose="020B0604030504040204" pitchFamily="34" charset="0"/>
-                <a:ea typeface="Verdana" panose="020B0604030504040204" pitchFamily="34" charset="0"/>
-                <a:cs typeface="Verdana" panose="020B0604030504040204" pitchFamily="34" charset="0"/>
-              </a:rPr>
-              <a:t/>
-            </a:r>
-            <a:br>
-              <a:rPr lang="ru-RU" sz="7800" dirty="0" smtClean="0">
-                <a:solidFill>
-                  <a:srgbClr val="FF5564"/>
-                </a:solidFill>
-                <a:latin typeface="Verdana" panose="020B0604030504040204" pitchFamily="34" charset="0"/>
-                <a:ea typeface="Verdana" panose="020B0604030504040204" pitchFamily="34" charset="0"/>
-                <a:cs typeface="Verdana" panose="020B0604030504040204" pitchFamily="34" charset="0"/>
-              </a:rPr>
-            </a:br>
-            <a:r>
-              <a:rPr lang="ru-RU" sz="7800" i="1" u="sng" dirty="0" smtClean="0">
-                <a:solidFill>
-                  <a:srgbClr val="FF5564"/>
-                </a:solidFill>
-                <a:latin typeface="Verdana" panose="020B0604030504040204" pitchFamily="34" charset="0"/>
-                <a:ea typeface="Verdana" panose="020B0604030504040204" pitchFamily="34" charset="0"/>
-                <a:cs typeface="Verdana" panose="020B0604030504040204" pitchFamily="34" charset="0"/>
-              </a:rPr>
-              <a:t>в разы</a:t>
-            </a:r>
-            <a:endParaRPr lang="ru-RU" sz="7800" i="1" u="sng" dirty="0">
+              <a:t>Технологии</a:t>
+            </a:r>
+            <a:endParaRPr lang="ru-RU" sz="7800" dirty="0">
               <a:solidFill>
                 <a:srgbClr val="FF5564"/>
               </a:solidFill>
-              <a:latin typeface="Verdana" panose="020B0604030504040204" pitchFamily="34" charset="0"/>
-              <a:ea typeface="Verdana" panose="020B0604030504040204" pitchFamily="34" charset="0"/>
-              <a:cs typeface="Verdana" panose="020B0604030504040204" pitchFamily="34" charset="0"/>
             </a:endParaRPr>
           </a:p>
         </p:txBody>
       </p:sp>
-      <p:sp>
-        <p:nvSpPr>
-          <p:cNvPr id="3" name="TextBox 2"/>
-          <p:cNvSpPr txBox="1"/>
+      <p:pic>
+        <p:nvPicPr>
+          <p:cNvPr id="2050" name="Picture 2" descr="Agence Expert Python pour FinTech"/>
+          <p:cNvPicPr>
+            <a:picLocks noChangeAspect="1" noChangeArrowheads="1"/>
+          </p:cNvPicPr>
           <p:nvPr/>
-        </p:nvSpPr>
-        <p:spPr>
-          <a:xfrm>
-            <a:off x="7812947" y="6488668"/>
-            <a:ext cx="4379053" cy="369332"/>
+        </p:nvPicPr>
+        <p:blipFill>
+          <a:blip r:embed="rId2">
+            <a:extLst>
+              <a:ext uri="{28A0092B-C50C-407E-A947-70E740481C1C}">
+                <a14:useLocalDpi xmlns:a14="http://schemas.microsoft.com/office/drawing/2010/main" val="0"/>
+              </a:ext>
+            </a:extLst>
+          </a:blip>
+          <a:srcRect/>
+          <a:stretch>
+            <a:fillRect/>
+          </a:stretch>
+        </p:blipFill>
+        <p:spPr bwMode="auto">
+          <a:xfrm>
+            <a:off x="9675811" y="3111702"/>
+            <a:ext cx="2383367" cy="1334686"/>
           </a:xfrm>
           <a:prstGeom prst="rect">
             <a:avLst/>
           </a:prstGeom>
           <a:noFill/>
-        </p:spPr>
-        <p:txBody>
-          <a:bodyPr wrap="square" rtlCol="0">
-            <a:spAutoFit/>
-          </a:bodyPr>
-          <a:lstStyle/>
-          <a:p>
-            <a:r>
-              <a:rPr lang="ru-RU" dirty="0" smtClean="0"/>
-              <a:t>1000 вопросов за неделю – не проблема</a:t>
-            </a:r>
-            <a:endParaRPr lang="ru-RU" dirty="0"/>
-          </a:p>
-        </p:txBody>
-      </p:sp>
+          <a:extLst>
+            <a:ext uri="{909E8E84-426E-40DD-AFC4-6F175D3DCCD1}">
+              <a14:hiddenFill xmlns:a14="http://schemas.microsoft.com/office/drawing/2010/main">
+                <a:solidFill>
+                  <a:srgbClr val="FFFFFF"/>
+                </a:solidFill>
+              </a14:hiddenFill>
+            </a:ext>
+          </a:extLst>
+        </p:spPr>
+      </p:pic>
+      <p:pic>
+        <p:nvPicPr>
+          <p:cNvPr id="2060" name="Picture 12" descr="SQLAlchemy ORM Tutorial for Python Developers"/>
+          <p:cNvPicPr>
+            <a:picLocks noChangeAspect="1" noChangeArrowheads="1"/>
+          </p:cNvPicPr>
+          <p:nvPr/>
+        </p:nvPicPr>
+        <p:blipFill>
+          <a:blip r:embed="rId3">
+            <a:extLst>
+              <a:ext uri="{28A0092B-C50C-407E-A947-70E740481C1C}">
+                <a14:useLocalDpi xmlns:a14="http://schemas.microsoft.com/office/drawing/2010/main" val="0"/>
+              </a:ext>
+            </a:extLst>
+          </a:blip>
+          <a:srcRect/>
+          <a:stretch>
+            <a:fillRect/>
+          </a:stretch>
+        </p:blipFill>
+        <p:spPr bwMode="auto">
+          <a:xfrm>
+            <a:off x="8599" y="3099066"/>
+            <a:ext cx="1359958" cy="1359958"/>
+          </a:xfrm>
+          <a:prstGeom prst="rect">
+            <a:avLst/>
+          </a:prstGeom>
+          <a:noFill/>
+          <a:extLst>
+            <a:ext uri="{909E8E84-426E-40DD-AFC4-6F175D3DCCD1}">
+              <a14:hiddenFill xmlns:a14="http://schemas.microsoft.com/office/drawing/2010/main">
+                <a:solidFill>
+                  <a:srgbClr val="FFFFFF"/>
+                </a:solidFill>
+              </a14:hiddenFill>
+            </a:ext>
+          </a:extLst>
+        </p:spPr>
+      </p:pic>
     </p:spTree>
     <p:extLst>
       <p:ext uri="{BB962C8B-B14F-4D97-AF65-F5344CB8AC3E}">
-        <p14:creationId xmlns:p14="http://schemas.microsoft.com/office/powerpoint/2010/main" val="1905195739"/>
+        <p14:creationId xmlns:p14="http://schemas.microsoft.com/office/powerpoint/2010/main" val="628134160"/>
       </p:ext>
     </p:extLst>
   </p:cSld>
@@ -4338,7 +4370,7 @@
       </p:pic>
       <p:pic>
         <p:nvPicPr>
-          <p:cNvPr id="2056" name="Picture 8" descr="python-telegram-bot · GitHub"/>
+          <p:cNvPr id="2060" name="Picture 12" descr="SQLAlchemy ORM Tutorial for Python Developers"/>
           <p:cNvPicPr>
             <a:picLocks noChangeAspect="1" noChangeArrowheads="1"/>
           </p:cNvPicPr>
@@ -4359,8 +4391,8 @@
         </p:blipFill>
         <p:spPr bwMode="auto">
           <a:xfrm>
-            <a:off x="5123126" y="0"/>
-            <a:ext cx="1410758" cy="1410758"/>
+            <a:off x="8599" y="3099066"/>
+            <a:ext cx="1359958" cy="1359958"/>
           </a:xfrm>
           <a:prstGeom prst="rect">
             <a:avLst/>
@@ -4377,235 +4409,10 @@
           </a:extLst>
         </p:spPr>
       </p:pic>
-      <p:pic>
-        <p:nvPicPr>
-          <p:cNvPr id="2060" name="Picture 12" descr="SQLAlchemy ORM Tutorial for Python Developers"/>
-          <p:cNvPicPr>
-            <a:picLocks noChangeAspect="1" noChangeArrowheads="1"/>
-          </p:cNvPicPr>
-          <p:nvPr/>
-        </p:nvPicPr>
-        <p:blipFill>
-          <a:blip r:embed="rId5">
-            <a:extLst>
-              <a:ext uri="{28A0092B-C50C-407E-A947-70E740481C1C}">
-                <a14:useLocalDpi xmlns:a14="http://schemas.microsoft.com/office/drawing/2010/main" val="0"/>
-              </a:ext>
-            </a:extLst>
-          </a:blip>
-          <a:srcRect/>
-          <a:stretch>
-            <a:fillRect/>
-          </a:stretch>
-        </p:blipFill>
-        <p:spPr bwMode="auto">
-          <a:xfrm>
-            <a:off x="8599" y="3099066"/>
-            <a:ext cx="1359958" cy="1359958"/>
-          </a:xfrm>
-          <a:prstGeom prst="rect">
-            <a:avLst/>
-          </a:prstGeom>
-          <a:noFill/>
-          <a:extLst>
-            <a:ext uri="{909E8E84-426E-40DD-AFC4-6F175D3DCCD1}">
-              <a14:hiddenFill xmlns:a14="http://schemas.microsoft.com/office/drawing/2010/main">
-                <a:solidFill>
-                  <a:srgbClr val="FFFFFF"/>
-                </a:solidFill>
-              </a14:hiddenFill>
-            </a:ext>
-          </a:extLst>
-        </p:spPr>
-      </p:pic>
-      <p:sp>
-        <p:nvSpPr>
-          <p:cNvPr id="4" name="TextBox 3"/>
-          <p:cNvSpPr txBox="1"/>
-          <p:nvPr/>
-        </p:nvSpPr>
-        <p:spPr>
-          <a:xfrm>
-            <a:off x="8599" y="4643690"/>
-            <a:ext cx="1359958" cy="461665"/>
-          </a:xfrm>
-          <a:prstGeom prst="rect">
-            <a:avLst/>
-          </a:prstGeom>
-          <a:noFill/>
-        </p:spPr>
-        <p:txBody>
-          <a:bodyPr wrap="square" rtlCol="0">
-            <a:spAutoFit/>
-          </a:bodyPr>
-          <a:lstStyle/>
-          <a:p>
-            <a:pPr algn="ctr"/>
-            <a:r>
-              <a:rPr lang="en-US" sz="2400" dirty="0" smtClean="0">
-                <a:latin typeface="Verdana" panose="020B0604030504040204" pitchFamily="34" charset="0"/>
-                <a:ea typeface="Verdana" panose="020B0604030504040204" pitchFamily="34" charset="0"/>
-                <a:cs typeface="Verdana" panose="020B0604030504040204" pitchFamily="34" charset="0"/>
-              </a:rPr>
-              <a:t>Python</a:t>
-            </a:r>
-            <a:endParaRPr lang="ru-RU" sz="2400" dirty="0">
-              <a:latin typeface="Verdana" panose="020B0604030504040204" pitchFamily="34" charset="0"/>
-              <a:ea typeface="Verdana" panose="020B0604030504040204" pitchFamily="34" charset="0"/>
-              <a:cs typeface="Verdana" panose="020B0604030504040204" pitchFamily="34" charset="0"/>
-            </a:endParaRPr>
-          </a:p>
-        </p:txBody>
-      </p:sp>
-      <p:sp>
-        <p:nvSpPr>
-          <p:cNvPr id="5" name="TextBox 4"/>
-          <p:cNvSpPr txBox="1"/>
-          <p:nvPr/>
-        </p:nvSpPr>
-        <p:spPr>
-          <a:xfrm>
-            <a:off x="9160933" y="4646046"/>
-            <a:ext cx="2760134" cy="830997"/>
-          </a:xfrm>
-          <a:prstGeom prst="rect">
-            <a:avLst/>
-          </a:prstGeom>
-          <a:noFill/>
-        </p:spPr>
-        <p:txBody>
-          <a:bodyPr wrap="square" rtlCol="0">
-            <a:spAutoFit/>
-          </a:bodyPr>
-          <a:lstStyle/>
-          <a:p>
-            <a:pPr algn="ctr"/>
-            <a:r>
-              <a:rPr lang="en-US" sz="2400" dirty="0">
-                <a:latin typeface="Verdana" panose="020B0604030504040204" pitchFamily="34" charset="0"/>
-                <a:ea typeface="Verdana" panose="020B0604030504040204" pitchFamily="34" charset="0"/>
-                <a:cs typeface="Verdana" panose="020B0604030504040204" pitchFamily="34" charset="0"/>
-              </a:rPr>
-              <a:t>Flask </a:t>
-            </a:r>
-            <a:endParaRPr lang="en-US" sz="2400" dirty="0" smtClean="0">
-              <a:latin typeface="Verdana" panose="020B0604030504040204" pitchFamily="34" charset="0"/>
-              <a:ea typeface="Verdana" panose="020B0604030504040204" pitchFamily="34" charset="0"/>
-              <a:cs typeface="Verdana" panose="020B0604030504040204" pitchFamily="34" charset="0"/>
-            </a:endParaRPr>
-          </a:p>
-          <a:p>
-            <a:pPr algn="ctr"/>
-            <a:r>
-              <a:rPr lang="ru-RU" sz="2400" dirty="0" smtClean="0">
-                <a:latin typeface="Verdana" panose="020B0604030504040204" pitchFamily="34" charset="0"/>
-                <a:ea typeface="Verdana" panose="020B0604030504040204" pitchFamily="34" charset="0"/>
-                <a:cs typeface="Verdana" panose="020B0604030504040204" pitchFamily="34" charset="0"/>
-              </a:rPr>
-              <a:t>и компания</a:t>
-            </a:r>
-            <a:endParaRPr lang="ru-RU" sz="2400" dirty="0">
-              <a:latin typeface="Verdana" panose="020B0604030504040204" pitchFamily="34" charset="0"/>
-              <a:ea typeface="Verdana" panose="020B0604030504040204" pitchFamily="34" charset="0"/>
-              <a:cs typeface="Verdana" panose="020B0604030504040204" pitchFamily="34" charset="0"/>
-            </a:endParaRPr>
-          </a:p>
-        </p:txBody>
-      </p:sp>
-      <p:sp>
-        <p:nvSpPr>
-          <p:cNvPr id="6" name="TextBox 5"/>
-          <p:cNvSpPr txBox="1"/>
-          <p:nvPr/>
-        </p:nvSpPr>
-        <p:spPr>
-          <a:xfrm>
-            <a:off x="4274076" y="5409129"/>
-            <a:ext cx="3108856" cy="461665"/>
-          </a:xfrm>
-          <a:prstGeom prst="rect">
-            <a:avLst/>
-          </a:prstGeom>
-          <a:noFill/>
-        </p:spPr>
-        <p:txBody>
-          <a:bodyPr wrap="square" rtlCol="0">
-            <a:spAutoFit/>
-          </a:bodyPr>
-          <a:lstStyle/>
-          <a:p>
-            <a:pPr algn="ctr"/>
-            <a:r>
-              <a:rPr lang="en-US" sz="2400" dirty="0" err="1" smtClean="0">
-                <a:latin typeface="Verdana" panose="020B0604030504040204" pitchFamily="34" charset="0"/>
-                <a:ea typeface="Verdana" panose="020B0604030504040204" pitchFamily="34" charset="0"/>
-                <a:cs typeface="Verdana" panose="020B0604030504040204" pitchFamily="34" charset="0"/>
-              </a:rPr>
-              <a:t>SQLAlchemy</a:t>
-            </a:r>
-            <a:r>
-              <a:rPr lang="en-US" sz="2400" dirty="0" smtClean="0">
-                <a:latin typeface="Verdana" panose="020B0604030504040204" pitchFamily="34" charset="0"/>
-                <a:ea typeface="Verdana" panose="020B0604030504040204" pitchFamily="34" charset="0"/>
-                <a:cs typeface="Verdana" panose="020B0604030504040204" pitchFamily="34" charset="0"/>
-              </a:rPr>
-              <a:t> </a:t>
-            </a:r>
-            <a:endParaRPr lang="ru-RU" sz="2400" dirty="0"/>
-          </a:p>
-        </p:txBody>
-      </p:sp>
-      <p:sp>
-        <p:nvSpPr>
-          <p:cNvPr id="7" name="TextBox 6"/>
-          <p:cNvSpPr txBox="1"/>
-          <p:nvPr/>
-        </p:nvSpPr>
-        <p:spPr>
-          <a:xfrm>
-            <a:off x="4107785" y="1410758"/>
-            <a:ext cx="3441437" cy="461665"/>
-          </a:xfrm>
-          <a:prstGeom prst="rect">
-            <a:avLst/>
-          </a:prstGeom>
-          <a:noFill/>
-        </p:spPr>
-        <p:txBody>
-          <a:bodyPr wrap="square" rtlCol="0">
-            <a:spAutoFit/>
-          </a:bodyPr>
-          <a:lstStyle/>
-          <a:p>
-            <a:pPr algn="ctr"/>
-            <a:r>
-              <a:rPr lang="en-US" sz="2400" dirty="0">
-                <a:latin typeface="Verdana" panose="020B0604030504040204" pitchFamily="34" charset="0"/>
-                <a:ea typeface="Verdana" panose="020B0604030504040204" pitchFamily="34" charset="0"/>
-                <a:cs typeface="Verdana" panose="020B0604030504040204" pitchFamily="34" charset="0"/>
-              </a:rPr>
-              <a:t>Python Telegram </a:t>
-            </a:r>
-            <a:r>
-              <a:rPr lang="en-US" sz="2400" dirty="0" smtClean="0">
-                <a:latin typeface="Verdana" panose="020B0604030504040204" pitchFamily="34" charset="0"/>
-                <a:ea typeface="Verdana" panose="020B0604030504040204" pitchFamily="34" charset="0"/>
-                <a:cs typeface="Verdana" panose="020B0604030504040204" pitchFamily="34" charset="0"/>
-              </a:rPr>
-              <a:t>Bot</a:t>
-            </a:r>
-            <a:endParaRPr lang="ru-RU" sz="2400" dirty="0">
-              <a:latin typeface="Verdana" panose="020B0604030504040204" pitchFamily="34" charset="0"/>
-              <a:ea typeface="Verdana" panose="020B0604030504040204" pitchFamily="34" charset="0"/>
-              <a:cs typeface="Verdana" panose="020B0604030504040204" pitchFamily="34" charset="0"/>
-            </a:endParaRPr>
-          </a:p>
-        </p:txBody>
-      </p:sp>
     </p:spTree>
     <p:extLst>
       <p:ext uri="{BB962C8B-B14F-4D97-AF65-F5344CB8AC3E}">
-        <p14:creationId xmlns:p14="http://schemas.microsoft.com/office/powerpoint/2010/main" val="1921645391"/>
+        <p14:creationId xmlns:p14="http://schemas.microsoft.com/office/powerpoint/2010/main" val="747950348"/>
       </p:ext>
     </p:extLst>
   </p:cSld>
@@ -4671,7 +4478,7 @@
                   <a:schemeClr val="bg1"/>
                 </a:solidFill>
               </a:rPr>
-              <a:t>Проблема?</a:t>
+              <a:t>Проблема</a:t>
             </a:r>
             <a:endParaRPr lang="ru-RU" sz="7800" dirty="0">
               <a:solidFill>
@@ -4730,6 +4537,243 @@
         </p:nvSpPr>
         <p:spPr>
           <a:xfrm>
+            <a:off x="3477017" y="2844007"/>
+            <a:ext cx="4702972" cy="1325563"/>
+          </a:xfrm>
+        </p:spPr>
+        <p:txBody>
+          <a:bodyPr>
+            <a:normAutofit fontScale="90000"/>
+          </a:bodyPr>
+          <a:lstStyle/>
+          <a:p>
+            <a:r>
+              <a:rPr lang="ru-RU" sz="7800" dirty="0" smtClean="0">
+                <a:solidFill>
+                  <a:srgbClr val="FF5564"/>
+                </a:solidFill>
+              </a:rPr>
+              <a:t>Технологии</a:t>
+            </a:r>
+            <a:endParaRPr lang="ru-RU" sz="7800" dirty="0">
+              <a:solidFill>
+                <a:srgbClr val="FF5564"/>
+              </a:solidFill>
+            </a:endParaRPr>
+          </a:p>
+        </p:txBody>
+      </p:sp>
+      <p:pic>
+        <p:nvPicPr>
+          <p:cNvPr id="2050" name="Picture 2" descr="Agence Expert Python pour FinTech"/>
+          <p:cNvPicPr>
+            <a:picLocks noChangeAspect="1" noChangeArrowheads="1"/>
+          </p:cNvPicPr>
+          <p:nvPr/>
+        </p:nvPicPr>
+        <p:blipFill>
+          <a:blip r:embed="rId2">
+            <a:extLst>
+              <a:ext uri="{28A0092B-C50C-407E-A947-70E740481C1C}">
+                <a14:useLocalDpi xmlns:a14="http://schemas.microsoft.com/office/drawing/2010/main" val="0"/>
+              </a:ext>
+            </a:extLst>
+          </a:blip>
+          <a:srcRect/>
+          <a:stretch>
+            <a:fillRect/>
+          </a:stretch>
+        </p:blipFill>
+        <p:spPr bwMode="auto">
+          <a:xfrm>
+            <a:off x="9675811" y="3111702"/>
+            <a:ext cx="2383367" cy="1334686"/>
+          </a:xfrm>
+          <a:prstGeom prst="rect">
+            <a:avLst/>
+          </a:prstGeom>
+          <a:noFill/>
+          <a:extLst>
+            <a:ext uri="{909E8E84-426E-40DD-AFC4-6F175D3DCCD1}">
+              <a14:hiddenFill xmlns:a14="http://schemas.microsoft.com/office/drawing/2010/main">
+                <a:solidFill>
+                  <a:srgbClr val="FFFFFF"/>
+                </a:solidFill>
+              </a14:hiddenFill>
+            </a:ext>
+          </a:extLst>
+        </p:spPr>
+      </p:pic>
+      <p:pic>
+        <p:nvPicPr>
+          <p:cNvPr id="2052" name="Picture 4" descr="SQLAlchemy · GitHub"/>
+          <p:cNvPicPr>
+            <a:picLocks noChangeAspect="1" noChangeArrowheads="1"/>
+          </p:cNvPicPr>
+          <p:nvPr/>
+        </p:nvPicPr>
+        <p:blipFill rotWithShape="1">
+          <a:blip r:embed="rId3">
+            <a:extLst>
+              <a:ext uri="{28A0092B-C50C-407E-A947-70E740481C1C}">
+                <a14:useLocalDpi xmlns:a14="http://schemas.microsoft.com/office/drawing/2010/main" val="0"/>
+              </a:ext>
+            </a:extLst>
+          </a:blip>
+          <a:srcRect t="30794" b="29207"/>
+          <a:stretch/>
+        </p:blipFill>
+        <p:spPr bwMode="auto">
+          <a:xfrm>
+            <a:off x="4720430" y="5971540"/>
+            <a:ext cx="2216150" cy="886460"/>
+          </a:xfrm>
+          <a:prstGeom prst="rect">
+            <a:avLst/>
+          </a:prstGeom>
+          <a:noFill/>
+          <a:extLst>
+            <a:ext uri="{909E8E84-426E-40DD-AFC4-6F175D3DCCD1}">
+              <a14:hiddenFill xmlns:a14="http://schemas.microsoft.com/office/drawing/2010/main">
+                <a:solidFill>
+                  <a:srgbClr val="FFFFFF"/>
+                </a:solidFill>
+              </a14:hiddenFill>
+            </a:ext>
+          </a:extLst>
+        </p:spPr>
+      </p:pic>
+      <p:pic>
+        <p:nvPicPr>
+          <p:cNvPr id="2056" name="Picture 8" descr="python-telegram-bot · GitHub"/>
+          <p:cNvPicPr>
+            <a:picLocks noChangeAspect="1" noChangeArrowheads="1"/>
+          </p:cNvPicPr>
+          <p:nvPr/>
+        </p:nvPicPr>
+        <p:blipFill>
+          <a:blip r:embed="rId4">
+            <a:extLst>
+              <a:ext uri="{28A0092B-C50C-407E-A947-70E740481C1C}">
+                <a14:useLocalDpi xmlns:a14="http://schemas.microsoft.com/office/drawing/2010/main" val="0"/>
+              </a:ext>
+            </a:extLst>
+          </a:blip>
+          <a:srcRect/>
+          <a:stretch>
+            <a:fillRect/>
+          </a:stretch>
+        </p:blipFill>
+        <p:spPr bwMode="auto">
+          <a:xfrm>
+            <a:off x="5123126" y="0"/>
+            <a:ext cx="1410758" cy="1410758"/>
+          </a:xfrm>
+          <a:prstGeom prst="rect">
+            <a:avLst/>
+          </a:prstGeom>
+          <a:noFill/>
+          <a:extLst>
+            <a:ext uri="{909E8E84-426E-40DD-AFC4-6F175D3DCCD1}">
+              <a14:hiddenFill xmlns:a14="http://schemas.microsoft.com/office/drawing/2010/main">
+                <a:solidFill>
+                  <a:srgbClr val="FFFFFF"/>
+                </a:solidFill>
+              </a14:hiddenFill>
+            </a:ext>
+          </a:extLst>
+        </p:spPr>
+      </p:pic>
+      <p:pic>
+        <p:nvPicPr>
+          <p:cNvPr id="2060" name="Picture 12" descr="SQLAlchemy ORM Tutorial for Python Developers"/>
+          <p:cNvPicPr>
+            <a:picLocks noChangeAspect="1" noChangeArrowheads="1"/>
+          </p:cNvPicPr>
+          <p:nvPr/>
+        </p:nvPicPr>
+        <p:blipFill>
+          <a:blip r:embed="rId5">
+            <a:extLst>
+              <a:ext uri="{28A0092B-C50C-407E-A947-70E740481C1C}">
+                <a14:useLocalDpi xmlns:a14="http://schemas.microsoft.com/office/drawing/2010/main" val="0"/>
+              </a:ext>
+            </a:extLst>
+          </a:blip>
+          <a:srcRect/>
+          <a:stretch>
+            <a:fillRect/>
+          </a:stretch>
+        </p:blipFill>
+        <p:spPr bwMode="auto">
+          <a:xfrm>
+            <a:off x="8599" y="3099066"/>
+            <a:ext cx="1359958" cy="1359958"/>
+          </a:xfrm>
+          <a:prstGeom prst="rect">
+            <a:avLst/>
+          </a:prstGeom>
+          <a:noFill/>
+          <a:extLst>
+            <a:ext uri="{909E8E84-426E-40DD-AFC4-6F175D3DCCD1}">
+              <a14:hiddenFill xmlns:a14="http://schemas.microsoft.com/office/drawing/2010/main">
+                <a:solidFill>
+                  <a:srgbClr val="FFFFFF"/>
+                </a:solidFill>
+              </a14:hiddenFill>
+            </a:ext>
+          </a:extLst>
+        </p:spPr>
+      </p:pic>
+    </p:spTree>
+    <p:extLst>
+      <p:ext uri="{BB962C8B-B14F-4D97-AF65-F5344CB8AC3E}">
+        <p14:creationId xmlns:p14="http://schemas.microsoft.com/office/powerpoint/2010/main" val="2704113546"/>
+      </p:ext>
+    </p:extLst>
+  </p:cSld>
+  <p:clrMapOvr>
+    <a:masterClrMapping/>
+  </p:clrMapOvr>
+  <p:timing>
+    <p:tnLst>
+      <p:par>
+        <p:cTn id="1" dur="indefinite" restart="never" nodeType="tmRoot"/>
+      </p:par>
+    </p:tnLst>
+  </p:timing>
+</p:sld>
+</file>
+
+<file path=ppt/slides/slide21.xml><?xml version="1.0" encoding="utf-8"?>
+<p:sld xmlns:a="http://schemas.openxmlformats.org/drawingml/2006/main" xmlns:r="http://schemas.openxmlformats.org/officeDocument/2006/relationships" xmlns:p="http://schemas.openxmlformats.org/presentationml/2006/main">
+  <p:cSld>
+    <p:spTree>
+      <p:nvGrpSpPr>
+        <p:cNvPr id="1" name=""/>
+        <p:cNvGrpSpPr/>
+        <p:nvPr/>
+      </p:nvGrpSpPr>
+      <p:grpSpPr>
+        <a:xfrm>
+          <a:off x="0" y="0"/>
+          <a:ext cx="0" cy="0"/>
+          <a:chOff x="0" y="0"/>
+          <a:chExt cx="0" cy="0"/>
+        </a:xfrm>
+      </p:grpSpPr>
+      <p:sp>
+        <p:nvSpPr>
+          <p:cNvPr id="2" name="Заголовок 1"/>
+          <p:cNvSpPr>
+            <a:spLocks noGrp="1"/>
+          </p:cNvSpPr>
+          <p:nvPr>
+            <p:ph type="title"/>
+          </p:nvPr>
+        </p:nvSpPr>
+        <p:spPr>
+          <a:xfrm>
             <a:off x="0" y="0"/>
             <a:ext cx="12191999" cy="6858000"/>
           </a:xfrm>
@@ -4801,7 +4845,7 @@
 </p:sld>
 </file>
 
-<file path=ppt/slides/slide21.xml><?xml version="1.0" encoding="utf-8"?>
+<file path=ppt/slides/slide22.xml><?xml version="1.0" encoding="utf-8"?>
 <p:sld xmlns:a="http://schemas.openxmlformats.org/drawingml/2006/main" xmlns:r="http://schemas.openxmlformats.org/officeDocument/2006/relationships" xmlns:p="http://schemas.openxmlformats.org/presentationml/2006/main">
   <p:cSld>
     <p:bg>
@@ -4867,80 +4911,6 @@
     <p:extLst>
       <p:ext uri="{BB962C8B-B14F-4D97-AF65-F5344CB8AC3E}">
         <p14:creationId xmlns:p14="http://schemas.microsoft.com/office/powerpoint/2010/main" val="2482471522"/>
-      </p:ext>
-    </p:extLst>
-  </p:cSld>
-  <p:clrMapOvr>
-    <a:masterClrMapping/>
-  </p:clrMapOvr>
-  <p:timing>
-    <p:tnLst>
-      <p:par>
-        <p:cTn id="1" dur="indefinite" restart="never" nodeType="tmRoot"/>
-      </p:par>
-    </p:tnLst>
-  </p:timing>
-</p:sld>
-</file>
-
-<file path=ppt/slides/slide22.xml><?xml version="1.0" encoding="utf-8"?>
-<p:sld xmlns:a="http://schemas.openxmlformats.org/drawingml/2006/main" xmlns:r="http://schemas.openxmlformats.org/officeDocument/2006/relationships" xmlns:p="http://schemas.openxmlformats.org/presentationml/2006/main">
-  <p:cSld>
-    <p:spTree>
-      <p:nvGrpSpPr>
-        <p:cNvPr id="1" name=""/>
-        <p:cNvGrpSpPr/>
-        <p:nvPr/>
-      </p:nvGrpSpPr>
-      <p:grpSpPr>
-        <a:xfrm>
-          <a:off x="0" y="0"/>
-          <a:ext cx="0" cy="0"/>
-          <a:chOff x="0" y="0"/>
-          <a:chExt cx="0" cy="0"/>
-        </a:xfrm>
-      </p:grpSpPr>
-      <p:sp>
-        <p:nvSpPr>
-          <p:cNvPr id="2" name="Заголовок 1"/>
-          <p:cNvSpPr>
-            <a:spLocks noGrp="1"/>
-          </p:cNvSpPr>
-          <p:nvPr>
-            <p:ph type="title"/>
-          </p:nvPr>
-        </p:nvSpPr>
-        <p:spPr>
-          <a:xfrm>
-            <a:off x="0" y="1"/>
-            <a:ext cx="12192000" cy="6858000"/>
-          </a:xfrm>
-        </p:spPr>
-        <p:txBody>
-          <a:bodyPr/>
-          <a:lstStyle/>
-          <a:p>
-            <a:pPr algn="ctr"/>
-            <a:r>
-              <a:rPr lang="ru-RU" sz="7800" dirty="0" smtClean="0">
-                <a:solidFill>
-                  <a:srgbClr val="FF5564"/>
-                </a:solidFill>
-              </a:rPr>
-              <a:t>Идея работает.</a:t>
-            </a:r>
-            <a:endParaRPr lang="ru-RU" sz="7800" dirty="0">
-              <a:solidFill>
-                <a:srgbClr val="FF5564"/>
-              </a:solidFill>
-            </a:endParaRPr>
-          </a:p>
-        </p:txBody>
-      </p:sp>
-    </p:spTree>
-    <p:extLst>
-      <p:ext uri="{BB962C8B-B14F-4D97-AF65-F5344CB8AC3E}">
-        <p14:creationId xmlns:p14="http://schemas.microsoft.com/office/powerpoint/2010/main" val="1375063220"/>
       </p:ext>
     </p:extLst>
   </p:cSld>
@@ -5001,6 +4971,80 @@
                   <a:srgbClr val="FF5564"/>
                 </a:solidFill>
               </a:rPr>
+              <a:t>Идея работает.</a:t>
+            </a:r>
+            <a:endParaRPr lang="ru-RU" sz="7800" dirty="0">
+              <a:solidFill>
+                <a:srgbClr val="FF5564"/>
+              </a:solidFill>
+            </a:endParaRPr>
+          </a:p>
+        </p:txBody>
+      </p:sp>
+    </p:spTree>
+    <p:extLst>
+      <p:ext uri="{BB962C8B-B14F-4D97-AF65-F5344CB8AC3E}">
+        <p14:creationId xmlns:p14="http://schemas.microsoft.com/office/powerpoint/2010/main" val="1375063220"/>
+      </p:ext>
+    </p:extLst>
+  </p:cSld>
+  <p:clrMapOvr>
+    <a:masterClrMapping/>
+  </p:clrMapOvr>
+  <p:timing>
+    <p:tnLst>
+      <p:par>
+        <p:cTn id="1" dur="indefinite" restart="never" nodeType="tmRoot"/>
+      </p:par>
+    </p:tnLst>
+  </p:timing>
+</p:sld>
+</file>
+
+<file path=ppt/slides/slide24.xml><?xml version="1.0" encoding="utf-8"?>
+<p:sld xmlns:a="http://schemas.openxmlformats.org/drawingml/2006/main" xmlns:r="http://schemas.openxmlformats.org/officeDocument/2006/relationships" xmlns:p="http://schemas.openxmlformats.org/presentationml/2006/main">
+  <p:cSld>
+    <p:spTree>
+      <p:nvGrpSpPr>
+        <p:cNvPr id="1" name=""/>
+        <p:cNvGrpSpPr/>
+        <p:nvPr/>
+      </p:nvGrpSpPr>
+      <p:grpSpPr>
+        <a:xfrm>
+          <a:off x="0" y="0"/>
+          <a:ext cx="0" cy="0"/>
+          <a:chOff x="0" y="0"/>
+          <a:chExt cx="0" cy="0"/>
+        </a:xfrm>
+      </p:grpSpPr>
+      <p:sp>
+        <p:nvSpPr>
+          <p:cNvPr id="2" name="Заголовок 1"/>
+          <p:cNvSpPr>
+            <a:spLocks noGrp="1"/>
+          </p:cNvSpPr>
+          <p:nvPr>
+            <p:ph type="title"/>
+          </p:nvPr>
+        </p:nvSpPr>
+        <p:spPr>
+          <a:xfrm>
+            <a:off x="0" y="1"/>
+            <a:ext cx="12192000" cy="6858000"/>
+          </a:xfrm>
+        </p:spPr>
+        <p:txBody>
+          <a:bodyPr/>
+          <a:lstStyle/>
+          <a:p>
+            <a:pPr algn="ctr"/>
+            <a:r>
+              <a:rPr lang="ru-RU" sz="7800" dirty="0" smtClean="0">
+                <a:solidFill>
+                  <a:srgbClr val="FF5564"/>
+                </a:solidFill>
+              </a:rPr>
               <a:t>Получилось классно.</a:t>
             </a:r>
             <a:endParaRPr lang="ru-RU" sz="7800" dirty="0">
@@ -5031,7 +5075,7 @@
 </p:sld>
 </file>
 
-<file path=ppt/slides/slide24.xml><?xml version="1.0" encoding="utf-8"?>
+<file path=ppt/slides/slide25.xml><?xml version="1.0" encoding="utf-8"?>
 <p:sld xmlns:a="http://schemas.openxmlformats.org/drawingml/2006/main" xmlns:r="http://schemas.openxmlformats.org/officeDocument/2006/relationships" xmlns:p="http://schemas.openxmlformats.org/presentationml/2006/main">
   <p:cSld>
     <p:bg>
@@ -5097,172 +5141,6 @@
     <p:extLst>
       <p:ext uri="{BB962C8B-B14F-4D97-AF65-F5344CB8AC3E}">
         <p14:creationId xmlns:p14="http://schemas.microsoft.com/office/powerpoint/2010/main" val="300075174"/>
-      </p:ext>
-    </p:extLst>
-  </p:cSld>
-  <p:clrMapOvr>
-    <a:masterClrMapping/>
-  </p:clrMapOvr>
-  <p:timing>
-    <p:tnLst>
-      <p:par>
-        <p:cTn id="1" dur="indefinite" restart="never" nodeType="tmRoot"/>
-      </p:par>
-    </p:tnLst>
-  </p:timing>
-</p:sld>
-</file>
-
-<file path=ppt/slides/slide25.xml><?xml version="1.0" encoding="utf-8"?>
-<p:sld xmlns:a="http://schemas.openxmlformats.org/drawingml/2006/main" xmlns:r="http://schemas.openxmlformats.org/officeDocument/2006/relationships" xmlns:p="http://schemas.openxmlformats.org/presentationml/2006/main">
-  <p:cSld>
-    <p:spTree>
-      <p:nvGrpSpPr>
-        <p:cNvPr id="1" name=""/>
-        <p:cNvGrpSpPr/>
-        <p:nvPr/>
-      </p:nvGrpSpPr>
-      <p:grpSpPr>
-        <a:xfrm>
-          <a:off x="0" y="0"/>
-          <a:ext cx="0" cy="0"/>
-          <a:chOff x="0" y="0"/>
-          <a:chExt cx="0" cy="0"/>
-        </a:xfrm>
-      </p:grpSpPr>
-      <p:sp>
-        <p:nvSpPr>
-          <p:cNvPr id="2" name="Заголовок 1"/>
-          <p:cNvSpPr>
-            <a:spLocks noGrp="1"/>
-          </p:cNvSpPr>
-          <p:nvPr>
-            <p:ph type="title"/>
-          </p:nvPr>
-        </p:nvSpPr>
-        <p:spPr>
-          <a:xfrm>
-            <a:off x="838200" y="365125"/>
-            <a:ext cx="10515600" cy="2096064"/>
-          </a:xfrm>
-        </p:spPr>
-        <p:txBody>
-          <a:bodyPr>
-            <a:normAutofit fontScale="90000"/>
-          </a:bodyPr>
-          <a:lstStyle/>
-          <a:p>
-            <a:pPr algn="ctr"/>
-            <a:r>
-              <a:rPr lang="ru-RU" sz="7800" dirty="0" smtClean="0"/>
-              <a:t>Развитие</a:t>
-            </a:r>
-            <a:r>
-              <a:rPr lang="ru-RU" sz="7800" dirty="0" smtClean="0"/>
-              <a:t> режима </a:t>
-            </a:r>
-            <a:r>
-              <a:rPr lang="ru-RU" sz="7800" dirty="0" smtClean="0">
-                <a:solidFill>
-                  <a:srgbClr val="FF5564"/>
-                </a:solidFill>
-              </a:rPr>
-              <a:t/>
-            </a:r>
-            <a:br>
-              <a:rPr lang="ru-RU" sz="7800" dirty="0" smtClean="0">
-                <a:solidFill>
-                  <a:srgbClr val="FF5564"/>
-                </a:solidFill>
-              </a:rPr>
-            </a:br>
-            <a:r>
-              <a:rPr lang="ru-RU" sz="7800" dirty="0" smtClean="0">
-                <a:solidFill>
-                  <a:srgbClr val="FF5564"/>
-                </a:solidFill>
-              </a:rPr>
-              <a:t>тренировки</a:t>
-            </a:r>
-            <a:endParaRPr lang="ru-RU" sz="7800" dirty="0">
-              <a:solidFill>
-                <a:srgbClr val="FF5564"/>
-              </a:solidFill>
-            </a:endParaRPr>
-          </a:p>
-        </p:txBody>
-      </p:sp>
-      <p:sp>
-        <p:nvSpPr>
-          <p:cNvPr id="5" name="Объект 4"/>
-          <p:cNvSpPr>
-            <a:spLocks noGrp="1"/>
-          </p:cNvSpPr>
-          <p:nvPr>
-            <p:ph idx="1"/>
-          </p:nvPr>
-        </p:nvSpPr>
-        <p:spPr>
-          <a:xfrm>
-            <a:off x="838200" y="2709017"/>
-            <a:ext cx="10515600" cy="3467946"/>
-          </a:xfrm>
-        </p:spPr>
-        <p:txBody>
-          <a:bodyPr/>
-          <a:lstStyle/>
-          <a:p>
-            <a:pPr marL="0" indent="0">
-              <a:buNone/>
-            </a:pPr>
-            <a:r>
-              <a:rPr lang="ru-RU" sz="5600" dirty="0" smtClean="0"/>
-              <a:t>Например:</a:t>
-            </a:r>
-          </a:p>
-          <a:p>
-            <a:pPr marL="0" indent="0">
-              <a:buNone/>
-            </a:pPr>
-            <a:endParaRPr lang="ru-RU" sz="4000" dirty="0" smtClean="0"/>
-          </a:p>
-          <a:p>
-            <a:r>
-              <a:rPr lang="ru-RU" sz="3500" b="1" dirty="0" smtClean="0"/>
-              <a:t>Сценарии и планы подготовки</a:t>
-            </a:r>
-          </a:p>
-          <a:p>
-            <a:pPr lvl="1">
-              <a:buFont typeface="Wingdings" panose="05000000000000000000" pitchFamily="2" charset="2"/>
-              <a:buChar char="Ø"/>
-            </a:pPr>
-            <a:r>
-              <a:rPr lang="ru-RU" sz="3100" dirty="0" smtClean="0"/>
-              <a:t>Даты </a:t>
-            </a:r>
-            <a:r>
-              <a:rPr lang="ru-RU" sz="2000" dirty="0" smtClean="0"/>
-              <a:t>(подготовиться до …)</a:t>
-            </a:r>
-          </a:p>
-          <a:p>
-            <a:pPr lvl="1">
-              <a:buFont typeface="Wingdings" panose="05000000000000000000" pitchFamily="2" charset="2"/>
-              <a:buChar char="Ø"/>
-            </a:pPr>
-            <a:r>
-              <a:rPr lang="ru-RU" sz="3100" dirty="0" smtClean="0"/>
-              <a:t>Напоминания</a:t>
-            </a:r>
-            <a:endParaRPr lang="ru-RU" sz="3100" dirty="0"/>
-          </a:p>
-        </p:txBody>
-      </p:sp>
-    </p:spTree>
-    <p:extLst>
-      <p:ext uri="{BB962C8B-B14F-4D97-AF65-F5344CB8AC3E}">
-        <p14:creationId xmlns:p14="http://schemas.microsoft.com/office/powerpoint/2010/main" val="2365455938"/>
       </p:ext>
     </p:extLst>
   </p:cSld>
@@ -5321,11 +5199,7 @@
             <a:pPr algn="ctr"/>
             <a:r>
               <a:rPr lang="ru-RU" sz="7800" dirty="0" smtClean="0"/>
-              <a:t>Развитие</a:t>
-            </a:r>
-            <a:r>
-              <a:rPr lang="ru-RU" sz="7800" dirty="0" smtClean="0"/>
-              <a:t> режима </a:t>
+              <a:t>Развитие режима </a:t>
             </a:r>
             <a:r>
               <a:rPr lang="ru-RU" sz="7800" dirty="0" smtClean="0">
@@ -5395,7 +5269,7 @@
           <a:p>
             <a:r>
               <a:rPr lang="ru-RU" sz="3500" b="1" dirty="0" smtClean="0"/>
-              <a:t>Подсказки</a:t>
+              <a:t>Сценарии и планы подготовки</a:t>
             </a:r>
           </a:p>
           <a:p>
@@ -5405,7 +5279,11 @@
             </a:pPr>
             <a:r>
               <a:rPr lang="ru-RU" sz="3100" dirty="0" smtClean="0"/>
-              <a:t>Указать пользователю правильный ответ, но</a:t>
+              <a:t>Даты </a:t>
+            </a:r>
+            <a:r>
+              <a:rPr lang="ru-RU" sz="2000" dirty="0" smtClean="0"/>
+              <a:t>(подготовиться до …)</a:t>
             </a:r>
           </a:p>
           <a:p>
@@ -5415,19 +5293,16 @@
             </a:pPr>
             <a:r>
               <a:rPr lang="ru-RU" sz="3100" dirty="0" smtClean="0"/>
-              <a:t>Штрафовать за использование </a:t>
-            </a:r>
-            <a:r>
-              <a:rPr lang="ru-RU" sz="1800" dirty="0" smtClean="0"/>
-              <a:t>(чаще выдавать ему этот вопрос)</a:t>
-            </a:r>
+              <a:t>Напоминания</a:t>
+            </a:r>
+            <a:endParaRPr lang="ru-RU" sz="3100" dirty="0"/>
           </a:p>
         </p:txBody>
       </p:sp>
     </p:spTree>
     <p:extLst>
       <p:ext uri="{BB962C8B-B14F-4D97-AF65-F5344CB8AC3E}">
-        <p14:creationId xmlns:p14="http://schemas.microsoft.com/office/powerpoint/2010/main" val="3424633192"/>
+        <p14:creationId xmlns:p14="http://schemas.microsoft.com/office/powerpoint/2010/main" val="2365455938"/>
       </p:ext>
     </p:extLst>
   </p:cSld>
@@ -5486,11 +5361,7 @@
             <a:pPr algn="ctr"/>
             <a:r>
               <a:rPr lang="ru-RU" sz="7800" dirty="0" smtClean="0"/>
-              <a:t>Развитие</a:t>
-            </a:r>
-            <a:r>
-              <a:rPr lang="ru-RU" sz="7800" dirty="0" smtClean="0"/>
-              <a:t> режима </a:t>
+              <a:t>Развитие режима </a:t>
             </a:r>
             <a:r>
               <a:rPr lang="ru-RU" sz="7800" dirty="0" smtClean="0">
@@ -5540,9 +5411,7 @@
           </a:xfrm>
         </p:spPr>
         <p:txBody>
-          <a:bodyPr>
-            <a:normAutofit/>
-          </a:bodyPr>
+          <a:bodyPr/>
           <a:lstStyle/>
           <a:p>
             <a:pPr marL="0" indent="0">
@@ -5562,7 +5431,7 @@
           <a:p>
             <a:r>
               <a:rPr lang="ru-RU" sz="3500" b="1" dirty="0" smtClean="0"/>
-              <a:t>Пользовательская настройка</a:t>
+              <a:t>Подсказки</a:t>
             </a:r>
           </a:p>
           <a:p>
@@ -5572,7 +5441,7 @@
             </a:pPr>
             <a:r>
               <a:rPr lang="ru-RU" sz="3100" dirty="0" smtClean="0"/>
-              <a:t>Факторы, влияющие на порядок вопросов</a:t>
+              <a:t>Указать пользователю правильный ответ, но</a:t>
             </a:r>
           </a:p>
           <a:p>
@@ -5582,6 +5451,169 @@
             </a:pPr>
             <a:r>
               <a:rPr lang="ru-RU" sz="3100" dirty="0" smtClean="0"/>
+              <a:t>Штрафовать за использование </a:t>
+            </a:r>
+            <a:r>
+              <a:rPr lang="ru-RU" sz="1800" dirty="0" smtClean="0"/>
+              <a:t>(чаще выдавать ему этот вопрос)</a:t>
+            </a:r>
+          </a:p>
+        </p:txBody>
+      </p:sp>
+    </p:spTree>
+    <p:extLst>
+      <p:ext uri="{BB962C8B-B14F-4D97-AF65-F5344CB8AC3E}">
+        <p14:creationId xmlns:p14="http://schemas.microsoft.com/office/powerpoint/2010/main" val="3424633192"/>
+      </p:ext>
+    </p:extLst>
+  </p:cSld>
+  <p:clrMapOvr>
+    <a:masterClrMapping/>
+  </p:clrMapOvr>
+  <p:timing>
+    <p:tnLst>
+      <p:par>
+        <p:cTn id="1" dur="indefinite" restart="never" nodeType="tmRoot"/>
+      </p:par>
+    </p:tnLst>
+  </p:timing>
+</p:sld>
+</file>
+
+<file path=ppt/slides/slide28.xml><?xml version="1.0" encoding="utf-8"?>
+<p:sld xmlns:a="http://schemas.openxmlformats.org/drawingml/2006/main" xmlns:r="http://schemas.openxmlformats.org/officeDocument/2006/relationships" xmlns:p="http://schemas.openxmlformats.org/presentationml/2006/main">
+  <p:cSld>
+    <p:spTree>
+      <p:nvGrpSpPr>
+        <p:cNvPr id="1" name=""/>
+        <p:cNvGrpSpPr/>
+        <p:nvPr/>
+      </p:nvGrpSpPr>
+      <p:grpSpPr>
+        <a:xfrm>
+          <a:off x="0" y="0"/>
+          <a:ext cx="0" cy="0"/>
+          <a:chOff x="0" y="0"/>
+          <a:chExt cx="0" cy="0"/>
+        </a:xfrm>
+      </p:grpSpPr>
+      <p:sp>
+        <p:nvSpPr>
+          <p:cNvPr id="2" name="Заголовок 1"/>
+          <p:cNvSpPr>
+            <a:spLocks noGrp="1"/>
+          </p:cNvSpPr>
+          <p:nvPr>
+            <p:ph type="title"/>
+          </p:nvPr>
+        </p:nvSpPr>
+        <p:spPr>
+          <a:xfrm>
+            <a:off x="838200" y="365125"/>
+            <a:ext cx="10515600" cy="2096064"/>
+          </a:xfrm>
+        </p:spPr>
+        <p:txBody>
+          <a:bodyPr>
+            <a:normAutofit fontScale="90000"/>
+          </a:bodyPr>
+          <a:lstStyle/>
+          <a:p>
+            <a:pPr algn="ctr"/>
+            <a:r>
+              <a:rPr lang="ru-RU" sz="7800" dirty="0" smtClean="0"/>
+              <a:t>Развитие режима </a:t>
+            </a:r>
+            <a:r>
+              <a:rPr lang="ru-RU" sz="7800" dirty="0" smtClean="0">
+                <a:solidFill>
+                  <a:srgbClr val="FF5564"/>
+                </a:solidFill>
+              </a:rPr>
+              <a:t/>
+            </a:r>
+            <a:br>
+              <a:rPr lang="ru-RU" sz="7800" dirty="0" smtClean="0">
+                <a:solidFill>
+                  <a:srgbClr val="FF5564"/>
+                </a:solidFill>
+              </a:rPr>
+            </a:br>
+            <a:r>
+              <a:rPr lang="ru-RU" sz="7800" dirty="0" smtClean="0">
+                <a:solidFill>
+                  <a:srgbClr val="FF5564"/>
+                </a:solidFill>
+              </a:rPr>
+              <a:t>тренировки</a:t>
+            </a:r>
+            <a:endParaRPr lang="ru-RU" sz="7800" dirty="0">
+              <a:solidFill>
+                <a:srgbClr val="FF5564"/>
+              </a:solidFill>
+            </a:endParaRPr>
+          </a:p>
+        </p:txBody>
+      </p:sp>
+      <p:sp>
+        <p:nvSpPr>
+          <p:cNvPr id="5" name="Объект 4"/>
+          <p:cNvSpPr>
+            <a:spLocks noGrp="1"/>
+          </p:cNvSpPr>
+          <p:nvPr>
+            <p:ph idx="1"/>
+          </p:nvPr>
+        </p:nvSpPr>
+        <p:spPr>
+          <a:xfrm>
+            <a:off x="838200" y="2709017"/>
+            <a:ext cx="10515600" cy="3467946"/>
+          </a:xfrm>
+        </p:spPr>
+        <p:txBody>
+          <a:bodyPr>
+            <a:normAutofit/>
+          </a:bodyPr>
+          <a:lstStyle/>
+          <a:p>
+            <a:pPr marL="0" indent="0">
+              <a:buNone/>
+            </a:pPr>
+            <a:r>
+              <a:rPr lang="ru-RU" sz="5600" dirty="0" smtClean="0"/>
+              <a:t>Например:</a:t>
+            </a:r>
+          </a:p>
+          <a:p>
+            <a:pPr marL="0" indent="0">
+              <a:buNone/>
+            </a:pPr>
+            <a:endParaRPr lang="ru-RU" sz="4000" dirty="0" smtClean="0"/>
+          </a:p>
+          <a:p>
+            <a:r>
+              <a:rPr lang="ru-RU" sz="3500" b="1" dirty="0" smtClean="0"/>
+              <a:t>Пользовательская настройка</a:t>
+            </a:r>
+          </a:p>
+          <a:p>
+            <a:pPr lvl="1">
+              <a:buFont typeface="Wingdings" panose="05000000000000000000" pitchFamily="2" charset="2"/>
+              <a:buChar char="Ø"/>
+            </a:pPr>
+            <a:r>
+              <a:rPr lang="ru-RU" sz="3100" dirty="0" smtClean="0"/>
+              <a:t>Факторы, влияющие на порядок вопросов</a:t>
+            </a:r>
+          </a:p>
+          <a:p>
+            <a:pPr lvl="1">
+              <a:buFont typeface="Wingdings" panose="05000000000000000000" pitchFamily="2" charset="2"/>
+              <a:buChar char="Ø"/>
+            </a:pPr>
+            <a:r>
+              <a:rPr lang="ru-RU" sz="3100" dirty="0" smtClean="0"/>
               <a:t>Количество повторений</a:t>
             </a:r>
           </a:p>
@@ -5591,6 +5623,111 @@
     <p:extLst>
       <p:ext uri="{BB962C8B-B14F-4D97-AF65-F5344CB8AC3E}">
         <p14:creationId xmlns:p14="http://schemas.microsoft.com/office/powerpoint/2010/main" val="1482416149"/>
+      </p:ext>
+    </p:extLst>
+  </p:cSld>
+  <p:clrMapOvr>
+    <a:masterClrMapping/>
+  </p:clrMapOvr>
+  <p:timing>
+    <p:tnLst>
+      <p:par>
+        <p:cTn id="1" dur="indefinite" restart="never" nodeType="tmRoot"/>
+      </p:par>
+    </p:tnLst>
+  </p:timing>
+</p:sld>
+</file>
+
+<file path=ppt/slides/slide29.xml><?xml version="1.0" encoding="utf-8"?>
+<p:sld xmlns:a="http://schemas.openxmlformats.org/drawingml/2006/main" xmlns:r="http://schemas.openxmlformats.org/officeDocument/2006/relationships" xmlns:p="http://schemas.openxmlformats.org/presentationml/2006/main">
+  <p:cSld>
+    <p:bg>
+      <p:bgPr>
+        <a:solidFill>
+          <a:schemeClr val="tx1"/>
+        </a:solidFill>
+        <a:effectLst/>
+      </p:bgPr>
+    </p:bg>
+    <p:spTree>
+      <p:nvGrpSpPr>
+        <p:cNvPr id="1" name=""/>
+        <p:cNvGrpSpPr/>
+        <p:nvPr/>
+      </p:nvGrpSpPr>
+      <p:grpSpPr>
+        <a:xfrm>
+          <a:off x="0" y="0"/>
+          <a:ext cx="0" cy="0"/>
+          <a:chOff x="0" y="0"/>
+          <a:chExt cx="0" cy="0"/>
+        </a:xfrm>
+      </p:grpSpPr>
+      <p:sp>
+        <p:nvSpPr>
+          <p:cNvPr id="2" name="Заголовок 1"/>
+          <p:cNvSpPr>
+            <a:spLocks noGrp="1"/>
+          </p:cNvSpPr>
+          <p:nvPr>
+            <p:ph type="title"/>
+          </p:nvPr>
+        </p:nvSpPr>
+        <p:spPr>
+          <a:xfrm>
+            <a:off x="0" y="1"/>
+            <a:ext cx="12192000" cy="6858000"/>
+          </a:xfrm>
+        </p:spPr>
+        <p:txBody>
+          <a:bodyPr/>
+          <a:lstStyle/>
+          <a:p>
+            <a:pPr algn="ctr"/>
+            <a:r>
+              <a:rPr lang="ru-RU" sz="5600" dirty="0" smtClean="0">
+                <a:solidFill>
+                  <a:schemeClr val="bg1"/>
+                </a:solidFill>
+              </a:rPr>
+              <a:t>А теперь – </a:t>
+            </a:r>
+            <a:r>
+              <a:rPr lang="ru-RU" sz="7800" dirty="0" smtClean="0">
+                <a:solidFill>
+                  <a:schemeClr val="bg1"/>
+                </a:solidFill>
+              </a:rPr>
+              <a:t/>
+            </a:r>
+            <a:br>
+              <a:rPr lang="ru-RU" sz="7800" dirty="0" smtClean="0">
+                <a:solidFill>
+                  <a:schemeClr val="bg1"/>
+                </a:solidFill>
+              </a:rPr>
+            </a:br>
+            <a:r>
+              <a:rPr lang="ru-RU" sz="7800" b="1" dirty="0" smtClean="0">
+                <a:solidFill>
+                  <a:srgbClr val="FF5564"/>
+                </a:solidFill>
+              </a:rPr>
+              <a:t>демонстрация</a:t>
+            </a:r>
+            <a:endParaRPr lang="ru-RU" sz="7800" b="1" dirty="0">
+              <a:solidFill>
+                <a:srgbClr val="FF5564"/>
+              </a:solidFill>
+            </a:endParaRPr>
+          </a:p>
+        </p:txBody>
+      </p:sp>
+    </p:spTree>
+    <p:extLst>
+      <p:ext uri="{BB962C8B-B14F-4D97-AF65-F5344CB8AC3E}">
+        <p14:creationId xmlns:p14="http://schemas.microsoft.com/office/powerpoint/2010/main" val="2657098114"/>
       </p:ext>
     </p:extLst>
   </p:cSld>
@@ -5806,7 +5943,7 @@
                   <a:schemeClr val="bg1"/>
                 </a:solidFill>
               </a:rPr>
-              <a:t>Решение?</a:t>
+              <a:t>Решение</a:t>
             </a:r>
             <a:endParaRPr lang="ru-RU" sz="7800" dirty="0">
               <a:solidFill>
@@ -6040,11 +6177,7 @@
             </a:pPr>
             <a:r>
               <a:rPr lang="ru-RU" sz="4000" dirty="0" smtClean="0"/>
-              <a:t>Идея </a:t>
-            </a:r>
-            <a:r>
-              <a:rPr lang="ru-RU" sz="4000" dirty="0" smtClean="0"/>
-              <a:t>– </a:t>
+              <a:t>Идея – </a:t>
             </a:r>
             <a:r>
               <a:rPr lang="ru-RU" sz="4000" b="1" dirty="0" smtClean="0"/>

--- a/presentation.pptx
+++ b/presentation.pptx
@@ -26,14 +26,11 @@
     <p:sldId id="287" r:id="rId20"/>
     <p:sldId id="288" r:id="rId21"/>
     <p:sldId id="269" r:id="rId22"/>
-    <p:sldId id="261" r:id="rId23"/>
-    <p:sldId id="262" r:id="rId24"/>
-    <p:sldId id="276" r:id="rId25"/>
-    <p:sldId id="267" r:id="rId26"/>
-    <p:sldId id="281" r:id="rId27"/>
-    <p:sldId id="282" r:id="rId28"/>
-    <p:sldId id="283" r:id="rId29"/>
-    <p:sldId id="289" r:id="rId30"/>
+    <p:sldId id="267" r:id="rId23"/>
+    <p:sldId id="281" r:id="rId24"/>
+    <p:sldId id="282" r:id="rId25"/>
+    <p:sldId id="283" r:id="rId26"/>
+    <p:sldId id="289" r:id="rId27"/>
   </p:sldIdLst>
   <p:sldSz cx="12192000" cy="6858000"/>
   <p:notesSz cx="6858000" cy="9144000"/>
@@ -4897,7 +4894,7 @@
                   <a:schemeClr val="bg1"/>
                 </a:solidFill>
               </a:rPr>
-              <a:t>Выводы</a:t>
+              <a:t>Что дальше?</a:t>
             </a:r>
             <a:endParaRPr lang="ru-RU" sz="7800" dirty="0">
               <a:solidFill>
@@ -4910,7 +4907,7 @@
     </p:spTree>
     <p:extLst>
       <p:ext uri="{BB962C8B-B14F-4D97-AF65-F5344CB8AC3E}">
-        <p14:creationId xmlns:p14="http://schemas.microsoft.com/office/powerpoint/2010/main" val="2482471522"/>
+        <p14:creationId xmlns:p14="http://schemas.microsoft.com/office/powerpoint/2010/main" val="300075174"/>
       </p:ext>
     </p:extLst>
   </p:cSld>
@@ -4956,22 +4953,43 @@
         </p:nvSpPr>
         <p:spPr>
           <a:xfrm>
-            <a:off x="0" y="1"/>
-            <a:ext cx="12192000" cy="6858000"/>
-          </a:xfrm>
-        </p:spPr>
-        <p:txBody>
-          <a:bodyPr/>
+            <a:off x="838200" y="365125"/>
+            <a:ext cx="10515600" cy="2096064"/>
+          </a:xfrm>
+        </p:spPr>
+        <p:txBody>
+          <a:bodyPr>
+            <a:normAutofit fontScale="90000"/>
+          </a:bodyPr>
           <a:lstStyle/>
           <a:p>
             <a:pPr algn="ctr"/>
             <a:r>
+              <a:rPr lang="ru-RU" sz="7800" dirty="0" smtClean="0"/>
+              <a:t>Развитие режима </a:t>
+            </a:r>
+            <a:r>
               <a:rPr lang="ru-RU" sz="7800" dirty="0" smtClean="0">
                 <a:solidFill>
                   <a:srgbClr val="FF5564"/>
                 </a:solidFill>
               </a:rPr>
-              <a:t>Идея работает.</a:t>
+              <a:t/>
+            </a:r>
+            <a:br>
+              <a:rPr lang="ru-RU" sz="7800" dirty="0" smtClean="0">
+                <a:solidFill>
+                  <a:srgbClr val="FF5564"/>
+                </a:solidFill>
+              </a:rPr>
+            </a:br>
+            <a:r>
+              <a:rPr lang="ru-RU" sz="7800" dirty="0" smtClean="0">
+                <a:solidFill>
+                  <a:srgbClr val="FF5564"/>
+                </a:solidFill>
+              </a:rPr>
+              <a:t>тренировки</a:t>
             </a:r>
             <a:endParaRPr lang="ru-RU" sz="7800" dirty="0">
               <a:solidFill>
@@ -4981,10 +4999,77 @@
           </a:p>
         </p:txBody>
       </p:sp>
+      <p:sp>
+        <p:nvSpPr>
+          <p:cNvPr id="5" name="Объект 4"/>
+          <p:cNvSpPr>
+            <a:spLocks noGrp="1"/>
+          </p:cNvSpPr>
+          <p:nvPr>
+            <p:ph idx="1"/>
+          </p:nvPr>
+        </p:nvSpPr>
+        <p:spPr>
+          <a:xfrm>
+            <a:off x="838200" y="2709017"/>
+            <a:ext cx="10515600" cy="3467946"/>
+          </a:xfrm>
+        </p:spPr>
+        <p:txBody>
+          <a:bodyPr/>
+          <a:lstStyle/>
+          <a:p>
+            <a:pPr marL="0" indent="0">
+              <a:buNone/>
+            </a:pPr>
+            <a:r>
+              <a:rPr lang="ru-RU" sz="5600" dirty="0" smtClean="0"/>
+              <a:t>Например:</a:t>
+            </a:r>
+          </a:p>
+          <a:p>
+            <a:pPr marL="0" indent="0">
+              <a:buNone/>
+            </a:pPr>
+            <a:endParaRPr lang="ru-RU" sz="4000" dirty="0" smtClean="0"/>
+          </a:p>
+          <a:p>
+            <a:r>
+              <a:rPr lang="ru-RU" sz="3500" b="1" dirty="0" smtClean="0"/>
+              <a:t>Сценарии и планы подготовки</a:t>
+            </a:r>
+          </a:p>
+          <a:p>
+            <a:pPr lvl="1">
+              <a:buFont typeface="Wingdings" panose="05000000000000000000" pitchFamily="2" charset="2"/>
+              <a:buChar char="Ø"/>
+            </a:pPr>
+            <a:r>
+              <a:rPr lang="ru-RU" sz="3100" dirty="0" smtClean="0"/>
+              <a:t>Даты </a:t>
+            </a:r>
+            <a:r>
+              <a:rPr lang="ru-RU" sz="2000" dirty="0" smtClean="0"/>
+              <a:t>(подготовиться до …)</a:t>
+            </a:r>
+          </a:p>
+          <a:p>
+            <a:pPr lvl="1">
+              <a:buFont typeface="Wingdings" panose="05000000000000000000" pitchFamily="2" charset="2"/>
+              <a:buChar char="Ø"/>
+            </a:pPr>
+            <a:r>
+              <a:rPr lang="ru-RU" sz="3100" dirty="0" smtClean="0"/>
+              <a:t>Напоминания</a:t>
+            </a:r>
+            <a:endParaRPr lang="ru-RU" sz="3100" dirty="0"/>
+          </a:p>
+        </p:txBody>
+      </p:sp>
     </p:spTree>
     <p:extLst>
       <p:ext uri="{BB962C8B-B14F-4D97-AF65-F5344CB8AC3E}">
-        <p14:creationId xmlns:p14="http://schemas.microsoft.com/office/powerpoint/2010/main" val="1375063220"/>
+        <p14:creationId xmlns:p14="http://schemas.microsoft.com/office/powerpoint/2010/main" val="2365455938"/>
       </p:ext>
     </p:extLst>
   </p:cSld>
@@ -5030,324 +5115,6 @@
         </p:nvSpPr>
         <p:spPr>
           <a:xfrm>
-            <a:off x="0" y="1"/>
-            <a:ext cx="12192000" cy="6858000"/>
-          </a:xfrm>
-        </p:spPr>
-        <p:txBody>
-          <a:bodyPr/>
-          <a:lstStyle/>
-          <a:p>
-            <a:pPr algn="ctr"/>
-            <a:r>
-              <a:rPr lang="ru-RU" sz="7800" dirty="0" smtClean="0">
-                <a:solidFill>
-                  <a:srgbClr val="FF5564"/>
-                </a:solidFill>
-              </a:rPr>
-              <a:t>Получилось классно.</a:t>
-            </a:r>
-            <a:endParaRPr lang="ru-RU" sz="7800" dirty="0">
-              <a:solidFill>
-                <a:srgbClr val="FF5564"/>
-              </a:solidFill>
-            </a:endParaRPr>
-          </a:p>
-        </p:txBody>
-      </p:sp>
-    </p:spTree>
-    <p:extLst>
-      <p:ext uri="{BB962C8B-B14F-4D97-AF65-F5344CB8AC3E}">
-        <p14:creationId xmlns:p14="http://schemas.microsoft.com/office/powerpoint/2010/main" val="259105848"/>
-      </p:ext>
-    </p:extLst>
-  </p:cSld>
-  <p:clrMapOvr>
-    <a:masterClrMapping/>
-  </p:clrMapOvr>
-  <p:timing>
-    <p:tnLst>
-      <p:par>
-        <p:cTn id="1" dur="indefinite" restart="never" nodeType="tmRoot"/>
-      </p:par>
-    </p:tnLst>
-  </p:timing>
-</p:sld>
-</file>
-
-<file path=ppt/slides/slide25.xml><?xml version="1.0" encoding="utf-8"?>
-<p:sld xmlns:a="http://schemas.openxmlformats.org/drawingml/2006/main" xmlns:r="http://schemas.openxmlformats.org/officeDocument/2006/relationships" xmlns:p="http://schemas.openxmlformats.org/presentationml/2006/main">
-  <p:cSld>
-    <p:bg>
-      <p:bgPr>
-        <a:solidFill>
-          <a:schemeClr val="tx1"/>
-        </a:solidFill>
-        <a:effectLst/>
-      </p:bgPr>
-    </p:bg>
-    <p:spTree>
-      <p:nvGrpSpPr>
-        <p:cNvPr id="1" name=""/>
-        <p:cNvGrpSpPr/>
-        <p:nvPr/>
-      </p:nvGrpSpPr>
-      <p:grpSpPr>
-        <a:xfrm>
-          <a:off x="0" y="0"/>
-          <a:ext cx="0" cy="0"/>
-          <a:chOff x="0" y="0"/>
-          <a:chExt cx="0" cy="0"/>
-        </a:xfrm>
-      </p:grpSpPr>
-      <p:sp>
-        <p:nvSpPr>
-          <p:cNvPr id="2" name="Заголовок 1"/>
-          <p:cNvSpPr>
-            <a:spLocks noGrp="1"/>
-          </p:cNvSpPr>
-          <p:nvPr>
-            <p:ph type="title"/>
-          </p:nvPr>
-        </p:nvSpPr>
-        <p:spPr>
-          <a:xfrm>
-            <a:off x="0" y="1"/>
-            <a:ext cx="12192000" cy="6858000"/>
-          </a:xfrm>
-        </p:spPr>
-        <p:txBody>
-          <a:bodyPr/>
-          <a:lstStyle/>
-          <a:p>
-            <a:pPr algn="ctr"/>
-            <a:r>
-              <a:rPr lang="ru-RU" sz="7800" dirty="0" smtClean="0">
-                <a:solidFill>
-                  <a:schemeClr val="bg1"/>
-                </a:solidFill>
-              </a:rPr>
-              <a:t>Что дальше?</a:t>
-            </a:r>
-            <a:endParaRPr lang="ru-RU" sz="7800" dirty="0">
-              <a:solidFill>
-                <a:schemeClr val="bg1"/>
-              </a:solidFill>
-            </a:endParaRPr>
-          </a:p>
-        </p:txBody>
-      </p:sp>
-    </p:spTree>
-    <p:extLst>
-      <p:ext uri="{BB962C8B-B14F-4D97-AF65-F5344CB8AC3E}">
-        <p14:creationId xmlns:p14="http://schemas.microsoft.com/office/powerpoint/2010/main" val="300075174"/>
-      </p:ext>
-    </p:extLst>
-  </p:cSld>
-  <p:clrMapOvr>
-    <a:masterClrMapping/>
-  </p:clrMapOvr>
-  <p:timing>
-    <p:tnLst>
-      <p:par>
-        <p:cTn id="1" dur="indefinite" restart="never" nodeType="tmRoot"/>
-      </p:par>
-    </p:tnLst>
-  </p:timing>
-</p:sld>
-</file>
-
-<file path=ppt/slides/slide26.xml><?xml version="1.0" encoding="utf-8"?>
-<p:sld xmlns:a="http://schemas.openxmlformats.org/drawingml/2006/main" xmlns:r="http://schemas.openxmlformats.org/officeDocument/2006/relationships" xmlns:p="http://schemas.openxmlformats.org/presentationml/2006/main">
-  <p:cSld>
-    <p:spTree>
-      <p:nvGrpSpPr>
-        <p:cNvPr id="1" name=""/>
-        <p:cNvGrpSpPr/>
-        <p:nvPr/>
-      </p:nvGrpSpPr>
-      <p:grpSpPr>
-        <a:xfrm>
-          <a:off x="0" y="0"/>
-          <a:ext cx="0" cy="0"/>
-          <a:chOff x="0" y="0"/>
-          <a:chExt cx="0" cy="0"/>
-        </a:xfrm>
-      </p:grpSpPr>
-      <p:sp>
-        <p:nvSpPr>
-          <p:cNvPr id="2" name="Заголовок 1"/>
-          <p:cNvSpPr>
-            <a:spLocks noGrp="1"/>
-          </p:cNvSpPr>
-          <p:nvPr>
-            <p:ph type="title"/>
-          </p:nvPr>
-        </p:nvSpPr>
-        <p:spPr>
-          <a:xfrm>
-            <a:off x="838200" y="365125"/>
-            <a:ext cx="10515600" cy="2096064"/>
-          </a:xfrm>
-        </p:spPr>
-        <p:txBody>
-          <a:bodyPr>
-            <a:normAutofit fontScale="90000"/>
-          </a:bodyPr>
-          <a:lstStyle/>
-          <a:p>
-            <a:pPr algn="ctr"/>
-            <a:r>
-              <a:rPr lang="ru-RU" sz="7800" dirty="0" smtClean="0"/>
-              <a:t>Развитие режима </a:t>
-            </a:r>
-            <a:r>
-              <a:rPr lang="ru-RU" sz="7800" dirty="0" smtClean="0">
-                <a:solidFill>
-                  <a:srgbClr val="FF5564"/>
-                </a:solidFill>
-              </a:rPr>
-              <a:t/>
-            </a:r>
-            <a:br>
-              <a:rPr lang="ru-RU" sz="7800" dirty="0" smtClean="0">
-                <a:solidFill>
-                  <a:srgbClr val="FF5564"/>
-                </a:solidFill>
-              </a:rPr>
-            </a:br>
-            <a:r>
-              <a:rPr lang="ru-RU" sz="7800" dirty="0" smtClean="0">
-                <a:solidFill>
-                  <a:srgbClr val="FF5564"/>
-                </a:solidFill>
-              </a:rPr>
-              <a:t>тренировки</a:t>
-            </a:r>
-            <a:endParaRPr lang="ru-RU" sz="7800" dirty="0">
-              <a:solidFill>
-                <a:srgbClr val="FF5564"/>
-              </a:solidFill>
-            </a:endParaRPr>
-          </a:p>
-        </p:txBody>
-      </p:sp>
-      <p:sp>
-        <p:nvSpPr>
-          <p:cNvPr id="5" name="Объект 4"/>
-          <p:cNvSpPr>
-            <a:spLocks noGrp="1"/>
-          </p:cNvSpPr>
-          <p:nvPr>
-            <p:ph idx="1"/>
-          </p:nvPr>
-        </p:nvSpPr>
-        <p:spPr>
-          <a:xfrm>
-            <a:off x="838200" y="2709017"/>
-            <a:ext cx="10515600" cy="3467946"/>
-          </a:xfrm>
-        </p:spPr>
-        <p:txBody>
-          <a:bodyPr/>
-          <a:lstStyle/>
-          <a:p>
-            <a:pPr marL="0" indent="0">
-              <a:buNone/>
-            </a:pPr>
-            <a:r>
-              <a:rPr lang="ru-RU" sz="5600" dirty="0" smtClean="0"/>
-              <a:t>Например:</a:t>
-            </a:r>
-          </a:p>
-          <a:p>
-            <a:pPr marL="0" indent="0">
-              <a:buNone/>
-            </a:pPr>
-            <a:endParaRPr lang="ru-RU" sz="4000" dirty="0" smtClean="0"/>
-          </a:p>
-          <a:p>
-            <a:r>
-              <a:rPr lang="ru-RU" sz="3500" b="1" dirty="0" smtClean="0"/>
-              <a:t>Сценарии и планы подготовки</a:t>
-            </a:r>
-          </a:p>
-          <a:p>
-            <a:pPr lvl="1">
-              <a:buFont typeface="Wingdings" panose="05000000000000000000" pitchFamily="2" charset="2"/>
-              <a:buChar char="Ø"/>
-            </a:pPr>
-            <a:r>
-              <a:rPr lang="ru-RU" sz="3100" dirty="0" smtClean="0"/>
-              <a:t>Даты </a:t>
-            </a:r>
-            <a:r>
-              <a:rPr lang="ru-RU" sz="2000" dirty="0" smtClean="0"/>
-              <a:t>(подготовиться до …)</a:t>
-            </a:r>
-          </a:p>
-          <a:p>
-            <a:pPr lvl="1">
-              <a:buFont typeface="Wingdings" panose="05000000000000000000" pitchFamily="2" charset="2"/>
-              <a:buChar char="Ø"/>
-            </a:pPr>
-            <a:r>
-              <a:rPr lang="ru-RU" sz="3100" dirty="0" smtClean="0"/>
-              <a:t>Напоминания</a:t>
-            </a:r>
-            <a:endParaRPr lang="ru-RU" sz="3100" dirty="0"/>
-          </a:p>
-        </p:txBody>
-      </p:sp>
-    </p:spTree>
-    <p:extLst>
-      <p:ext uri="{BB962C8B-B14F-4D97-AF65-F5344CB8AC3E}">
-        <p14:creationId xmlns:p14="http://schemas.microsoft.com/office/powerpoint/2010/main" val="2365455938"/>
-      </p:ext>
-    </p:extLst>
-  </p:cSld>
-  <p:clrMapOvr>
-    <a:masterClrMapping/>
-  </p:clrMapOvr>
-  <p:timing>
-    <p:tnLst>
-      <p:par>
-        <p:cTn id="1" dur="indefinite" restart="never" nodeType="tmRoot"/>
-      </p:par>
-    </p:tnLst>
-  </p:timing>
-</p:sld>
-</file>
-
-<file path=ppt/slides/slide27.xml><?xml version="1.0" encoding="utf-8"?>
-<p:sld xmlns:a="http://schemas.openxmlformats.org/drawingml/2006/main" xmlns:r="http://schemas.openxmlformats.org/officeDocument/2006/relationships" xmlns:p="http://schemas.openxmlformats.org/presentationml/2006/main">
-  <p:cSld>
-    <p:spTree>
-      <p:nvGrpSpPr>
-        <p:cNvPr id="1" name=""/>
-        <p:cNvGrpSpPr/>
-        <p:nvPr/>
-      </p:nvGrpSpPr>
-      <p:grpSpPr>
-        <a:xfrm>
-          <a:off x="0" y="0"/>
-          <a:ext cx="0" cy="0"/>
-          <a:chOff x="0" y="0"/>
-          <a:chExt cx="0" cy="0"/>
-        </a:xfrm>
-      </p:grpSpPr>
-      <p:sp>
-        <p:nvSpPr>
-          <p:cNvPr id="2" name="Заголовок 1"/>
-          <p:cNvSpPr>
-            <a:spLocks noGrp="1"/>
-          </p:cNvSpPr>
-          <p:nvPr>
-            <p:ph type="title"/>
-          </p:nvPr>
-        </p:nvSpPr>
-        <p:spPr>
-          <a:xfrm>
             <a:off x="838200" y="365125"/>
             <a:ext cx="10515600" cy="2096064"/>
           </a:xfrm>
@@ -5480,7 +5247,7 @@
 </p:sld>
 </file>
 
-<file path=ppt/slides/slide28.xml><?xml version="1.0" encoding="utf-8"?>
+<file path=ppt/slides/slide25.xml><?xml version="1.0" encoding="utf-8"?>
 <p:sld xmlns:a="http://schemas.openxmlformats.org/drawingml/2006/main" xmlns:r="http://schemas.openxmlformats.org/officeDocument/2006/relationships" xmlns:p="http://schemas.openxmlformats.org/presentationml/2006/main">
   <p:cSld>
     <p:spTree>
@@ -5639,7 +5406,7 @@
 </p:sld>
 </file>
 
-<file path=ppt/slides/slide29.xml><?xml version="1.0" encoding="utf-8"?>
+<file path=ppt/slides/slide26.xml><?xml version="1.0" encoding="utf-8"?>
 <p:sld xmlns:a="http://schemas.openxmlformats.org/drawingml/2006/main" xmlns:r="http://schemas.openxmlformats.org/officeDocument/2006/relationships" xmlns:p="http://schemas.openxmlformats.org/presentationml/2006/main">
   <p:cSld>
     <p:bg>
